--- a/Courses/Applied-Programmer/Programming-Basics/05-Подпрограми/14.Деклариране-и-извикване-на-методи.pptx
+++ b/Courses/Applied-Programmer/Programming-Basics/05-Подпрограми/14.Деклариране-и-извикване-на-методи.pptx
@@ -322,7 +322,7 @@
             <a:fld id="{FE5B4EDC-59C0-49C7-8ADA-5A781B329E02}" type="datetimeFigureOut">
               <a:rPr lang="en-US"/>
               <a:pPr/>
-              <a:t>16-Dec-19</a:t>
+              <a:t>09-Nov-20</a:t>
             </a:fld>
             <a:endParaRPr dirty="0"/>
           </a:p>
@@ -620,7 +620,7 @@
             <a:fld id="{F2D8D46A-B586-417D-BFBD-8C8FE0AAF762}" type="datetimeFigureOut">
               <a:rPr lang="en-US" smtClean="0"/>
               <a:pPr/>
-              <a:t>16-Dec-19</a:t>
+              <a:t>09-Nov-20</a:t>
             </a:fld>
             <a:endParaRPr lang="en-US" dirty="0"/>
           </a:p>
@@ -5336,7 +5336,7 @@
               <a:t>Направете метод </a:t>
             </a:r>
             <a:r>
-              <a:rPr lang="en-US" dirty="0" err="1"/>
+              <a:rPr lang="en-US" dirty="0"/>
               <a:t>PrintReceipt</a:t>
             </a:r>
             <a:r>
@@ -5391,7 +5391,7 @@
         </p:nvSpPr>
         <p:spPr bwMode="auto">
           <a:xfrm>
-            <a:off x="836612" y="3909259"/>
+            <a:off x="836612" y="3837890"/>
             <a:ext cx="5105400" cy="2104028"/>
           </a:xfrm>
           <a:prstGeom prst="rect">
@@ -5628,7 +5628,7 @@
         </p:blipFill>
         <p:spPr>
           <a:xfrm>
-            <a:off x="7008812" y="3904487"/>
+            <a:off x="7008812" y="3833046"/>
             <a:ext cx="3526063" cy="2113716"/>
           </a:xfrm>
           <a:prstGeom prst="rect">
@@ -5644,7 +5644,7 @@
         </p:nvSpPr>
         <p:spPr>
           <a:xfrm>
-            <a:off x="6246812" y="4770773"/>
+            <a:off x="6246812" y="4699404"/>
             <a:ext cx="457200" cy="381000"/>
           </a:xfrm>
           <a:prstGeom prst="rightArrow">
@@ -5732,6 +5732,107 @@
                   <a:tint val="75000"/>
                 </a:prstClr>
               </a:solidFill>
+            </a:endParaRPr>
+          </a:p>
+        </p:txBody>
+      </p:sp>
+      <p:sp>
+        <p:nvSpPr>
+          <p:cNvPr id="6" name="Текстово поле 5">
+            <a:extLst>
+              <a:ext uri="{FF2B5EF4-FFF2-40B4-BE49-F238E27FC236}">
+                <a16:creationId xmlns:a16="http://schemas.microsoft.com/office/drawing/2014/main" id="{EE4B6F95-F086-40BE-97AC-3A19ED012396}"/>
+              </a:ext>
+            </a:extLst>
+          </p:cNvPr>
+          <p:cNvSpPr txBox="1"/>
+          <p:nvPr/>
+        </p:nvSpPr>
+        <p:spPr>
+          <a:xfrm>
+            <a:off x="1042928" y="5952486"/>
+            <a:ext cx="10096596" cy="865173"/>
+          </a:xfrm>
+          <a:prstGeom prst="rect">
+            <a:avLst/>
+          </a:prstGeom>
+          <a:noFill/>
+        </p:spPr>
+        <p:txBody>
+          <a:bodyPr wrap="square" rtlCol="0">
+            <a:spAutoFit/>
+          </a:bodyPr>
+          <a:lstStyle/>
+          <a:p>
+            <a:pPr marL="0" marR="0" algn="ctr">
+              <a:lnSpc>
+                <a:spcPct val="107000"/>
+              </a:lnSpc>
+              <a:spcBef>
+                <a:spcPts val="0"/>
+              </a:spcBef>
+              <a:spcAft>
+                <a:spcPts val="0"/>
+              </a:spcAft>
+            </a:pPr>
+            <a:r>
+              <a:rPr lang="bg-BG" dirty="0">
+                <a:effectLst/>
+                <a:latin typeface="Calibri" panose="020F0502020204030204" pitchFamily="34" charset="0"/>
+                <a:ea typeface="Calibri" panose="020F0502020204030204" pitchFamily="34" charset="0"/>
+                <a:cs typeface="Times New Roman" panose="02020603050405020304" pitchFamily="18" charset="0"/>
+              </a:rPr>
+              <a:t>Тествайте в </a:t>
+            </a:r>
+            <a:r>
+              <a:rPr lang="en-US" dirty="0">
+                <a:effectLst/>
+                <a:latin typeface="Calibri" panose="020F0502020204030204" pitchFamily="34" charset="0"/>
+                <a:ea typeface="Calibri" panose="020F0502020204030204" pitchFamily="34" charset="0"/>
+                <a:cs typeface="Times New Roman" panose="02020603050405020304" pitchFamily="18" charset="0"/>
+              </a:rPr>
+              <a:t>Judge: </a:t>
+            </a:r>
+            <a:r>
+              <a:rPr lang="bg-BG" dirty="0">
+                <a:effectLst/>
+                <a:latin typeface="Calibri" panose="020F0502020204030204" pitchFamily="34" charset="0"/>
+                <a:ea typeface="Calibri" panose="020F0502020204030204" pitchFamily="34" charset="0"/>
+                <a:cs typeface="Times New Roman" panose="02020603050405020304" pitchFamily="18" charset="0"/>
+              </a:rPr>
+              <a:t> </a:t>
+            </a:r>
+          </a:p>
+          <a:p>
+            <a:pPr marL="0" marR="0" algn="ctr">
+              <a:lnSpc>
+                <a:spcPct val="107000"/>
+              </a:lnSpc>
+              <a:spcBef>
+                <a:spcPts val="0"/>
+              </a:spcBef>
+              <a:spcAft>
+                <a:spcPts val="0"/>
+              </a:spcAft>
+            </a:pPr>
+            <a:r>
+              <a:rPr lang="bg-BG" u="sng" dirty="0">
+                <a:solidFill>
+                  <a:srgbClr val="0563C1"/>
+                </a:solidFill>
+                <a:effectLst/>
+                <a:latin typeface="Calibri" panose="020F0502020204030204" pitchFamily="34" charset="0"/>
+                <a:ea typeface="Calibri" panose="020F0502020204030204" pitchFamily="34" charset="0"/>
+                <a:cs typeface="Times New Roman" panose="02020603050405020304" pitchFamily="18" charset="0"/>
+                <a:hlinkClick r:id="rId3"/>
+              </a:rPr>
+              <a:t>https://judge.softuni.bg/Contests/2643/Деклариране-и-извикване-на-методи</a:t>
+            </a:r>
+            <a:endParaRPr lang="en-US" dirty="0">
+              <a:effectLst/>
+              <a:latin typeface="Calibri" panose="020F0502020204030204" pitchFamily="34" charset="0"/>
+              <a:ea typeface="Calibri" panose="020F0502020204030204" pitchFamily="34" charset="0"/>
+              <a:cs typeface="Times New Roman" panose="02020603050405020304" pitchFamily="18" charset="0"/>
             </a:endParaRPr>
           </a:p>
         </p:txBody>
@@ -9111,39 +9212,15 @@
           <a:p>
             <a:r>
               <a:rPr lang="ru-RU" dirty="0"/>
-              <a:t>Да се </a:t>
-            </a:r>
-            <a:r>
-              <a:rPr lang="ru-RU" dirty="0" err="1"/>
-              <a:t>създаде</a:t>
+              <a:t>Да се създаде метод, който </a:t>
+            </a:r>
+            <a:r>
+              <a:rPr lang="bg-BG" dirty="0"/>
+              <a:t>печата</a:t>
             </a:r>
             <a:r>
               <a:rPr lang="ru-RU" dirty="0"/>
-              <a:t> метод, </a:t>
-            </a:r>
-            <a:r>
-              <a:rPr lang="ru-RU" dirty="0" err="1"/>
-              <a:t>който</a:t>
-            </a:r>
-            <a:r>
-              <a:rPr lang="ru-RU" dirty="0"/>
-              <a:t> </a:t>
-            </a:r>
-            <a:r>
-              <a:rPr lang="ru-RU" dirty="0" err="1"/>
-              <a:t>печата</a:t>
-            </a:r>
-            <a:r>
-              <a:rPr lang="ru-RU" dirty="0"/>
-              <a:t> знака на </a:t>
-            </a:r>
-            <a:r>
-              <a:rPr lang="ru-RU" dirty="0" err="1"/>
-              <a:t>цяло</a:t>
-            </a:r>
-            <a:r>
-              <a:rPr lang="ru-RU" dirty="0"/>
-              <a:t> число </a:t>
+              <a:t> знака на цяло число </a:t>
             </a:r>
             <a:r>
               <a:rPr lang="en-US" b="1" dirty="0">
@@ -10227,6 +10304,107 @@
                   <a:tint val="75000"/>
                 </a:prstClr>
               </a:solidFill>
+            </a:endParaRPr>
+          </a:p>
+        </p:txBody>
+      </p:sp>
+      <p:sp>
+        <p:nvSpPr>
+          <p:cNvPr id="2" name="Текстово поле 1">
+            <a:extLst>
+              <a:ext uri="{FF2B5EF4-FFF2-40B4-BE49-F238E27FC236}">
+                <a16:creationId xmlns:a16="http://schemas.microsoft.com/office/drawing/2014/main" id="{D4D606BA-6CA3-4B8A-AE20-C081226BDCE1}"/>
+              </a:ext>
+            </a:extLst>
+          </p:cNvPr>
+          <p:cNvSpPr txBox="1"/>
+          <p:nvPr/>
+        </p:nvSpPr>
+        <p:spPr>
+          <a:xfrm>
+            <a:off x="1042928" y="5257800"/>
+            <a:ext cx="10096596" cy="865173"/>
+          </a:xfrm>
+          <a:prstGeom prst="rect">
+            <a:avLst/>
+          </a:prstGeom>
+          <a:noFill/>
+        </p:spPr>
+        <p:txBody>
+          <a:bodyPr wrap="square" rtlCol="0">
+            <a:spAutoFit/>
+          </a:bodyPr>
+          <a:lstStyle/>
+          <a:p>
+            <a:pPr marL="0" marR="0" algn="ctr">
+              <a:lnSpc>
+                <a:spcPct val="107000"/>
+              </a:lnSpc>
+              <a:spcBef>
+                <a:spcPts val="0"/>
+              </a:spcBef>
+              <a:spcAft>
+                <a:spcPts val="0"/>
+              </a:spcAft>
+            </a:pPr>
+            <a:r>
+              <a:rPr lang="bg-BG" dirty="0">
+                <a:effectLst/>
+                <a:latin typeface="Calibri" panose="020F0502020204030204" pitchFamily="34" charset="0"/>
+                <a:ea typeface="Calibri" panose="020F0502020204030204" pitchFamily="34" charset="0"/>
+                <a:cs typeface="Times New Roman" panose="02020603050405020304" pitchFamily="18" charset="0"/>
+              </a:rPr>
+              <a:t>Тествайте в </a:t>
+            </a:r>
+            <a:r>
+              <a:rPr lang="en-US" dirty="0">
+                <a:effectLst/>
+                <a:latin typeface="Calibri" panose="020F0502020204030204" pitchFamily="34" charset="0"/>
+                <a:ea typeface="Calibri" panose="020F0502020204030204" pitchFamily="34" charset="0"/>
+                <a:cs typeface="Times New Roman" panose="02020603050405020304" pitchFamily="18" charset="0"/>
+              </a:rPr>
+              <a:t>Judge: </a:t>
+            </a:r>
+            <a:r>
+              <a:rPr lang="bg-BG" dirty="0">
+                <a:effectLst/>
+                <a:latin typeface="Calibri" panose="020F0502020204030204" pitchFamily="34" charset="0"/>
+                <a:ea typeface="Calibri" panose="020F0502020204030204" pitchFamily="34" charset="0"/>
+                <a:cs typeface="Times New Roman" panose="02020603050405020304" pitchFamily="18" charset="0"/>
+              </a:rPr>
+              <a:t> </a:t>
+            </a:r>
+          </a:p>
+          <a:p>
+            <a:pPr marL="0" marR="0" algn="ctr">
+              <a:lnSpc>
+                <a:spcPct val="107000"/>
+              </a:lnSpc>
+              <a:spcBef>
+                <a:spcPts val="0"/>
+              </a:spcBef>
+              <a:spcAft>
+                <a:spcPts val="0"/>
+              </a:spcAft>
+            </a:pPr>
+            <a:r>
+              <a:rPr lang="bg-BG" u="sng" dirty="0">
+                <a:solidFill>
+                  <a:srgbClr val="0563C1"/>
+                </a:solidFill>
+                <a:effectLst/>
+                <a:latin typeface="Calibri" panose="020F0502020204030204" pitchFamily="34" charset="0"/>
+                <a:ea typeface="Calibri" panose="020F0502020204030204" pitchFamily="34" charset="0"/>
+                <a:cs typeface="Times New Roman" panose="02020603050405020304" pitchFamily="18" charset="0"/>
+                <a:hlinkClick r:id="rId2"/>
+              </a:rPr>
+              <a:t>https://judge.softuni.bg/Contests/2643/Деклариране-и-извикване-на-методи</a:t>
+            </a:r>
+            <a:endParaRPr lang="en-US" dirty="0">
+              <a:effectLst/>
+              <a:latin typeface="Calibri" panose="020F0502020204030204" pitchFamily="34" charset="0"/>
+              <a:ea typeface="Calibri" panose="020F0502020204030204" pitchFamily="34" charset="0"/>
+              <a:cs typeface="Times New Roman" panose="02020603050405020304" pitchFamily="18" charset="0"/>
             </a:endParaRPr>
           </a:p>
         </p:txBody>
@@ -10302,47 +10480,7 @@
           <a:p>
             <a:r>
               <a:rPr lang="ru-RU" dirty="0"/>
-              <a:t>Да се </a:t>
-            </a:r>
-            <a:r>
-              <a:rPr lang="ru-RU" dirty="0" err="1"/>
-              <a:t>създаде</a:t>
-            </a:r>
-            <a:r>
-              <a:rPr lang="ru-RU" dirty="0"/>
-              <a:t> метод, </a:t>
-            </a:r>
-            <a:r>
-              <a:rPr lang="ru-RU" dirty="0" err="1"/>
-              <a:t>който</a:t>
-            </a:r>
-            <a:r>
-              <a:rPr lang="ru-RU" dirty="0"/>
-              <a:t> </a:t>
-            </a:r>
-            <a:r>
-              <a:rPr lang="ru-RU" dirty="0" err="1"/>
-              <a:t>принтира</a:t>
-            </a:r>
-            <a:r>
-              <a:rPr lang="ru-RU" dirty="0"/>
-              <a:t> </a:t>
-            </a:r>
-            <a:r>
-              <a:rPr lang="ru-RU" dirty="0" err="1"/>
-              <a:t>триъгълник</a:t>
-            </a:r>
-            <a:r>
-              <a:rPr lang="ru-RU" dirty="0"/>
-              <a:t>, </a:t>
-            </a:r>
-            <a:r>
-              <a:rPr lang="ru-RU" dirty="0" err="1"/>
-              <a:t>както</a:t>
-            </a:r>
-            <a:r>
-              <a:rPr lang="ru-RU" dirty="0"/>
-              <a:t> е показано в примерите</a:t>
+              <a:t>Да се създаде метод, който принтира триъгълник, както е показано в примерите</a:t>
             </a:r>
             <a:r>
               <a:rPr lang="en-US" dirty="0"/>
@@ -11712,7 +11850,7 @@
         </p:nvSpPr>
         <p:spPr bwMode="auto">
           <a:xfrm>
-            <a:off x="1025524" y="2310348"/>
+            <a:off x="1023926" y="2275218"/>
             <a:ext cx="10134600" cy="3785652"/>
           </a:xfrm>
           <a:prstGeom prst="rect">
@@ -12259,6 +12397,107 @@
                   <a:tint val="75000"/>
                 </a:prstClr>
               </a:solidFill>
+            </a:endParaRPr>
+          </a:p>
+        </p:txBody>
+      </p:sp>
+      <p:sp>
+        <p:nvSpPr>
+          <p:cNvPr id="2" name="Текстово поле 1">
+            <a:extLst>
+              <a:ext uri="{FF2B5EF4-FFF2-40B4-BE49-F238E27FC236}">
+                <a16:creationId xmlns:a16="http://schemas.microsoft.com/office/drawing/2014/main" id="{A5154CFE-A0B5-4D9A-9C12-B35980EEA4FB}"/>
+              </a:ext>
+            </a:extLst>
+          </p:cNvPr>
+          <p:cNvSpPr txBox="1"/>
+          <p:nvPr/>
+        </p:nvSpPr>
+        <p:spPr>
+          <a:xfrm>
+            <a:off x="1042928" y="5992827"/>
+            <a:ext cx="10096596" cy="865173"/>
+          </a:xfrm>
+          <a:prstGeom prst="rect">
+            <a:avLst/>
+          </a:prstGeom>
+          <a:noFill/>
+        </p:spPr>
+        <p:txBody>
+          <a:bodyPr wrap="square" rtlCol="0">
+            <a:spAutoFit/>
+          </a:bodyPr>
+          <a:lstStyle/>
+          <a:p>
+            <a:pPr marL="0" marR="0" algn="ctr">
+              <a:lnSpc>
+                <a:spcPct val="107000"/>
+              </a:lnSpc>
+              <a:spcBef>
+                <a:spcPts val="0"/>
+              </a:spcBef>
+              <a:spcAft>
+                <a:spcPts val="0"/>
+              </a:spcAft>
+            </a:pPr>
+            <a:r>
+              <a:rPr lang="bg-BG" dirty="0">
+                <a:effectLst/>
+                <a:latin typeface="Calibri" panose="020F0502020204030204" pitchFamily="34" charset="0"/>
+                <a:ea typeface="Calibri" panose="020F0502020204030204" pitchFamily="34" charset="0"/>
+                <a:cs typeface="Times New Roman" panose="02020603050405020304" pitchFamily="18" charset="0"/>
+              </a:rPr>
+              <a:t>Тествайте в </a:t>
+            </a:r>
+            <a:r>
+              <a:rPr lang="en-US" dirty="0">
+                <a:effectLst/>
+                <a:latin typeface="Calibri" panose="020F0502020204030204" pitchFamily="34" charset="0"/>
+                <a:ea typeface="Calibri" panose="020F0502020204030204" pitchFamily="34" charset="0"/>
+                <a:cs typeface="Times New Roman" panose="02020603050405020304" pitchFamily="18" charset="0"/>
+              </a:rPr>
+              <a:t>Judge: </a:t>
+            </a:r>
+            <a:r>
+              <a:rPr lang="bg-BG" dirty="0">
+                <a:effectLst/>
+                <a:latin typeface="Calibri" panose="020F0502020204030204" pitchFamily="34" charset="0"/>
+                <a:ea typeface="Calibri" panose="020F0502020204030204" pitchFamily="34" charset="0"/>
+                <a:cs typeface="Times New Roman" panose="02020603050405020304" pitchFamily="18" charset="0"/>
+              </a:rPr>
+              <a:t> </a:t>
+            </a:r>
+          </a:p>
+          <a:p>
+            <a:pPr marL="0" marR="0" algn="ctr">
+              <a:lnSpc>
+                <a:spcPct val="107000"/>
+              </a:lnSpc>
+              <a:spcBef>
+                <a:spcPts val="0"/>
+              </a:spcBef>
+              <a:spcAft>
+                <a:spcPts val="0"/>
+              </a:spcAft>
+            </a:pPr>
+            <a:r>
+              <a:rPr lang="bg-BG" u="sng" dirty="0">
+                <a:solidFill>
+                  <a:srgbClr val="0563C1"/>
+                </a:solidFill>
+                <a:effectLst/>
+                <a:latin typeface="Calibri" panose="020F0502020204030204" pitchFamily="34" charset="0"/>
+                <a:ea typeface="Calibri" panose="020F0502020204030204" pitchFamily="34" charset="0"/>
+                <a:cs typeface="Times New Roman" panose="02020603050405020304" pitchFamily="18" charset="0"/>
+                <a:hlinkClick r:id="rId2"/>
+              </a:rPr>
+              <a:t>https://judge.softuni.bg/Contests/2643/Деклариране-и-извикване-на-методи</a:t>
+            </a:r>
+            <a:endParaRPr lang="en-US" dirty="0">
+              <a:effectLst/>
+              <a:latin typeface="Calibri" panose="020F0502020204030204" pitchFamily="34" charset="0"/>
+              <a:ea typeface="Calibri" panose="020F0502020204030204" pitchFamily="34" charset="0"/>
+              <a:cs typeface="Times New Roman" panose="02020603050405020304" pitchFamily="18" charset="0"/>
             </a:endParaRPr>
           </a:p>
         </p:txBody>
@@ -12394,48 +12633,22 @@
           <a:lstStyle/>
           <a:p>
             <a:r>
-              <a:rPr lang="ru-RU" dirty="0" err="1"/>
-              <a:t>Нарисувайте</a:t>
-            </a:r>
-            <a:r>
               <a:rPr lang="ru-RU" dirty="0"/>
-              <a:t> на </a:t>
-            </a:r>
-            <a:r>
-              <a:rPr lang="ru-RU" dirty="0" err="1"/>
-              <a:t>конзолата</a:t>
-            </a:r>
-            <a:r>
-              <a:rPr lang="ru-RU" dirty="0"/>
-              <a:t> </a:t>
-            </a:r>
-            <a:r>
-              <a:rPr lang="ru-RU" dirty="0" err="1">
+              <a:t>Нарисувайте на конзолата </a:t>
+            </a:r>
+            <a:r>
+              <a:rPr lang="ru-RU" dirty="0">
                 <a:solidFill>
                   <a:schemeClr val="tx2">
                     <a:lumMod val="75000"/>
                   </a:schemeClr>
                 </a:solidFill>
               </a:rPr>
-              <a:t>запълнен</a:t>
-            </a:r>
-            <a:r>
-              <a:rPr lang="ru-RU" dirty="0">
-                <a:solidFill>
-                  <a:schemeClr val="tx2">
-                    <a:lumMod val="75000"/>
-                  </a:schemeClr>
-                </a:solidFill>
-              </a:rPr>
-              <a:t> квадрат </a:t>
-            </a:r>
-            <a:r>
-              <a:rPr lang="ru-RU" dirty="0" err="1"/>
-              <a:t>със</a:t>
+              <a:t>запълнен квадрат </a:t>
             </a:r>
             <a:r>
               <a:rPr lang="ru-RU" dirty="0"/>
-              <a:t> страна </a:t>
+              <a:t>със страна </a:t>
             </a:r>
             <a:r>
               <a:rPr lang="en-US" sz="3600" b="1" noProof="1">
@@ -12457,23 +12670,7 @@
             </a:r>
             <a:r>
               <a:rPr lang="ru-RU" dirty="0"/>
-              <a:t>, </a:t>
-            </a:r>
-            <a:r>
-              <a:rPr lang="ru-RU" dirty="0" err="1"/>
-              <a:t>както</a:t>
-            </a:r>
-            <a:r>
-              <a:rPr lang="ru-RU" dirty="0"/>
-              <a:t> е </a:t>
-            </a:r>
-            <a:r>
-              <a:rPr lang="ru-RU" dirty="0" err="1"/>
-              <a:t>показно</a:t>
-            </a:r>
-            <a:r>
-              <a:rPr lang="ru-RU" dirty="0"/>
-              <a:t> в примера</a:t>
+              <a:t>, както е показано в примера</a:t>
             </a:r>
             <a:r>
               <a:rPr lang="en-US" sz="3200" dirty="0"/>
@@ -12515,10 +12712,10 @@
         </p:nvGrpSpPr>
         <p:grpSpPr>
           <a:xfrm>
-            <a:off x="8432126" y="1725549"/>
-            <a:ext cx="3134286" cy="1697763"/>
-            <a:chOff x="7227326" y="1883637"/>
-            <a:chExt cx="3134286" cy="1697763"/>
+            <a:off x="8492605" y="1670711"/>
+            <a:ext cx="3080593" cy="1697763"/>
+            <a:chOff x="7287805" y="1828799"/>
+            <a:chExt cx="3080593" cy="1697763"/>
           </a:xfrm>
         </p:grpSpPr>
         <p:sp>
@@ -12531,7 +12728,7 @@
           </p:nvSpPr>
           <p:spPr bwMode="auto">
             <a:xfrm>
-              <a:off x="7227326" y="2365494"/>
+              <a:off x="7287805" y="2338366"/>
               <a:ext cx="609600" cy="624374"/>
             </a:xfrm>
             <a:prstGeom prst="rect">
@@ -12601,7 +12798,7 @@
           </p:nvSpPr>
           <p:spPr bwMode="auto">
             <a:xfrm>
-              <a:off x="8609012" y="1883637"/>
+              <a:off x="8615798" y="1828799"/>
               <a:ext cx="1752600" cy="1697763"/>
             </a:xfrm>
             <a:prstGeom prst="rect">
@@ -12805,7 +13002,7 @@
         </p:nvSpPr>
         <p:spPr bwMode="auto">
           <a:xfrm>
-            <a:off x="608012" y="2487363"/>
+            <a:off x="604944" y="2296501"/>
             <a:ext cx="5354181" cy="3684837"/>
           </a:xfrm>
           <a:prstGeom prst="rect">
@@ -13192,7 +13389,7 @@
         </p:nvSpPr>
         <p:spPr bwMode="auto">
           <a:xfrm>
-            <a:off x="6156212" y="3656914"/>
+            <a:off x="6156212" y="3466052"/>
             <a:ext cx="5410200" cy="2515286"/>
           </a:xfrm>
           <a:prstGeom prst="rect">
@@ -13446,7 +13643,7 @@
         </p:nvSpPr>
         <p:spPr bwMode="auto">
           <a:xfrm>
-            <a:off x="6059331" y="1931584"/>
+            <a:off x="6084571" y="1839935"/>
             <a:ext cx="2275657" cy="978316"/>
           </a:xfrm>
           <a:prstGeom prst="wedgeRoundRectCallout">
@@ -13604,6 +13801,107 @@
                   <a:tint val="75000"/>
                 </a:prstClr>
               </a:solidFill>
+            </a:endParaRPr>
+          </a:p>
+        </p:txBody>
+      </p:sp>
+      <p:sp>
+        <p:nvSpPr>
+          <p:cNvPr id="2" name="Текстово поле 1">
+            <a:extLst>
+              <a:ext uri="{FF2B5EF4-FFF2-40B4-BE49-F238E27FC236}">
+                <a16:creationId xmlns:a16="http://schemas.microsoft.com/office/drawing/2014/main" id="{688C3008-6B4E-4C3D-9C46-2B961CE349C5}"/>
+              </a:ext>
+            </a:extLst>
+          </p:cNvPr>
+          <p:cNvSpPr txBox="1"/>
+          <p:nvPr/>
+        </p:nvSpPr>
+        <p:spPr>
+          <a:xfrm>
+            <a:off x="1036273" y="5926731"/>
+            <a:ext cx="10096596" cy="865173"/>
+          </a:xfrm>
+          <a:prstGeom prst="rect">
+            <a:avLst/>
+          </a:prstGeom>
+          <a:noFill/>
+        </p:spPr>
+        <p:txBody>
+          <a:bodyPr wrap="square" rtlCol="0">
+            <a:spAutoFit/>
+          </a:bodyPr>
+          <a:lstStyle/>
+          <a:p>
+            <a:pPr marL="0" marR="0" algn="ctr">
+              <a:lnSpc>
+                <a:spcPct val="107000"/>
+              </a:lnSpc>
+              <a:spcBef>
+                <a:spcPts val="0"/>
+              </a:spcBef>
+              <a:spcAft>
+                <a:spcPts val="0"/>
+              </a:spcAft>
+            </a:pPr>
+            <a:r>
+              <a:rPr lang="bg-BG" dirty="0">
+                <a:effectLst/>
+                <a:latin typeface="Calibri" panose="020F0502020204030204" pitchFamily="34" charset="0"/>
+                <a:ea typeface="Calibri" panose="020F0502020204030204" pitchFamily="34" charset="0"/>
+                <a:cs typeface="Times New Roman" panose="02020603050405020304" pitchFamily="18" charset="0"/>
+              </a:rPr>
+              <a:t>Тествайте в </a:t>
+            </a:r>
+            <a:r>
+              <a:rPr lang="en-US" dirty="0">
+                <a:effectLst/>
+                <a:latin typeface="Calibri" panose="020F0502020204030204" pitchFamily="34" charset="0"/>
+                <a:ea typeface="Calibri" panose="020F0502020204030204" pitchFamily="34" charset="0"/>
+                <a:cs typeface="Times New Roman" panose="02020603050405020304" pitchFamily="18" charset="0"/>
+              </a:rPr>
+              <a:t>Judge: </a:t>
+            </a:r>
+            <a:r>
+              <a:rPr lang="bg-BG" dirty="0">
+                <a:effectLst/>
+                <a:latin typeface="Calibri" panose="020F0502020204030204" pitchFamily="34" charset="0"/>
+                <a:ea typeface="Calibri" panose="020F0502020204030204" pitchFamily="34" charset="0"/>
+                <a:cs typeface="Times New Roman" panose="02020603050405020304" pitchFamily="18" charset="0"/>
+              </a:rPr>
+              <a:t> </a:t>
+            </a:r>
+          </a:p>
+          <a:p>
+            <a:pPr marL="0" marR="0" algn="ctr">
+              <a:lnSpc>
+                <a:spcPct val="107000"/>
+              </a:lnSpc>
+              <a:spcBef>
+                <a:spcPts val="0"/>
+              </a:spcBef>
+              <a:spcAft>
+                <a:spcPts val="0"/>
+              </a:spcAft>
+            </a:pPr>
+            <a:r>
+              <a:rPr lang="bg-BG" u="sng" dirty="0">
+                <a:solidFill>
+                  <a:srgbClr val="0563C1"/>
+                </a:solidFill>
+                <a:effectLst/>
+                <a:latin typeface="Calibri" panose="020F0502020204030204" pitchFamily="34" charset="0"/>
+                <a:ea typeface="Calibri" panose="020F0502020204030204" pitchFamily="34" charset="0"/>
+                <a:cs typeface="Times New Roman" panose="02020603050405020304" pitchFamily="18" charset="0"/>
+                <a:hlinkClick r:id="rId2"/>
+              </a:rPr>
+              <a:t>https://judge.softuni.bg/Contests/2643/Деклариране-и-извикване-на-методи</a:t>
+            </a:r>
+            <a:endParaRPr lang="en-US" dirty="0">
+              <a:effectLst/>
+              <a:latin typeface="Calibri" panose="020F0502020204030204" pitchFamily="34" charset="0"/>
+              <a:ea typeface="Calibri" panose="020F0502020204030204" pitchFamily="34" charset="0"/>
+              <a:cs typeface="Times New Roman" panose="02020603050405020304" pitchFamily="18" charset="0"/>
             </a:endParaRPr>
           </a:p>
         </p:txBody>
@@ -20392,51 +20690,15 @@
           <a:p>
             <a:r>
               <a:rPr lang="ru-RU" dirty="0"/>
-              <a:t>Да се </a:t>
-            </a:r>
-            <a:r>
-              <a:rPr lang="ru-RU" dirty="0" err="1"/>
-              <a:t>напише</a:t>
+              <a:t>Да се напише метод, който печата </a:t>
+            </a:r>
+            <a:r>
+              <a:rPr lang="bg-BG" dirty="0"/>
+              <a:t>празна</a:t>
             </a:r>
             <a:r>
               <a:rPr lang="ru-RU" dirty="0"/>
-              <a:t> метод, </a:t>
-            </a:r>
-            <a:r>
-              <a:rPr lang="ru-RU" dirty="0" err="1"/>
-              <a:t>който</a:t>
-            </a:r>
-            <a:r>
-              <a:rPr lang="ru-RU" dirty="0"/>
-              <a:t> </a:t>
-            </a:r>
-            <a:r>
-              <a:rPr lang="ru-RU" dirty="0" err="1"/>
-              <a:t>печата</a:t>
-            </a:r>
-            <a:r>
-              <a:rPr lang="ru-RU" dirty="0"/>
-              <a:t> </a:t>
-            </a:r>
-            <a:r>
-              <a:rPr lang="ru-RU" dirty="0" err="1"/>
-              <a:t>празна</a:t>
-            </a:r>
-            <a:r>
-              <a:rPr lang="ru-RU" dirty="0"/>
-              <a:t> </a:t>
-            </a:r>
-            <a:r>
-              <a:rPr lang="ru-RU" dirty="0" err="1"/>
-              <a:t>касова</a:t>
-            </a:r>
-            <a:r>
-              <a:rPr lang="ru-RU" dirty="0"/>
-              <a:t> </a:t>
-            </a:r>
-            <a:r>
-              <a:rPr lang="ru-RU" dirty="0" err="1"/>
-              <a:t>бележка</a:t>
+              <a:t> касова бележка</a:t>
             </a:r>
             <a:r>
               <a:rPr lang="en-US" dirty="0"/>

--- a/Courses/Applied-Programmer/Programming-Basics/05-Подпрограми/14.Деклариране-и-извикване-на-методи.pptx
+++ b/Courses/Applied-Programmer/Programming-Basics/05-Подпрограми/14.Деклариране-и-извикване-на-методи.pptx
@@ -322,7 +322,7 @@
             <a:fld id="{FE5B4EDC-59C0-49C7-8ADA-5A781B329E02}" type="datetimeFigureOut">
               <a:rPr lang="en-US"/>
               <a:pPr/>
-              <a:t>09-Nov-20</a:t>
+              <a:t>11-Nov-20</a:t>
             </a:fld>
             <a:endParaRPr dirty="0"/>
           </a:p>
@@ -620,7 +620,7 @@
             <a:fld id="{F2D8D46A-B586-417D-BFBD-8C8FE0AAF762}" type="datetimeFigureOut">
               <a:rPr lang="en-US" smtClean="0"/>
               <a:pPr/>
-              <a:t>09-Nov-20</a:t>
+              <a:t>11-Nov-20</a:t>
             </a:fld>
             <a:endParaRPr lang="en-US" dirty="0"/>
           </a:p>
@@ -4303,7 +4303,7 @@
         </p:blipFill>
         <p:spPr bwMode="auto">
           <a:xfrm>
-            <a:off x="745783" y="4076772"/>
+            <a:off x="743862" y="4405259"/>
             <a:ext cx="2175525" cy="761165"/>
           </a:xfrm>
           <a:prstGeom prst="roundRect">
@@ -4342,7 +4342,7 @@
         </p:nvSpPr>
         <p:spPr bwMode="auto">
           <a:xfrm>
-            <a:off x="760413" y="4998598"/>
+            <a:off x="715066" y="5159752"/>
             <a:ext cx="3187614" cy="444343"/>
           </a:xfrm>
           <a:prstGeom prst="rect">
@@ -4577,7 +4577,7 @@
               <a:t>Учителски</a:t>
             </a:r>
             <a:r>
-              <a:rPr lang="bg-BG"/>
+              <a:rPr lang="bg-BG" dirty="0"/>
               <a:t> екип</a:t>
             </a:r>
           </a:p>
@@ -4599,7 +4599,7 @@
         </p:nvSpPr>
         <p:spPr bwMode="auto">
           <a:xfrm>
-            <a:off x="760412" y="5403725"/>
+            <a:off x="688248" y="5536718"/>
             <a:ext cx="3187613" cy="382788"/>
           </a:xfrm>
           <a:prstGeom prst="rect">
@@ -4833,7 +4833,7 @@
           </a:lstStyle>
           <a:p>
             <a:r>
-              <a:rPr lang="bg-BG"/>
+              <a:rPr lang="bg-BG" dirty="0"/>
               <a:t>Обучение за ИТ кариера</a:t>
             </a:r>
           </a:p>
@@ -4855,7 +4855,7 @@
         </p:nvSpPr>
         <p:spPr bwMode="auto">
           <a:xfrm>
-            <a:off x="760412" y="5690893"/>
+            <a:off x="688248" y="5830376"/>
             <a:ext cx="3810000" cy="458462"/>
           </a:xfrm>
           <a:prstGeom prst="rect">
@@ -5086,12 +5086,12 @@
           </a:lstStyle>
           <a:p>
             <a:r>
-              <a:rPr lang="en-GB">
+              <a:rPr lang="en-GB" dirty="0">
                 <a:hlinkClick r:id="rId6"/>
               </a:rPr>
               <a:t>https://it-kariera.mon.bg/e-learning/</a:t>
             </a:r>
-            <a:endParaRPr lang="en-GB"/>
+            <a:endParaRPr lang="en-GB" dirty="0"/>
           </a:p>
         </p:txBody>
       </p:sp>
@@ -5235,6 +5235,138 @@
           </a:prstGeom>
         </p:spPr>
       </p:pic>
+      <p:sp>
+        <p:nvSpPr>
+          <p:cNvPr id="11" name="Текстово поле 1">
+            <a:extLst>
+              <a:ext uri="{FF2B5EF4-FFF2-40B4-BE49-F238E27FC236}">
+                <a16:creationId xmlns:a16="http://schemas.microsoft.com/office/drawing/2014/main" id="{B398007E-9BC4-479A-87BF-1B270134F51F}"/>
+              </a:ext>
+            </a:extLst>
+          </p:cNvPr>
+          <p:cNvSpPr txBox="1"/>
+          <p:nvPr/>
+        </p:nvSpPr>
+        <p:spPr>
+          <a:xfrm>
+            <a:off x="637728" y="6251857"/>
+            <a:ext cx="11216029" cy="369332"/>
+          </a:xfrm>
+          <a:prstGeom prst="rect">
+            <a:avLst/>
+          </a:prstGeom>
+          <a:noFill/>
+        </p:spPr>
+        <p:txBody>
+          <a:bodyPr wrap="square" rtlCol="0">
+            <a:spAutoFit/>
+          </a:bodyPr>
+          <a:lstStyle>
+            <a:defPPr>
+              <a:defRPr lang="en-US"/>
+            </a:defPPr>
+            <a:lvl1pPr marL="0" algn="l" defTabSz="1218987" rtl="0" eaLnBrk="1" latinLnBrk="0" hangingPunct="1">
+              <a:defRPr sz="2400" kern="1200">
+                <a:solidFill>
+                  <a:schemeClr val="tx1"/>
+                </a:solidFill>
+                <a:latin typeface="+mn-lt"/>
+                <a:ea typeface="+mn-ea"/>
+                <a:cs typeface="+mn-cs"/>
+              </a:defRPr>
+            </a:lvl1pPr>
+            <a:lvl2pPr marL="609493" algn="l" defTabSz="1218987" rtl="0" eaLnBrk="1" latinLnBrk="0" hangingPunct="1">
+              <a:defRPr sz="2400" kern="1200">
+                <a:solidFill>
+                  <a:schemeClr val="tx1"/>
+                </a:solidFill>
+                <a:latin typeface="+mn-lt"/>
+                <a:ea typeface="+mn-ea"/>
+                <a:cs typeface="+mn-cs"/>
+              </a:defRPr>
+            </a:lvl2pPr>
+            <a:lvl3pPr marL="1218987" algn="l" defTabSz="1218987" rtl="0" eaLnBrk="1" latinLnBrk="0" hangingPunct="1">
+              <a:defRPr sz="2400" kern="1200">
+                <a:solidFill>
+                  <a:schemeClr val="tx1"/>
+                </a:solidFill>
+                <a:latin typeface="+mn-lt"/>
+                <a:ea typeface="+mn-ea"/>
+                <a:cs typeface="+mn-cs"/>
+              </a:defRPr>
+            </a:lvl3pPr>
+            <a:lvl4pPr marL="1828480" algn="l" defTabSz="1218987" rtl="0" eaLnBrk="1" latinLnBrk="0" hangingPunct="1">
+              <a:defRPr sz="2400" kern="1200">
+                <a:solidFill>
+                  <a:schemeClr val="tx1"/>
+                </a:solidFill>
+                <a:latin typeface="+mn-lt"/>
+                <a:ea typeface="+mn-ea"/>
+                <a:cs typeface="+mn-cs"/>
+              </a:defRPr>
+            </a:lvl4pPr>
+            <a:lvl5pPr marL="2437973" algn="l" defTabSz="1218987" rtl="0" eaLnBrk="1" latinLnBrk="0" hangingPunct="1">
+              <a:defRPr sz="2400" kern="1200">
+                <a:solidFill>
+                  <a:schemeClr val="tx1"/>
+                </a:solidFill>
+                <a:latin typeface="+mn-lt"/>
+                <a:ea typeface="+mn-ea"/>
+                <a:cs typeface="+mn-cs"/>
+              </a:defRPr>
+            </a:lvl5pPr>
+            <a:lvl6pPr marL="3047467" algn="l" defTabSz="1218987" rtl="0" eaLnBrk="1" latinLnBrk="0" hangingPunct="1">
+              <a:defRPr sz="2400" kern="1200">
+                <a:solidFill>
+                  <a:schemeClr val="tx1"/>
+                </a:solidFill>
+                <a:latin typeface="+mn-lt"/>
+                <a:ea typeface="+mn-ea"/>
+                <a:cs typeface="+mn-cs"/>
+              </a:defRPr>
+            </a:lvl6pPr>
+            <a:lvl7pPr marL="3656960" algn="l" defTabSz="1218987" rtl="0" eaLnBrk="1" latinLnBrk="0" hangingPunct="1">
+              <a:defRPr sz="2400" kern="1200">
+                <a:solidFill>
+                  <a:schemeClr val="tx1"/>
+                </a:solidFill>
+                <a:latin typeface="+mn-lt"/>
+                <a:ea typeface="+mn-ea"/>
+                <a:cs typeface="+mn-cs"/>
+              </a:defRPr>
+            </a:lvl7pPr>
+            <a:lvl8pPr marL="4266453" algn="l" defTabSz="1218987" rtl="0" eaLnBrk="1" latinLnBrk="0" hangingPunct="1">
+              <a:defRPr sz="2400" kern="1200">
+                <a:solidFill>
+                  <a:schemeClr val="tx1"/>
+                </a:solidFill>
+                <a:latin typeface="+mn-lt"/>
+                <a:ea typeface="+mn-ea"/>
+                <a:cs typeface="+mn-cs"/>
+              </a:defRPr>
+            </a:lvl8pPr>
+            <a:lvl9pPr marL="4875947" algn="l" defTabSz="1218987" rtl="0" eaLnBrk="1" latinLnBrk="0" hangingPunct="1">
+              <a:defRPr sz="2400" kern="1200">
+                <a:solidFill>
+                  <a:schemeClr val="tx1"/>
+                </a:solidFill>
+                <a:latin typeface="+mn-lt"/>
+                <a:ea typeface="+mn-ea"/>
+                <a:cs typeface="+mn-cs"/>
+              </a:defRPr>
+            </a:lvl9pPr>
+          </a:lstStyle>
+          <a:p>
+            <a:r>
+              <a:rPr lang="en-US" sz="1800" b="1" dirty="0">
+                <a:hlinkClick r:id="rId8"/>
+              </a:rPr>
+              <a:t>https://github.com/BG-IT-Edu/School-Programming/tree/main/Courses/Applied-Programmer/Programming-Basics</a:t>
+            </a:r>
+            <a:endParaRPr lang="bg-BG" sz="1800" b="1" dirty="0"/>
+          </a:p>
+        </p:txBody>
+      </p:sp>
     </p:spTree>
     <p:extLst>
       <p:ext uri="{BB962C8B-B14F-4D97-AF65-F5344CB8AC3E}">
@@ -5859,9 +5991,6 @@
                     <p:cTn id="3" fill="hold">
                       <p:stCondLst>
                         <p:cond delay="indefinite"/>
-                        <p:cond evt="onBegin" delay="0">
-                          <p:tn val="2"/>
-                        </p:cond>
                       </p:stCondLst>
                       <p:childTnLst>
                         <p:par>
@@ -5871,7 +6000,7 @@
                             </p:stCondLst>
                             <p:childTnLst>
                               <p:par>
-                                <p:cTn id="5" presetID="1" presetClass="entr" presetSubtype="0" fill="hold" grpId="0" nodeType="withEffect">
+                                <p:cTn id="5" presetID="1" presetClass="entr" presetSubtype="0" fill="hold" nodeType="clickEffect">
                                   <p:stCondLst>
                                     <p:cond delay="0"/>
                                   </p:stCondLst>
@@ -5884,7 +6013,253 @@
                                           </p:stCondLst>
                                         </p:cTn>
                                         <p:tgtEl>
+                                          <p:spTgt spid="3">
+                                            <p:txEl>
+                                              <p:pRg st="1" end="1"/>
+                                            </p:txEl>
+                                          </p:spTgt>
+                                        </p:tgtEl>
+                                        <p:attrNameLst>
+                                          <p:attrName>style.visibility</p:attrName>
+                                        </p:attrNameLst>
+                                      </p:cBhvr>
+                                      <p:to>
+                                        <p:strVal val="visible"/>
+                                      </p:to>
+                                    </p:set>
+                                  </p:childTnLst>
+                                </p:cTn>
+                              </p:par>
+                            </p:childTnLst>
+                          </p:cTn>
+                        </p:par>
+                      </p:childTnLst>
+                    </p:cTn>
+                  </p:par>
+                  <p:par>
+                    <p:cTn id="7" fill="hold">
+                      <p:stCondLst>
+                        <p:cond delay="indefinite"/>
+                      </p:stCondLst>
+                      <p:childTnLst>
+                        <p:par>
+                          <p:cTn id="8" fill="hold">
+                            <p:stCondLst>
+                              <p:cond delay="0"/>
+                            </p:stCondLst>
+                            <p:childTnLst>
+                              <p:par>
+                                <p:cTn id="9" presetID="1" presetClass="entr" presetSubtype="0" fill="hold" nodeType="clickEffect">
+                                  <p:stCondLst>
+                                    <p:cond delay="0"/>
+                                  </p:stCondLst>
+                                  <p:childTnLst>
+                                    <p:set>
+                                      <p:cBhvr>
+                                        <p:cTn id="10" dur="1" fill="hold">
+                                          <p:stCondLst>
+                                            <p:cond delay="0"/>
+                                          </p:stCondLst>
+                                        </p:cTn>
+                                        <p:tgtEl>
+                                          <p:spTgt spid="3">
+                                            <p:txEl>
+                                              <p:pRg st="2" end="2"/>
+                                            </p:txEl>
+                                          </p:spTgt>
+                                        </p:tgtEl>
+                                        <p:attrNameLst>
+                                          <p:attrName>style.visibility</p:attrName>
+                                        </p:attrNameLst>
+                                      </p:cBhvr>
+                                      <p:to>
+                                        <p:strVal val="visible"/>
+                                      </p:to>
+                                    </p:set>
+                                  </p:childTnLst>
+                                </p:cTn>
+                              </p:par>
+                            </p:childTnLst>
+                          </p:cTn>
+                        </p:par>
+                      </p:childTnLst>
+                    </p:cTn>
+                  </p:par>
+                  <p:par>
+                    <p:cTn id="11" fill="hold">
+                      <p:stCondLst>
+                        <p:cond delay="indefinite"/>
+                      </p:stCondLst>
+                      <p:childTnLst>
+                        <p:par>
+                          <p:cTn id="12" fill="hold">
+                            <p:stCondLst>
+                              <p:cond delay="0"/>
+                            </p:stCondLst>
+                            <p:childTnLst>
+                              <p:par>
+                                <p:cTn id="13" presetID="1" presetClass="entr" presetSubtype="0" fill="hold" nodeType="clickEffect">
+                                  <p:stCondLst>
+                                    <p:cond delay="0"/>
+                                  </p:stCondLst>
+                                  <p:childTnLst>
+                                    <p:set>
+                                      <p:cBhvr>
+                                        <p:cTn id="14" dur="1" fill="hold">
+                                          <p:stCondLst>
+                                            <p:cond delay="0"/>
+                                          </p:stCondLst>
+                                        </p:cTn>
+                                        <p:tgtEl>
+                                          <p:spTgt spid="3">
+                                            <p:txEl>
+                                              <p:pRg st="3" end="3"/>
+                                            </p:txEl>
+                                          </p:spTgt>
+                                        </p:tgtEl>
+                                        <p:attrNameLst>
+                                          <p:attrName>style.visibility</p:attrName>
+                                        </p:attrNameLst>
+                                      </p:cBhvr>
+                                      <p:to>
+                                        <p:strVal val="visible"/>
+                                      </p:to>
+                                    </p:set>
+                                  </p:childTnLst>
+                                </p:cTn>
+                              </p:par>
+                            </p:childTnLst>
+                          </p:cTn>
+                        </p:par>
+                      </p:childTnLst>
+                    </p:cTn>
+                  </p:par>
+                  <p:par>
+                    <p:cTn id="15" fill="hold">
+                      <p:stCondLst>
+                        <p:cond delay="indefinite"/>
+                      </p:stCondLst>
+                      <p:childTnLst>
+                        <p:par>
+                          <p:cTn id="16" fill="hold">
+                            <p:stCondLst>
+                              <p:cond delay="0"/>
+                            </p:stCondLst>
+                            <p:childTnLst>
+                              <p:par>
+                                <p:cTn id="17" presetID="1" presetClass="entr" presetSubtype="0" fill="hold" grpId="0" nodeType="clickEffect">
+                                  <p:stCondLst>
+                                    <p:cond delay="0"/>
+                                  </p:stCondLst>
+                                  <p:childTnLst>
+                                    <p:set>
+                                      <p:cBhvr>
+                                        <p:cTn id="18" dur="1" fill="hold">
+                                          <p:stCondLst>
+                                            <p:cond delay="0"/>
+                                          </p:stCondLst>
+                                        </p:cTn>
+                                        <p:tgtEl>
                                           <p:spTgt spid="21"/>
+                                        </p:tgtEl>
+                                        <p:attrNameLst>
+                                          <p:attrName>style.visibility</p:attrName>
+                                        </p:attrNameLst>
+                                      </p:cBhvr>
+                                      <p:to>
+                                        <p:strVal val="visible"/>
+                                      </p:to>
+                                    </p:set>
+                                  </p:childTnLst>
+                                </p:cTn>
+                              </p:par>
+                              <p:par>
+                                <p:cTn id="19" presetID="1" presetClass="entr" presetSubtype="0" fill="hold" grpId="0" nodeType="withEffect">
+                                  <p:stCondLst>
+                                    <p:cond delay="0"/>
+                                  </p:stCondLst>
+                                  <p:childTnLst>
+                                    <p:set>
+                                      <p:cBhvr>
+                                        <p:cTn id="20" dur="1" fill="hold">
+                                          <p:stCondLst>
+                                            <p:cond delay="0"/>
+                                          </p:stCondLst>
+                                        </p:cTn>
+                                        <p:tgtEl>
+                                          <p:spTgt spid="22"/>
+                                        </p:tgtEl>
+                                        <p:attrNameLst>
+                                          <p:attrName>style.visibility</p:attrName>
+                                        </p:attrNameLst>
+                                      </p:cBhvr>
+                                      <p:to>
+                                        <p:strVal val="visible"/>
+                                      </p:to>
+                                    </p:set>
+                                  </p:childTnLst>
+                                </p:cTn>
+                              </p:par>
+                              <p:par>
+                                <p:cTn id="21" presetID="1" presetClass="entr" presetSubtype="0" fill="hold" nodeType="withEffect">
+                                  <p:stCondLst>
+                                    <p:cond delay="0"/>
+                                  </p:stCondLst>
+                                  <p:childTnLst>
+                                    <p:set>
+                                      <p:cBhvr>
+                                        <p:cTn id="22" dur="1" fill="hold">
+                                          <p:stCondLst>
+                                            <p:cond delay="0"/>
+                                          </p:stCondLst>
+                                        </p:cTn>
+                                        <p:tgtEl>
+                                          <p:spTgt spid="5"/>
+                                        </p:tgtEl>
+                                        <p:attrNameLst>
+                                          <p:attrName>style.visibility</p:attrName>
+                                        </p:attrNameLst>
+                                      </p:cBhvr>
+                                      <p:to>
+                                        <p:strVal val="visible"/>
+                                      </p:to>
+                                    </p:set>
+                                  </p:childTnLst>
+                                </p:cTn>
+                              </p:par>
+                            </p:childTnLst>
+                          </p:cTn>
+                        </p:par>
+                      </p:childTnLst>
+                    </p:cTn>
+                  </p:par>
+                  <p:par>
+                    <p:cTn id="23" fill="hold">
+                      <p:stCondLst>
+                        <p:cond delay="indefinite"/>
+                      </p:stCondLst>
+                      <p:childTnLst>
+                        <p:par>
+                          <p:cTn id="24" fill="hold">
+                            <p:stCondLst>
+                              <p:cond delay="0"/>
+                            </p:stCondLst>
+                            <p:childTnLst>
+                              <p:par>
+                                <p:cTn id="25" presetID="1" presetClass="entr" presetSubtype="0" fill="hold" grpId="0" nodeType="clickEffect">
+                                  <p:stCondLst>
+                                    <p:cond delay="0"/>
+                                  </p:stCondLst>
+                                  <p:childTnLst>
+                                    <p:set>
+                                      <p:cBhvr>
+                                        <p:cTn id="26" dur="1" fill="hold">
+                                          <p:stCondLst>
+                                            <p:cond delay="0"/>
+                                          </p:stCondLst>
+                                        </p:cTn>
+                                        <p:tgtEl>
+                                          <p:spTgt spid="6"/>
                                         </p:tgtEl>
                                         <p:attrNameLst>
                                           <p:attrName>style.visibility</p:attrName>
@@ -5926,6 +6301,8 @@
     </p:tnLst>
     <p:bldLst>
       <p:bldP spid="21" grpId="0" animBg="1"/>
+      <p:bldP spid="22" grpId="0" animBg="1"/>
+      <p:bldP spid="6" grpId="0"/>
     </p:bldLst>
   </p:timing>
 </p:sld>
@@ -7777,6 +8154,126 @@
                                           </p:stCondLst>
                                         </p:cTn>
                                         <p:tgtEl>
+                                          <p:spTgt spid="5"/>
+                                        </p:tgtEl>
+                                        <p:attrNameLst>
+                                          <p:attrName>style.visibility</p:attrName>
+                                        </p:attrNameLst>
+                                      </p:cBhvr>
+                                      <p:to>
+                                        <p:strVal val="visible"/>
+                                      </p:to>
+                                    </p:set>
+                                  </p:childTnLst>
+                                </p:cTn>
+                              </p:par>
+                              <p:par>
+                                <p:cTn id="7" presetID="1" presetClass="entr" presetSubtype="0" fill="hold" nodeType="withEffect">
+                                  <p:stCondLst>
+                                    <p:cond delay="0"/>
+                                  </p:stCondLst>
+                                  <p:childTnLst>
+                                    <p:set>
+                                      <p:cBhvr>
+                                        <p:cTn id="8" dur="1" fill="hold">
+                                          <p:stCondLst>
+                                            <p:cond delay="0"/>
+                                          </p:stCondLst>
+                                        </p:cTn>
+                                        <p:tgtEl>
+                                          <p:spTgt spid="5">
+                                            <p:txEl>
+                                              <p:pRg st="0" end="0"/>
+                                            </p:txEl>
+                                          </p:spTgt>
+                                        </p:tgtEl>
+                                        <p:attrNameLst>
+                                          <p:attrName>style.visibility</p:attrName>
+                                        </p:attrNameLst>
+                                      </p:cBhvr>
+                                      <p:to>
+                                        <p:strVal val="visible"/>
+                                      </p:to>
+                                    </p:set>
+                                  </p:childTnLst>
+                                </p:cTn>
+                              </p:par>
+                              <p:par>
+                                <p:cTn id="9" presetID="1" presetClass="entr" presetSubtype="0" fill="hold" nodeType="withEffect">
+                                  <p:stCondLst>
+                                    <p:cond delay="0"/>
+                                  </p:stCondLst>
+                                  <p:childTnLst>
+                                    <p:set>
+                                      <p:cBhvr>
+                                        <p:cTn id="10" dur="1" fill="hold">
+                                          <p:stCondLst>
+                                            <p:cond delay="0"/>
+                                          </p:stCondLst>
+                                        </p:cTn>
+                                        <p:tgtEl>
+                                          <p:spTgt spid="5">
+                                            <p:txEl>
+                                              <p:pRg st="1" end="1"/>
+                                            </p:txEl>
+                                          </p:spTgt>
+                                        </p:tgtEl>
+                                        <p:attrNameLst>
+                                          <p:attrName>style.visibility</p:attrName>
+                                        </p:attrNameLst>
+                                      </p:cBhvr>
+                                      <p:to>
+                                        <p:strVal val="visible"/>
+                                      </p:to>
+                                    </p:set>
+                                  </p:childTnLst>
+                                </p:cTn>
+                              </p:par>
+                              <p:par>
+                                <p:cTn id="11" presetID="1" presetClass="entr" presetSubtype="0" fill="hold" nodeType="withEffect">
+                                  <p:stCondLst>
+                                    <p:cond delay="0"/>
+                                  </p:stCondLst>
+                                  <p:childTnLst>
+                                    <p:set>
+                                      <p:cBhvr>
+                                        <p:cTn id="12" dur="1" fill="hold">
+                                          <p:stCondLst>
+                                            <p:cond delay="0"/>
+                                          </p:stCondLst>
+                                        </p:cTn>
+                                        <p:tgtEl>
+                                          <p:spTgt spid="5">
+                                            <p:txEl>
+                                              <p:pRg st="6" end="6"/>
+                                            </p:txEl>
+                                          </p:spTgt>
+                                        </p:tgtEl>
+                                        <p:attrNameLst>
+                                          <p:attrName>style.visibility</p:attrName>
+                                        </p:attrNameLst>
+                                      </p:cBhvr>
+                                      <p:to>
+                                        <p:strVal val="visible"/>
+                                      </p:to>
+                                    </p:set>
+                                  </p:childTnLst>
+                                </p:cTn>
+                              </p:par>
+                              <p:par>
+                                <p:cTn id="13" presetID="1" presetClass="entr" presetSubtype="0" fill="hold" grpId="0" nodeType="withEffect">
+                                  <p:stCondLst>
+                                    <p:cond delay="0"/>
+                                  </p:stCondLst>
+                                  <p:childTnLst>
+                                    <p:set>
+                                      <p:cBhvr>
+                                        <p:cTn id="14" dur="1" fill="hold">
+                                          <p:stCondLst>
+                                            <p:cond delay="0"/>
+                                          </p:stCondLst>
+                                        </p:cTn>
+                                        <p:tgtEl>
                                           <p:spTgt spid="6"/>
                                         </p:tgtEl>
                                         <p:attrNameLst>
@@ -7797,32 +8294,32 @@
                     </p:cTn>
                   </p:par>
                   <p:par>
-                    <p:cTn id="7" fill="hold">
+                    <p:cTn id="15" fill="hold">
                       <p:stCondLst>
                         <p:cond delay="indefinite"/>
                       </p:stCondLst>
                       <p:childTnLst>
                         <p:par>
-                          <p:cTn id="8" fill="hold">
+                          <p:cTn id="16" fill="hold">
                             <p:stCondLst>
                               <p:cond delay="0"/>
                             </p:stCondLst>
                             <p:childTnLst>
                               <p:par>
-                                <p:cTn id="9" presetID="1" presetClass="entr" presetSubtype="0" fill="hold" grpId="0" nodeType="clickEffect">
+                                <p:cTn id="17" presetID="1" presetClass="entr" presetSubtype="0" fill="hold" grpId="0" nodeType="clickEffect">
                                   <p:stCondLst>
                                     <p:cond delay="0"/>
                                   </p:stCondLst>
                                   <p:childTnLst>
                                     <p:set>
                                       <p:cBhvr>
-                                        <p:cTn id="10" dur="1" fill="hold">
+                                        <p:cTn id="18" dur="1" fill="hold">
                                           <p:stCondLst>
                                             <p:cond delay="0"/>
                                           </p:stCondLst>
                                         </p:cTn>
                                         <p:tgtEl>
-                                          <p:spTgt spid="7"/>
+                                          <p:spTgt spid="9"/>
                                         </p:tgtEl>
                                         <p:attrNameLst>
                                           <p:attrName>style.visibility</p:attrName>
@@ -7842,32 +8339,392 @@
                     </p:cTn>
                   </p:par>
                   <p:par>
-                    <p:cTn id="11" fill="hold">
+                    <p:cTn id="19" fill="hold">
                       <p:stCondLst>
                         <p:cond delay="indefinite"/>
                       </p:stCondLst>
                       <p:childTnLst>
                         <p:par>
-                          <p:cTn id="12" fill="hold">
+                          <p:cTn id="20" fill="hold">
                             <p:stCondLst>
                               <p:cond delay="0"/>
                             </p:stCondLst>
                             <p:childTnLst>
                               <p:par>
-                                <p:cTn id="13" presetID="1" presetClass="entr" presetSubtype="0" fill="hold" grpId="0" nodeType="clickEffect">
+                                <p:cTn id="21" presetID="1" presetClass="entr" presetSubtype="0" fill="hold" nodeType="clickEffect">
                                   <p:stCondLst>
                                     <p:cond delay="0"/>
                                   </p:stCondLst>
                                   <p:childTnLst>
                                     <p:set>
                                       <p:cBhvr>
-                                        <p:cTn id="14" dur="1" fill="hold">
+                                        <p:cTn id="22" dur="1" fill="hold">
                                           <p:stCondLst>
                                             <p:cond delay="0"/>
                                           </p:stCondLst>
                                         </p:cTn>
                                         <p:tgtEl>
-                                          <p:spTgt spid="9"/>
+                                          <p:spTgt spid="5">
+                                            <p:txEl>
+                                              <p:pRg st="2" end="2"/>
+                                            </p:txEl>
+                                          </p:spTgt>
+                                        </p:tgtEl>
+                                        <p:attrNameLst>
+                                          <p:attrName>style.visibility</p:attrName>
+                                        </p:attrNameLst>
+                                      </p:cBhvr>
+                                      <p:to>
+                                        <p:strVal val="visible"/>
+                                      </p:to>
+                                    </p:set>
+                                  </p:childTnLst>
+                                </p:cTn>
+                              </p:par>
+                              <p:par>
+                                <p:cTn id="23" presetID="1" presetClass="entr" presetSubtype="0" fill="hold" nodeType="withEffect">
+                                  <p:stCondLst>
+                                    <p:cond delay="0"/>
+                                  </p:stCondLst>
+                                  <p:childTnLst>
+                                    <p:set>
+                                      <p:cBhvr>
+                                        <p:cTn id="24" dur="1" fill="hold">
+                                          <p:stCondLst>
+                                            <p:cond delay="0"/>
+                                          </p:stCondLst>
+                                        </p:cTn>
+                                        <p:tgtEl>
+                                          <p:spTgt spid="5">
+                                            <p:txEl>
+                                              <p:pRg st="3" end="3"/>
+                                            </p:txEl>
+                                          </p:spTgt>
+                                        </p:tgtEl>
+                                        <p:attrNameLst>
+                                          <p:attrName>style.visibility</p:attrName>
+                                        </p:attrNameLst>
+                                      </p:cBhvr>
+                                      <p:to>
+                                        <p:strVal val="visible"/>
+                                      </p:to>
+                                    </p:set>
+                                  </p:childTnLst>
+                                </p:cTn>
+                              </p:par>
+                              <p:par>
+                                <p:cTn id="25" presetID="1" presetClass="entr" presetSubtype="0" fill="hold" nodeType="withEffect">
+                                  <p:stCondLst>
+                                    <p:cond delay="0"/>
+                                  </p:stCondLst>
+                                  <p:childTnLst>
+                                    <p:set>
+                                      <p:cBhvr>
+                                        <p:cTn id="26" dur="1" fill="hold">
+                                          <p:stCondLst>
+                                            <p:cond delay="0"/>
+                                          </p:stCondLst>
+                                        </p:cTn>
+                                        <p:tgtEl>
+                                          <p:spTgt spid="5">
+                                            <p:txEl>
+                                              <p:pRg st="4" end="4"/>
+                                            </p:txEl>
+                                          </p:spTgt>
+                                        </p:tgtEl>
+                                        <p:attrNameLst>
+                                          <p:attrName>style.visibility</p:attrName>
+                                        </p:attrNameLst>
+                                      </p:cBhvr>
+                                      <p:to>
+                                        <p:strVal val="visible"/>
+                                      </p:to>
+                                    </p:set>
+                                  </p:childTnLst>
+                                </p:cTn>
+                              </p:par>
+                              <p:par>
+                                <p:cTn id="27" presetID="1" presetClass="entr" presetSubtype="0" fill="hold" nodeType="withEffect">
+                                  <p:stCondLst>
+                                    <p:cond delay="0"/>
+                                  </p:stCondLst>
+                                  <p:childTnLst>
+                                    <p:set>
+                                      <p:cBhvr>
+                                        <p:cTn id="28" dur="1" fill="hold">
+                                          <p:stCondLst>
+                                            <p:cond delay="0"/>
+                                          </p:stCondLst>
+                                        </p:cTn>
+                                        <p:tgtEl>
+                                          <p:spTgt spid="5">
+                                            <p:txEl>
+                                              <p:pRg st="5" end="5"/>
+                                            </p:txEl>
+                                          </p:spTgt>
+                                        </p:tgtEl>
+                                        <p:attrNameLst>
+                                          <p:attrName>style.visibility</p:attrName>
+                                        </p:attrNameLst>
+                                      </p:cBhvr>
+                                      <p:to>
+                                        <p:strVal val="visible"/>
+                                      </p:to>
+                                    </p:set>
+                                  </p:childTnLst>
+                                </p:cTn>
+                              </p:par>
+                            </p:childTnLst>
+                          </p:cTn>
+                        </p:par>
+                      </p:childTnLst>
+                    </p:cTn>
+                  </p:par>
+                  <p:par>
+                    <p:cTn id="29" fill="hold">
+                      <p:stCondLst>
+                        <p:cond delay="indefinite"/>
+                      </p:stCondLst>
+                      <p:childTnLst>
+                        <p:par>
+                          <p:cTn id="30" fill="hold">
+                            <p:stCondLst>
+                              <p:cond delay="0"/>
+                            </p:stCondLst>
+                            <p:childTnLst>
+                              <p:par>
+                                <p:cTn id="31" presetID="1" presetClass="entr" presetSubtype="0" fill="hold" nodeType="clickEffect">
+                                  <p:stCondLst>
+                                    <p:cond delay="0"/>
+                                  </p:stCondLst>
+                                  <p:childTnLst>
+                                    <p:set>
+                                      <p:cBhvr>
+                                        <p:cTn id="32" dur="1" fill="hold">
+                                          <p:stCondLst>
+                                            <p:cond delay="0"/>
+                                          </p:stCondLst>
+                                        </p:cTn>
+                                        <p:tgtEl>
+                                          <p:spTgt spid="3">
+                                            <p:txEl>
+                                              <p:pRg st="5" end="5"/>
+                                            </p:txEl>
+                                          </p:spTgt>
+                                        </p:tgtEl>
+                                        <p:attrNameLst>
+                                          <p:attrName>style.visibility</p:attrName>
+                                        </p:attrNameLst>
+                                      </p:cBhvr>
+                                      <p:to>
+                                        <p:strVal val="visible"/>
+                                      </p:to>
+                                    </p:set>
+                                  </p:childTnLst>
+                                </p:cTn>
+                              </p:par>
+                            </p:childTnLst>
+                          </p:cTn>
+                        </p:par>
+                      </p:childTnLst>
+                    </p:cTn>
+                  </p:par>
+                  <p:par>
+                    <p:cTn id="33" fill="hold">
+                      <p:stCondLst>
+                        <p:cond delay="indefinite"/>
+                      </p:stCondLst>
+                      <p:childTnLst>
+                        <p:par>
+                          <p:cTn id="34" fill="hold">
+                            <p:stCondLst>
+                              <p:cond delay="0"/>
+                            </p:stCondLst>
+                            <p:childTnLst>
+                              <p:par>
+                                <p:cTn id="35" presetID="1" presetClass="entr" presetSubtype="0" fill="hold" grpId="0" nodeType="clickEffect">
+                                  <p:stCondLst>
+                                    <p:cond delay="0"/>
+                                  </p:stCondLst>
+                                  <p:childTnLst>
+                                    <p:set>
+                                      <p:cBhvr>
+                                        <p:cTn id="36" dur="1" fill="hold">
+                                          <p:stCondLst>
+                                            <p:cond delay="0"/>
+                                          </p:stCondLst>
+                                        </p:cTn>
+                                        <p:tgtEl>
+                                          <p:spTgt spid="8"/>
+                                        </p:tgtEl>
+                                        <p:attrNameLst>
+                                          <p:attrName>style.visibility</p:attrName>
+                                        </p:attrNameLst>
+                                      </p:cBhvr>
+                                      <p:to>
+                                        <p:strVal val="visible"/>
+                                      </p:to>
+                                    </p:set>
+                                  </p:childTnLst>
+                                </p:cTn>
+                              </p:par>
+                              <p:par>
+                                <p:cTn id="37" presetID="1" presetClass="entr" presetSubtype="0" fill="hold" nodeType="withEffect">
+                                  <p:stCondLst>
+                                    <p:cond delay="0"/>
+                                  </p:stCondLst>
+                                  <p:childTnLst>
+                                    <p:set>
+                                      <p:cBhvr>
+                                        <p:cTn id="38" dur="1" fill="hold">
+                                          <p:stCondLst>
+                                            <p:cond delay="0"/>
+                                          </p:stCondLst>
+                                        </p:cTn>
+                                        <p:tgtEl>
+                                          <p:spTgt spid="8">
+                                            <p:txEl>
+                                              <p:pRg st="0" end="0"/>
+                                            </p:txEl>
+                                          </p:spTgt>
+                                        </p:tgtEl>
+                                        <p:attrNameLst>
+                                          <p:attrName>style.visibility</p:attrName>
+                                        </p:attrNameLst>
+                                      </p:cBhvr>
+                                      <p:to>
+                                        <p:strVal val="visible"/>
+                                      </p:to>
+                                    </p:set>
+                                  </p:childTnLst>
+                                </p:cTn>
+                              </p:par>
+                              <p:par>
+                                <p:cTn id="39" presetID="1" presetClass="entr" presetSubtype="0" fill="hold" nodeType="withEffect">
+                                  <p:stCondLst>
+                                    <p:cond delay="0"/>
+                                  </p:stCondLst>
+                                  <p:childTnLst>
+                                    <p:set>
+                                      <p:cBhvr>
+                                        <p:cTn id="40" dur="1" fill="hold">
+                                          <p:stCondLst>
+                                            <p:cond delay="0"/>
+                                          </p:stCondLst>
+                                        </p:cTn>
+                                        <p:tgtEl>
+                                          <p:spTgt spid="8">
+                                            <p:txEl>
+                                              <p:pRg st="1" end="1"/>
+                                            </p:txEl>
+                                          </p:spTgt>
+                                        </p:tgtEl>
+                                        <p:attrNameLst>
+                                          <p:attrName>style.visibility</p:attrName>
+                                        </p:attrNameLst>
+                                      </p:cBhvr>
+                                      <p:to>
+                                        <p:strVal val="visible"/>
+                                      </p:to>
+                                    </p:set>
+                                  </p:childTnLst>
+                                </p:cTn>
+                              </p:par>
+                              <p:par>
+                                <p:cTn id="41" presetID="1" presetClass="entr" presetSubtype="0" fill="hold" nodeType="withEffect">
+                                  <p:stCondLst>
+                                    <p:cond delay="0"/>
+                                  </p:stCondLst>
+                                  <p:childTnLst>
+                                    <p:set>
+                                      <p:cBhvr>
+                                        <p:cTn id="42" dur="1" fill="hold">
+                                          <p:stCondLst>
+                                            <p:cond delay="0"/>
+                                          </p:stCondLst>
+                                        </p:cTn>
+                                        <p:tgtEl>
+                                          <p:spTgt spid="8">
+                                            <p:txEl>
+                                              <p:pRg st="3" end="3"/>
+                                            </p:txEl>
+                                          </p:spTgt>
+                                        </p:tgtEl>
+                                        <p:attrNameLst>
+                                          <p:attrName>style.visibility</p:attrName>
+                                        </p:attrNameLst>
+                                      </p:cBhvr>
+                                      <p:to>
+                                        <p:strVal val="visible"/>
+                                      </p:to>
+                                    </p:set>
+                                  </p:childTnLst>
+                                </p:cTn>
+                              </p:par>
+                            </p:childTnLst>
+                          </p:cTn>
+                        </p:par>
+                      </p:childTnLst>
+                    </p:cTn>
+                  </p:par>
+                  <p:par>
+                    <p:cTn id="43" fill="hold">
+                      <p:stCondLst>
+                        <p:cond delay="indefinite"/>
+                      </p:stCondLst>
+                      <p:childTnLst>
+                        <p:par>
+                          <p:cTn id="44" fill="hold">
+                            <p:stCondLst>
+                              <p:cond delay="0"/>
+                            </p:stCondLst>
+                            <p:childTnLst>
+                              <p:par>
+                                <p:cTn id="45" presetID="1" presetClass="entr" presetSubtype="0" fill="hold" nodeType="clickEffect">
+                                  <p:stCondLst>
+                                    <p:cond delay="0"/>
+                                  </p:stCondLst>
+                                  <p:childTnLst>
+                                    <p:set>
+                                      <p:cBhvr>
+                                        <p:cTn id="46" dur="1" fill="hold">
+                                          <p:stCondLst>
+                                            <p:cond delay="0"/>
+                                          </p:stCondLst>
+                                        </p:cTn>
+                                        <p:tgtEl>
+                                          <p:spTgt spid="8">
+                                            <p:txEl>
+                                              <p:pRg st="2" end="2"/>
+                                            </p:txEl>
+                                          </p:spTgt>
+                                        </p:tgtEl>
+                                        <p:attrNameLst>
+                                          <p:attrName>style.visibility</p:attrName>
+                                        </p:attrNameLst>
+                                      </p:cBhvr>
+                                      <p:to>
+                                        <p:strVal val="visible"/>
+                                      </p:to>
+                                    </p:set>
+                                  </p:childTnLst>
+                                </p:cTn>
+                              </p:par>
+                              <p:par>
+                                <p:cTn id="47" presetID="1" presetClass="entr" presetSubtype="0" fill="hold" grpId="0" nodeType="withEffect">
+                                  <p:stCondLst>
+                                    <p:cond delay="0"/>
+                                  </p:stCondLst>
+                                  <p:childTnLst>
+                                    <p:set>
+                                      <p:cBhvr>
+                                        <p:cTn id="48" dur="1" fill="hold">
+                                          <p:stCondLst>
+                                            <p:cond delay="0"/>
+                                          </p:stCondLst>
+                                        </p:cTn>
+                                        <p:tgtEl>
+                                          <p:spTgt spid="7"/>
                                         </p:tgtEl>
                                         <p:attrNameLst>
                                           <p:attrName>style.visibility</p:attrName>
@@ -7908,6 +8765,8 @@
       </p:par>
     </p:tnLst>
     <p:bldLst>
+      <p:bldP spid="8" grpId="0" animBg="1"/>
+      <p:bldP spid="5" grpId="0" animBg="1"/>
       <p:bldP spid="6" grpId="0" animBg="1"/>
       <p:bldP spid="7" grpId="0" animBg="1"/>
       <p:bldP spid="9" grpId="0" animBg="1"/>
@@ -8974,7 +9833,7 @@
                             </p:stCondLst>
                             <p:childTnLst>
                               <p:par>
-                                <p:cTn id="5" presetID="10" presetClass="entr" presetSubtype="0" fill="hold" grpId="0" nodeType="clickEffect">
+                                <p:cTn id="5" presetID="1" presetClass="entr" presetSubtype="0" fill="hold" nodeType="clickEffect">
                                   <p:stCondLst>
                                     <p:cond delay="0"/>
                                   </p:stCondLst>
@@ -8982,6 +9841,336 @@
                                     <p:set>
                                       <p:cBhvr>
                                         <p:cTn id="6" dur="1" fill="hold">
+                                          <p:stCondLst>
+                                            <p:cond delay="0"/>
+                                          </p:stCondLst>
+                                        </p:cTn>
+                                        <p:tgtEl>
+                                          <p:spTgt spid="3">
+                                            <p:txEl>
+                                              <p:pRg st="0" end="0"/>
+                                            </p:txEl>
+                                          </p:spTgt>
+                                        </p:tgtEl>
+                                        <p:attrNameLst>
+                                          <p:attrName>style.visibility</p:attrName>
+                                        </p:attrNameLst>
+                                      </p:cBhvr>
+                                      <p:to>
+                                        <p:strVal val="visible"/>
+                                      </p:to>
+                                    </p:set>
+                                  </p:childTnLst>
+                                </p:cTn>
+                              </p:par>
+                            </p:childTnLst>
+                          </p:cTn>
+                        </p:par>
+                      </p:childTnLst>
+                    </p:cTn>
+                  </p:par>
+                  <p:par>
+                    <p:cTn id="7" fill="hold">
+                      <p:stCondLst>
+                        <p:cond delay="indefinite"/>
+                      </p:stCondLst>
+                      <p:childTnLst>
+                        <p:par>
+                          <p:cTn id="8" fill="hold">
+                            <p:stCondLst>
+                              <p:cond delay="0"/>
+                            </p:stCondLst>
+                            <p:childTnLst>
+                              <p:par>
+                                <p:cTn id="9" presetID="1" presetClass="entr" presetSubtype="0" fill="hold" nodeType="clickEffect">
+                                  <p:stCondLst>
+                                    <p:cond delay="0"/>
+                                  </p:stCondLst>
+                                  <p:childTnLst>
+                                    <p:set>
+                                      <p:cBhvr>
+                                        <p:cTn id="10" dur="1" fill="hold">
+                                          <p:stCondLst>
+                                            <p:cond delay="0"/>
+                                          </p:stCondLst>
+                                        </p:cTn>
+                                        <p:tgtEl>
+                                          <p:spTgt spid="3">
+                                            <p:txEl>
+                                              <p:pRg st="1" end="1"/>
+                                            </p:txEl>
+                                          </p:spTgt>
+                                        </p:tgtEl>
+                                        <p:attrNameLst>
+                                          <p:attrName>style.visibility</p:attrName>
+                                        </p:attrNameLst>
+                                      </p:cBhvr>
+                                      <p:to>
+                                        <p:strVal val="visible"/>
+                                      </p:to>
+                                    </p:set>
+                                  </p:childTnLst>
+                                </p:cTn>
+                              </p:par>
+                            </p:childTnLst>
+                          </p:cTn>
+                        </p:par>
+                      </p:childTnLst>
+                    </p:cTn>
+                  </p:par>
+                  <p:par>
+                    <p:cTn id="11" fill="hold">
+                      <p:stCondLst>
+                        <p:cond delay="indefinite"/>
+                      </p:stCondLst>
+                      <p:childTnLst>
+                        <p:par>
+                          <p:cTn id="12" fill="hold">
+                            <p:stCondLst>
+                              <p:cond delay="0"/>
+                            </p:stCondLst>
+                            <p:childTnLst>
+                              <p:par>
+                                <p:cTn id="13" presetID="1" presetClass="entr" presetSubtype="0" fill="hold" nodeType="clickEffect">
+                                  <p:stCondLst>
+                                    <p:cond delay="0"/>
+                                  </p:stCondLst>
+                                  <p:childTnLst>
+                                    <p:set>
+                                      <p:cBhvr>
+                                        <p:cTn id="14" dur="1" fill="hold">
+                                          <p:stCondLst>
+                                            <p:cond delay="0"/>
+                                          </p:stCondLst>
+                                        </p:cTn>
+                                        <p:tgtEl>
+                                          <p:spTgt spid="3">
+                                            <p:txEl>
+                                              <p:pRg st="2" end="2"/>
+                                            </p:txEl>
+                                          </p:spTgt>
+                                        </p:tgtEl>
+                                        <p:attrNameLst>
+                                          <p:attrName>style.visibility</p:attrName>
+                                        </p:attrNameLst>
+                                      </p:cBhvr>
+                                      <p:to>
+                                        <p:strVal val="visible"/>
+                                      </p:to>
+                                    </p:set>
+                                  </p:childTnLst>
+                                </p:cTn>
+                              </p:par>
+                            </p:childTnLst>
+                          </p:cTn>
+                        </p:par>
+                      </p:childTnLst>
+                    </p:cTn>
+                  </p:par>
+                  <p:par>
+                    <p:cTn id="15" fill="hold">
+                      <p:stCondLst>
+                        <p:cond delay="indefinite"/>
+                      </p:stCondLst>
+                      <p:childTnLst>
+                        <p:par>
+                          <p:cTn id="16" fill="hold">
+                            <p:stCondLst>
+                              <p:cond delay="0"/>
+                            </p:stCondLst>
+                            <p:childTnLst>
+                              <p:par>
+                                <p:cTn id="17" presetID="1" presetClass="entr" presetSubtype="0" fill="hold" grpId="0" nodeType="clickEffect">
+                                  <p:stCondLst>
+                                    <p:cond delay="0"/>
+                                  </p:stCondLst>
+                                  <p:childTnLst>
+                                    <p:set>
+                                      <p:cBhvr>
+                                        <p:cTn id="18" dur="1" fill="hold">
+                                          <p:stCondLst>
+                                            <p:cond delay="0"/>
+                                          </p:stCondLst>
+                                        </p:cTn>
+                                        <p:tgtEl>
+                                          <p:spTgt spid="5"/>
+                                        </p:tgtEl>
+                                        <p:attrNameLst>
+                                          <p:attrName>style.visibility</p:attrName>
+                                        </p:attrNameLst>
+                                      </p:cBhvr>
+                                      <p:to>
+                                        <p:strVal val="visible"/>
+                                      </p:to>
+                                    </p:set>
+                                  </p:childTnLst>
+                                </p:cTn>
+                              </p:par>
+                              <p:par>
+                                <p:cTn id="19" presetID="1" presetClass="entr" presetSubtype="0" fill="hold" nodeType="withEffect">
+                                  <p:stCondLst>
+                                    <p:cond delay="0"/>
+                                  </p:stCondLst>
+                                  <p:childTnLst>
+                                    <p:set>
+                                      <p:cBhvr>
+                                        <p:cTn id="20" dur="1" fill="hold">
+                                          <p:stCondLst>
+                                            <p:cond delay="0"/>
+                                          </p:stCondLst>
+                                        </p:cTn>
+                                        <p:tgtEl>
+                                          <p:spTgt spid="5">
+                                            <p:txEl>
+                                              <p:pRg st="0" end="0"/>
+                                            </p:txEl>
+                                          </p:spTgt>
+                                        </p:tgtEl>
+                                        <p:attrNameLst>
+                                          <p:attrName>style.visibility</p:attrName>
+                                        </p:attrNameLst>
+                                      </p:cBhvr>
+                                      <p:to>
+                                        <p:strVal val="visible"/>
+                                      </p:to>
+                                    </p:set>
+                                  </p:childTnLst>
+                                </p:cTn>
+                              </p:par>
+                              <p:par>
+                                <p:cTn id="21" presetID="1" presetClass="entr" presetSubtype="0" fill="hold" nodeType="withEffect">
+                                  <p:stCondLst>
+                                    <p:cond delay="0"/>
+                                  </p:stCondLst>
+                                  <p:childTnLst>
+                                    <p:set>
+                                      <p:cBhvr>
+                                        <p:cTn id="22" dur="1" fill="hold">
+                                          <p:stCondLst>
+                                            <p:cond delay="0"/>
+                                          </p:stCondLst>
+                                        </p:cTn>
+                                        <p:tgtEl>
+                                          <p:spTgt spid="5">
+                                            <p:txEl>
+                                              <p:pRg st="1" end="1"/>
+                                            </p:txEl>
+                                          </p:spTgt>
+                                        </p:tgtEl>
+                                        <p:attrNameLst>
+                                          <p:attrName>style.visibility</p:attrName>
+                                        </p:attrNameLst>
+                                      </p:cBhvr>
+                                      <p:to>
+                                        <p:strVal val="visible"/>
+                                      </p:to>
+                                    </p:set>
+                                  </p:childTnLst>
+                                </p:cTn>
+                              </p:par>
+                              <p:par>
+                                <p:cTn id="23" presetID="1" presetClass="entr" presetSubtype="0" fill="hold" nodeType="withEffect">
+                                  <p:stCondLst>
+                                    <p:cond delay="0"/>
+                                  </p:stCondLst>
+                                  <p:childTnLst>
+                                    <p:set>
+                                      <p:cBhvr>
+                                        <p:cTn id="24" dur="1" fill="hold">
+                                          <p:stCondLst>
+                                            <p:cond delay="0"/>
+                                          </p:stCondLst>
+                                        </p:cTn>
+                                        <p:tgtEl>
+                                          <p:spTgt spid="5">
+                                            <p:txEl>
+                                              <p:pRg st="4" end="4"/>
+                                            </p:txEl>
+                                          </p:spTgt>
+                                        </p:tgtEl>
+                                        <p:attrNameLst>
+                                          <p:attrName>style.visibility</p:attrName>
+                                        </p:attrNameLst>
+                                      </p:cBhvr>
+                                      <p:to>
+                                        <p:strVal val="visible"/>
+                                      </p:to>
+                                    </p:set>
+                                  </p:childTnLst>
+                                </p:cTn>
+                              </p:par>
+                            </p:childTnLst>
+                          </p:cTn>
+                        </p:par>
+                      </p:childTnLst>
+                    </p:cTn>
+                  </p:par>
+                  <p:par>
+                    <p:cTn id="25" fill="hold">
+                      <p:stCondLst>
+                        <p:cond delay="indefinite"/>
+                      </p:stCondLst>
+                      <p:childTnLst>
+                        <p:par>
+                          <p:cTn id="26" fill="hold">
+                            <p:stCondLst>
+                              <p:cond delay="0"/>
+                            </p:stCondLst>
+                            <p:childTnLst>
+                              <p:par>
+                                <p:cTn id="27" presetID="1" presetClass="entr" presetSubtype="0" fill="hold" grpId="0" nodeType="clickEffect">
+                                  <p:stCondLst>
+                                    <p:cond delay="0"/>
+                                  </p:stCondLst>
+                                  <p:childTnLst>
+                                    <p:set>
+                                      <p:cBhvr>
+                                        <p:cTn id="28" dur="1" fill="hold">
+                                          <p:stCondLst>
+                                            <p:cond delay="0"/>
+                                          </p:stCondLst>
+                                        </p:cTn>
+                                        <p:tgtEl>
+                                          <p:spTgt spid="10"/>
+                                        </p:tgtEl>
+                                        <p:attrNameLst>
+                                          <p:attrName>style.visibility</p:attrName>
+                                        </p:attrNameLst>
+                                      </p:cBhvr>
+                                      <p:to>
+                                        <p:strVal val="visible"/>
+                                      </p:to>
+                                    </p:set>
+                                  </p:childTnLst>
+                                </p:cTn>
+                              </p:par>
+                            </p:childTnLst>
+                          </p:cTn>
+                        </p:par>
+                      </p:childTnLst>
+                    </p:cTn>
+                  </p:par>
+                  <p:par>
+                    <p:cTn id="29" fill="hold">
+                      <p:stCondLst>
+                        <p:cond delay="indefinite"/>
+                      </p:stCondLst>
+                      <p:childTnLst>
+                        <p:par>
+                          <p:cTn id="30" fill="hold">
+                            <p:stCondLst>
+                              <p:cond delay="0"/>
+                            </p:stCondLst>
+                            <p:childTnLst>
+                              <p:par>
+                                <p:cTn id="31" presetID="1" presetClass="entr" presetSubtype="0" fill="hold" grpId="0" nodeType="clickEffect">
+                                  <p:stCondLst>
+                                    <p:cond delay="0"/>
+                                  </p:stCondLst>
+                                  <p:childTnLst>
+                                    <p:set>
+                                      <p:cBhvr>
+                                        <p:cTn id="32" dur="1" fill="hold">
                                           <p:stCondLst>
                                             <p:cond delay="0"/>
                                           </p:stCondLst>
@@ -8997,14 +10186,6 @@
                                         <p:strVal val="visible"/>
                                       </p:to>
                                     </p:set>
-                                    <p:animEffect transition="in" filter="fade">
-                                      <p:cBhvr>
-                                        <p:cTn id="7" dur="500"/>
-                                        <p:tgtEl>
-                                          <p:spTgt spid="6"/>
-                                        </p:tgtEl>
-                                      </p:cBhvr>
-                                    </p:animEffect>
                                   </p:childTnLst>
                                 </p:cTn>
                               </p:par>
@@ -9015,26 +10196,71 @@
                     </p:cTn>
                   </p:par>
                   <p:par>
-                    <p:cTn id="8" fill="hold">
+                    <p:cTn id="33" fill="hold">
                       <p:stCondLst>
                         <p:cond delay="indefinite"/>
                       </p:stCondLst>
                       <p:childTnLst>
                         <p:par>
-                          <p:cTn id="9" fill="hold">
+                          <p:cTn id="34" fill="hold">
                             <p:stCondLst>
                               <p:cond delay="0"/>
                             </p:stCondLst>
                             <p:childTnLst>
                               <p:par>
-                                <p:cTn id="10" presetID="10" presetClass="entr" presetSubtype="0" fill="hold" grpId="0" nodeType="clickEffect">
+                                <p:cTn id="35" presetID="1" presetClass="entr" presetSubtype="0" fill="hold" grpId="0" nodeType="clickEffect">
                                   <p:stCondLst>
                                     <p:cond delay="0"/>
                                   </p:stCondLst>
                                   <p:childTnLst>
                                     <p:set>
                                       <p:cBhvr>
-                                        <p:cTn id="11" dur="1" fill="hold">
+                                        <p:cTn id="36" dur="1" fill="hold">
+                                          <p:stCondLst>
+                                            <p:cond delay="0"/>
+                                          </p:stCondLst>
+                                        </p:cTn>
+                                        <p:tgtEl>
+                                          <p:spTgt spid="9"/>
+                                        </p:tgtEl>
+                                        <p:attrNameLst>
+                                          <p:attrName>style.visibility</p:attrName>
+                                        </p:attrNameLst>
+                                      </p:cBhvr>
+                                      <p:to>
+                                        <p:strVal val="visible"/>
+                                      </p:to>
+                                    </p:set>
+                                  </p:childTnLst>
+                                </p:cTn>
+                              </p:par>
+                            </p:childTnLst>
+                          </p:cTn>
+                        </p:par>
+                      </p:childTnLst>
+                    </p:cTn>
+                  </p:par>
+                  <p:par>
+                    <p:cTn id="37" fill="hold">
+                      <p:stCondLst>
+                        <p:cond delay="indefinite"/>
+                      </p:stCondLst>
+                      <p:childTnLst>
+                        <p:par>
+                          <p:cTn id="38" fill="hold">
+                            <p:stCondLst>
+                              <p:cond delay="0"/>
+                            </p:stCondLst>
+                            <p:childTnLst>
+                              <p:par>
+                                <p:cTn id="39" presetID="1" presetClass="entr" presetSubtype="0" fill="hold" grpId="0" nodeType="clickEffect">
+                                  <p:stCondLst>
+                                    <p:cond delay="0"/>
+                                  </p:stCondLst>
+                                  <p:childTnLst>
+                                    <p:set>
+                                      <p:cBhvr>
+                                        <p:cTn id="40" dur="1" fill="hold">
                                           <p:stCondLst>
                                             <p:cond delay="0"/>
                                           </p:stCondLst>
@@ -9050,14 +10276,6 @@
                                         <p:strVal val="visible"/>
                                       </p:to>
                                     </p:set>
-                                    <p:animEffect transition="in" filter="fade">
-                                      <p:cBhvr>
-                                        <p:cTn id="12" dur="500"/>
-                                        <p:tgtEl>
-                                          <p:spTgt spid="7"/>
-                                        </p:tgtEl>
-                                      </p:cBhvr>
-                                    </p:animEffect>
                                   </p:childTnLst>
                                 </p:cTn>
                               </p:par>
@@ -9068,32 +10286,36 @@
                     </p:cTn>
                   </p:par>
                   <p:par>
-                    <p:cTn id="13" fill="hold">
+                    <p:cTn id="41" fill="hold">
                       <p:stCondLst>
                         <p:cond delay="indefinite"/>
                       </p:stCondLst>
                       <p:childTnLst>
                         <p:par>
-                          <p:cTn id="14" fill="hold">
+                          <p:cTn id="42" fill="hold">
                             <p:stCondLst>
                               <p:cond delay="0"/>
                             </p:stCondLst>
                             <p:childTnLst>
                               <p:par>
-                                <p:cTn id="15" presetID="10" presetClass="entr" presetSubtype="0" fill="hold" grpId="0" nodeType="clickEffect">
+                                <p:cTn id="43" presetID="1" presetClass="entr" presetSubtype="0" fill="hold" nodeType="clickEffect">
                                   <p:stCondLst>
                                     <p:cond delay="0"/>
                                   </p:stCondLst>
                                   <p:childTnLst>
                                     <p:set>
                                       <p:cBhvr>
-                                        <p:cTn id="16" dur="1" fill="hold">
+                                        <p:cTn id="44" dur="1" fill="hold">
                                           <p:stCondLst>
                                             <p:cond delay="0"/>
                                           </p:stCondLst>
                                         </p:cTn>
                                         <p:tgtEl>
-                                          <p:spTgt spid="9"/>
+                                          <p:spTgt spid="5">
+                                            <p:txEl>
+                                              <p:pRg st="2" end="2"/>
+                                            </p:txEl>
+                                          </p:spTgt>
                                         </p:tgtEl>
                                         <p:attrNameLst>
                                           <p:attrName>style.visibility</p:attrName>
@@ -9103,32 +10325,28 @@
                                         <p:strVal val="visible"/>
                                       </p:to>
                                     </p:set>
-                                    <p:animEffect transition="in" filter="fade">
-                                      <p:cBhvr>
-                                        <p:cTn id="17" dur="500"/>
-                                        <p:tgtEl>
-                                          <p:spTgt spid="9"/>
-                                        </p:tgtEl>
-                                      </p:cBhvr>
-                                    </p:animEffect>
                                   </p:childTnLst>
                                 </p:cTn>
                               </p:par>
                               <p:par>
-                                <p:cTn id="18" presetID="1" presetClass="entr" presetSubtype="0" fill="hold" grpId="0" nodeType="withEffect">
+                                <p:cTn id="45" presetID="1" presetClass="entr" presetSubtype="0" fill="hold" nodeType="withEffect">
                                   <p:stCondLst>
                                     <p:cond delay="0"/>
                                   </p:stCondLst>
                                   <p:childTnLst>
                                     <p:set>
                                       <p:cBhvr>
-                                        <p:cTn id="19" dur="1" fill="hold">
+                                        <p:cTn id="46" dur="1" fill="hold">
                                           <p:stCondLst>
                                             <p:cond delay="0"/>
                                           </p:stCondLst>
                                         </p:cTn>
                                         <p:tgtEl>
-                                          <p:spTgt spid="10"/>
+                                          <p:spTgt spid="5">
+                                            <p:txEl>
+                                              <p:pRg st="3" end="3"/>
+                                            </p:txEl>
+                                          </p:spTgt>
                                         </p:tgtEl>
                                         <p:attrNameLst>
                                           <p:attrName>style.visibility</p:attrName>
@@ -9170,6 +10388,7 @@
     </p:tnLst>
     <p:bldLst>
       <p:bldP spid="10" grpId="0" animBg="1"/>
+      <p:bldP spid="5" grpId="0" animBg="1"/>
       <p:bldP spid="6" grpId="0" animBg="1"/>
       <p:bldP spid="7" grpId="0" animBg="1"/>
       <p:bldP spid="9" grpId="0" animBg="1"/>
@@ -9883,6 +11102,344 @@
   <p:clrMapOvr>
     <a:masterClrMapping/>
   </p:clrMapOvr>
+  <p:timing>
+    <p:tnLst>
+      <p:par>
+        <p:cTn id="1" dur="indefinite" restart="never" nodeType="tmRoot">
+          <p:childTnLst>
+            <p:seq concurrent="1" nextAc="seek">
+              <p:cTn id="2" dur="indefinite" nodeType="mainSeq">
+                <p:childTnLst>
+                  <p:par>
+                    <p:cTn id="3" fill="hold">
+                      <p:stCondLst>
+                        <p:cond delay="indefinite"/>
+                      </p:stCondLst>
+                      <p:childTnLst>
+                        <p:par>
+                          <p:cTn id="4" fill="hold">
+                            <p:stCondLst>
+                              <p:cond delay="0"/>
+                            </p:stCondLst>
+                            <p:childTnLst>
+                              <p:par>
+                                <p:cTn id="5" presetID="1" presetClass="entr" presetSubtype="0" fill="hold" grpId="0" nodeType="clickEffect">
+                                  <p:stCondLst>
+                                    <p:cond delay="0"/>
+                                  </p:stCondLst>
+                                  <p:childTnLst>
+                                    <p:set>
+                                      <p:cBhvr>
+                                        <p:cTn id="6" dur="1" fill="hold">
+                                          <p:stCondLst>
+                                            <p:cond delay="0"/>
+                                          </p:stCondLst>
+                                        </p:cTn>
+                                        <p:tgtEl>
+                                          <p:spTgt spid="11"/>
+                                        </p:tgtEl>
+                                        <p:attrNameLst>
+                                          <p:attrName>style.visibility</p:attrName>
+                                        </p:attrNameLst>
+                                      </p:cBhvr>
+                                      <p:to>
+                                        <p:strVal val="visible"/>
+                                      </p:to>
+                                    </p:set>
+                                  </p:childTnLst>
+                                </p:cTn>
+                              </p:par>
+                              <p:par>
+                                <p:cTn id="7" presetID="1" presetClass="entr" presetSubtype="0" fill="hold" grpId="0" nodeType="withEffect">
+                                  <p:stCondLst>
+                                    <p:cond delay="0"/>
+                                  </p:stCondLst>
+                                  <p:childTnLst>
+                                    <p:set>
+                                      <p:cBhvr>
+                                        <p:cTn id="8" dur="1" fill="hold">
+                                          <p:stCondLst>
+                                            <p:cond delay="0"/>
+                                          </p:stCondLst>
+                                        </p:cTn>
+                                        <p:tgtEl>
+                                          <p:spTgt spid="13"/>
+                                        </p:tgtEl>
+                                        <p:attrNameLst>
+                                          <p:attrName>style.visibility</p:attrName>
+                                        </p:attrNameLst>
+                                      </p:cBhvr>
+                                      <p:to>
+                                        <p:strVal val="visible"/>
+                                      </p:to>
+                                    </p:set>
+                                  </p:childTnLst>
+                                </p:cTn>
+                              </p:par>
+                              <p:par>
+                                <p:cTn id="9" presetID="1" presetClass="entr" presetSubtype="0" fill="hold" grpId="0" nodeType="withEffect">
+                                  <p:stCondLst>
+                                    <p:cond delay="0"/>
+                                  </p:stCondLst>
+                                  <p:childTnLst>
+                                    <p:set>
+                                      <p:cBhvr>
+                                        <p:cTn id="10" dur="1" fill="hold">
+                                          <p:stCondLst>
+                                            <p:cond delay="0"/>
+                                          </p:stCondLst>
+                                        </p:cTn>
+                                        <p:tgtEl>
+                                          <p:spTgt spid="12"/>
+                                        </p:tgtEl>
+                                        <p:attrNameLst>
+                                          <p:attrName>style.visibility</p:attrName>
+                                        </p:attrNameLst>
+                                      </p:cBhvr>
+                                      <p:to>
+                                        <p:strVal val="visible"/>
+                                      </p:to>
+                                    </p:set>
+                                  </p:childTnLst>
+                                </p:cTn>
+                              </p:par>
+                            </p:childTnLst>
+                          </p:cTn>
+                        </p:par>
+                      </p:childTnLst>
+                    </p:cTn>
+                  </p:par>
+                  <p:par>
+                    <p:cTn id="11" fill="hold">
+                      <p:stCondLst>
+                        <p:cond delay="indefinite"/>
+                      </p:stCondLst>
+                      <p:childTnLst>
+                        <p:par>
+                          <p:cTn id="12" fill="hold">
+                            <p:stCondLst>
+                              <p:cond delay="0"/>
+                            </p:stCondLst>
+                            <p:childTnLst>
+                              <p:par>
+                                <p:cTn id="13" presetID="1" presetClass="entr" presetSubtype="0" fill="hold" grpId="0" nodeType="clickEffect">
+                                  <p:stCondLst>
+                                    <p:cond delay="0"/>
+                                  </p:stCondLst>
+                                  <p:childTnLst>
+                                    <p:set>
+                                      <p:cBhvr>
+                                        <p:cTn id="14" dur="1" fill="hold">
+                                          <p:stCondLst>
+                                            <p:cond delay="0"/>
+                                          </p:stCondLst>
+                                        </p:cTn>
+                                        <p:tgtEl>
+                                          <p:spTgt spid="14"/>
+                                        </p:tgtEl>
+                                        <p:attrNameLst>
+                                          <p:attrName>style.visibility</p:attrName>
+                                        </p:attrNameLst>
+                                      </p:cBhvr>
+                                      <p:to>
+                                        <p:strVal val="visible"/>
+                                      </p:to>
+                                    </p:set>
+                                  </p:childTnLst>
+                                </p:cTn>
+                              </p:par>
+                              <p:par>
+                                <p:cTn id="15" presetID="1" presetClass="entr" presetSubtype="0" fill="hold" grpId="0" nodeType="withEffect">
+                                  <p:stCondLst>
+                                    <p:cond delay="0"/>
+                                  </p:stCondLst>
+                                  <p:childTnLst>
+                                    <p:set>
+                                      <p:cBhvr>
+                                        <p:cTn id="16" dur="1" fill="hold">
+                                          <p:stCondLst>
+                                            <p:cond delay="0"/>
+                                          </p:stCondLst>
+                                        </p:cTn>
+                                        <p:tgtEl>
+                                          <p:spTgt spid="19"/>
+                                        </p:tgtEl>
+                                        <p:attrNameLst>
+                                          <p:attrName>style.visibility</p:attrName>
+                                        </p:attrNameLst>
+                                      </p:cBhvr>
+                                      <p:to>
+                                        <p:strVal val="visible"/>
+                                      </p:to>
+                                    </p:set>
+                                  </p:childTnLst>
+                                </p:cTn>
+                              </p:par>
+                              <p:par>
+                                <p:cTn id="17" presetID="1" presetClass="entr" presetSubtype="0" fill="hold" grpId="0" nodeType="withEffect">
+                                  <p:stCondLst>
+                                    <p:cond delay="0"/>
+                                  </p:stCondLst>
+                                  <p:childTnLst>
+                                    <p:set>
+                                      <p:cBhvr>
+                                        <p:cTn id="18" dur="1" fill="hold">
+                                          <p:stCondLst>
+                                            <p:cond delay="0"/>
+                                          </p:stCondLst>
+                                        </p:cTn>
+                                        <p:tgtEl>
+                                          <p:spTgt spid="20"/>
+                                        </p:tgtEl>
+                                        <p:attrNameLst>
+                                          <p:attrName>style.visibility</p:attrName>
+                                        </p:attrNameLst>
+                                      </p:cBhvr>
+                                      <p:to>
+                                        <p:strVal val="visible"/>
+                                      </p:to>
+                                    </p:set>
+                                  </p:childTnLst>
+                                </p:cTn>
+                              </p:par>
+                            </p:childTnLst>
+                          </p:cTn>
+                        </p:par>
+                      </p:childTnLst>
+                    </p:cTn>
+                  </p:par>
+                  <p:par>
+                    <p:cTn id="19" fill="hold">
+                      <p:stCondLst>
+                        <p:cond delay="indefinite"/>
+                      </p:stCondLst>
+                      <p:childTnLst>
+                        <p:par>
+                          <p:cTn id="20" fill="hold">
+                            <p:stCondLst>
+                              <p:cond delay="0"/>
+                            </p:stCondLst>
+                            <p:childTnLst>
+                              <p:par>
+                                <p:cTn id="21" presetID="1" presetClass="entr" presetSubtype="0" fill="hold" grpId="0" nodeType="clickEffect">
+                                  <p:stCondLst>
+                                    <p:cond delay="0"/>
+                                  </p:stCondLst>
+                                  <p:childTnLst>
+                                    <p:set>
+                                      <p:cBhvr>
+                                        <p:cTn id="22" dur="1" fill="hold">
+                                          <p:stCondLst>
+                                            <p:cond delay="0"/>
+                                          </p:stCondLst>
+                                        </p:cTn>
+                                        <p:tgtEl>
+                                          <p:spTgt spid="18"/>
+                                        </p:tgtEl>
+                                        <p:attrNameLst>
+                                          <p:attrName>style.visibility</p:attrName>
+                                        </p:attrNameLst>
+                                      </p:cBhvr>
+                                      <p:to>
+                                        <p:strVal val="visible"/>
+                                      </p:to>
+                                    </p:set>
+                                  </p:childTnLst>
+                                </p:cTn>
+                              </p:par>
+                              <p:par>
+                                <p:cTn id="23" presetID="1" presetClass="entr" presetSubtype="0" fill="hold" grpId="0" nodeType="withEffect">
+                                  <p:stCondLst>
+                                    <p:cond delay="0"/>
+                                  </p:stCondLst>
+                                  <p:childTnLst>
+                                    <p:set>
+                                      <p:cBhvr>
+                                        <p:cTn id="24" dur="1" fill="hold">
+                                          <p:stCondLst>
+                                            <p:cond delay="0"/>
+                                          </p:stCondLst>
+                                        </p:cTn>
+                                        <p:tgtEl>
+                                          <p:spTgt spid="16"/>
+                                        </p:tgtEl>
+                                        <p:attrNameLst>
+                                          <p:attrName>style.visibility</p:attrName>
+                                        </p:attrNameLst>
+                                      </p:cBhvr>
+                                      <p:to>
+                                        <p:strVal val="visible"/>
+                                      </p:to>
+                                    </p:set>
+                                  </p:childTnLst>
+                                </p:cTn>
+                              </p:par>
+                              <p:par>
+                                <p:cTn id="25" presetID="1" presetClass="entr" presetSubtype="0" fill="hold" grpId="0" nodeType="withEffect">
+                                  <p:stCondLst>
+                                    <p:cond delay="0"/>
+                                  </p:stCondLst>
+                                  <p:childTnLst>
+                                    <p:set>
+                                      <p:cBhvr>
+                                        <p:cTn id="26" dur="1" fill="hold">
+                                          <p:stCondLst>
+                                            <p:cond delay="0"/>
+                                          </p:stCondLst>
+                                        </p:cTn>
+                                        <p:tgtEl>
+                                          <p:spTgt spid="15"/>
+                                        </p:tgtEl>
+                                        <p:attrNameLst>
+                                          <p:attrName>style.visibility</p:attrName>
+                                        </p:attrNameLst>
+                                      </p:cBhvr>
+                                      <p:to>
+                                        <p:strVal val="visible"/>
+                                      </p:to>
+                                    </p:set>
+                                  </p:childTnLst>
+                                </p:cTn>
+                              </p:par>
+                            </p:childTnLst>
+                          </p:cTn>
+                        </p:par>
+                      </p:childTnLst>
+                    </p:cTn>
+                  </p:par>
+                </p:childTnLst>
+              </p:cTn>
+              <p:prevCondLst>
+                <p:cond evt="onPrev" delay="0">
+                  <p:tgtEl>
+                    <p:sldTgt/>
+                  </p:tgtEl>
+                </p:cond>
+              </p:prevCondLst>
+              <p:nextCondLst>
+                <p:cond evt="onNext" delay="0">
+                  <p:tgtEl>
+                    <p:sldTgt/>
+                  </p:tgtEl>
+                </p:cond>
+              </p:nextCondLst>
+            </p:seq>
+          </p:childTnLst>
+        </p:cTn>
+      </p:par>
+    </p:tnLst>
+    <p:bldLst>
+      <p:bldP spid="11" grpId="0" animBg="1"/>
+      <p:bldP spid="12" grpId="0" animBg="1"/>
+      <p:bldP spid="13" grpId="0" animBg="1"/>
+      <p:bldP spid="14" grpId="0" animBg="1"/>
+      <p:bldP spid="15" grpId="0" animBg="1"/>
+      <p:bldP spid="16" grpId="0" animBg="1"/>
+      <p:bldP spid="18" grpId="0" animBg="1"/>
+      <p:bldP spid="19" grpId="0" animBg="1"/>
+      <p:bldP spid="20" grpId="0" animBg="1"/>
+    </p:bldLst>
+  </p:timing>
 </p:sld>
 </file>
 
@@ -10322,7 +11879,7 @@
         </p:nvSpPr>
         <p:spPr>
           <a:xfrm>
-            <a:off x="1042928" y="5257800"/>
+            <a:off x="1042928" y="5768458"/>
             <a:ext cx="10096596" cy="865173"/>
           </a:xfrm>
           <a:prstGeom prst="rect">
@@ -10419,6 +11976,463 @@
   <p:clrMapOvr>
     <a:masterClrMapping/>
   </p:clrMapOvr>
+  <p:timing>
+    <p:tnLst>
+      <p:par>
+        <p:cTn id="1" dur="indefinite" restart="never" nodeType="tmRoot">
+          <p:childTnLst>
+            <p:seq concurrent="1" nextAc="seek">
+              <p:cTn id="2" dur="indefinite" nodeType="mainSeq">
+                <p:childTnLst>
+                  <p:par>
+                    <p:cTn id="3" fill="hold">
+                      <p:stCondLst>
+                        <p:cond delay="indefinite"/>
+                      </p:stCondLst>
+                      <p:childTnLst>
+                        <p:par>
+                          <p:cTn id="4" fill="hold">
+                            <p:stCondLst>
+                              <p:cond delay="0"/>
+                            </p:stCondLst>
+                            <p:childTnLst>
+                              <p:par>
+                                <p:cTn id="5" presetID="1" presetClass="entr" presetSubtype="0" fill="hold" grpId="0" nodeType="clickEffect">
+                                  <p:stCondLst>
+                                    <p:cond delay="0"/>
+                                  </p:stCondLst>
+                                  <p:childTnLst>
+                                    <p:set>
+                                      <p:cBhvr>
+                                        <p:cTn id="6" dur="1" fill="hold">
+                                          <p:stCondLst>
+                                            <p:cond delay="0"/>
+                                          </p:stCondLst>
+                                        </p:cTn>
+                                        <p:tgtEl>
+                                          <p:spTgt spid="21"/>
+                                        </p:tgtEl>
+                                        <p:attrNameLst>
+                                          <p:attrName>style.visibility</p:attrName>
+                                        </p:attrNameLst>
+                                      </p:cBhvr>
+                                      <p:to>
+                                        <p:strVal val="visible"/>
+                                      </p:to>
+                                    </p:set>
+                                  </p:childTnLst>
+                                </p:cTn>
+                              </p:par>
+                              <p:par>
+                                <p:cTn id="7" presetID="1" presetClass="entr" presetSubtype="0" fill="hold" nodeType="withEffect">
+                                  <p:stCondLst>
+                                    <p:cond delay="0"/>
+                                  </p:stCondLst>
+                                  <p:childTnLst>
+                                    <p:set>
+                                      <p:cBhvr>
+                                        <p:cTn id="8" dur="1" fill="hold">
+                                          <p:stCondLst>
+                                            <p:cond delay="0"/>
+                                          </p:stCondLst>
+                                        </p:cTn>
+                                        <p:tgtEl>
+                                          <p:spTgt spid="21">
+                                            <p:txEl>
+                                              <p:pRg st="0" end="0"/>
+                                            </p:txEl>
+                                          </p:spTgt>
+                                        </p:tgtEl>
+                                        <p:attrNameLst>
+                                          <p:attrName>style.visibility</p:attrName>
+                                        </p:attrNameLst>
+                                      </p:cBhvr>
+                                      <p:to>
+                                        <p:strVal val="visible"/>
+                                      </p:to>
+                                    </p:set>
+                                  </p:childTnLst>
+                                </p:cTn>
+                              </p:par>
+                              <p:par>
+                                <p:cTn id="9" presetID="1" presetClass="entr" presetSubtype="0" fill="hold" nodeType="withEffect">
+                                  <p:stCondLst>
+                                    <p:cond delay="0"/>
+                                  </p:stCondLst>
+                                  <p:childTnLst>
+                                    <p:set>
+                                      <p:cBhvr>
+                                        <p:cTn id="10" dur="1" fill="hold">
+                                          <p:stCondLst>
+                                            <p:cond delay="0"/>
+                                          </p:stCondLst>
+                                        </p:cTn>
+                                        <p:tgtEl>
+                                          <p:spTgt spid="21">
+                                            <p:txEl>
+                                              <p:pRg st="1" end="1"/>
+                                            </p:txEl>
+                                          </p:spTgt>
+                                        </p:tgtEl>
+                                        <p:attrNameLst>
+                                          <p:attrName>style.visibility</p:attrName>
+                                        </p:attrNameLst>
+                                      </p:cBhvr>
+                                      <p:to>
+                                        <p:strVal val="visible"/>
+                                      </p:to>
+                                    </p:set>
+                                  </p:childTnLst>
+                                </p:cTn>
+                              </p:par>
+                              <p:par>
+                                <p:cTn id="11" presetID="1" presetClass="entr" presetSubtype="0" fill="hold" nodeType="withEffect">
+                                  <p:stCondLst>
+                                    <p:cond delay="0"/>
+                                  </p:stCondLst>
+                                  <p:childTnLst>
+                                    <p:set>
+                                      <p:cBhvr>
+                                        <p:cTn id="12" dur="1" fill="hold">
+                                          <p:stCondLst>
+                                            <p:cond delay="0"/>
+                                          </p:stCondLst>
+                                        </p:cTn>
+                                        <p:tgtEl>
+                                          <p:spTgt spid="21">
+                                            <p:txEl>
+                                              <p:pRg st="8" end="8"/>
+                                            </p:txEl>
+                                          </p:spTgt>
+                                        </p:tgtEl>
+                                        <p:attrNameLst>
+                                          <p:attrName>style.visibility</p:attrName>
+                                        </p:attrNameLst>
+                                      </p:cBhvr>
+                                      <p:to>
+                                        <p:strVal val="visible"/>
+                                      </p:to>
+                                    </p:set>
+                                  </p:childTnLst>
+                                </p:cTn>
+                              </p:par>
+                            </p:childTnLst>
+                          </p:cTn>
+                        </p:par>
+                      </p:childTnLst>
+                    </p:cTn>
+                  </p:par>
+                  <p:par>
+                    <p:cTn id="13" fill="hold">
+                      <p:stCondLst>
+                        <p:cond delay="indefinite"/>
+                      </p:stCondLst>
+                      <p:childTnLst>
+                        <p:par>
+                          <p:cTn id="14" fill="hold">
+                            <p:stCondLst>
+                              <p:cond delay="0"/>
+                            </p:stCondLst>
+                            <p:childTnLst>
+                              <p:par>
+                                <p:cTn id="15" presetID="1" presetClass="entr" presetSubtype="0" fill="hold" nodeType="clickEffect">
+                                  <p:stCondLst>
+                                    <p:cond delay="0"/>
+                                  </p:stCondLst>
+                                  <p:childTnLst>
+                                    <p:set>
+                                      <p:cBhvr>
+                                        <p:cTn id="16" dur="1" fill="hold">
+                                          <p:stCondLst>
+                                            <p:cond delay="0"/>
+                                          </p:stCondLst>
+                                        </p:cTn>
+                                        <p:tgtEl>
+                                          <p:spTgt spid="21">
+                                            <p:txEl>
+                                              <p:pRg st="2" end="2"/>
+                                            </p:txEl>
+                                          </p:spTgt>
+                                        </p:tgtEl>
+                                        <p:attrNameLst>
+                                          <p:attrName>style.visibility</p:attrName>
+                                        </p:attrNameLst>
+                                      </p:cBhvr>
+                                      <p:to>
+                                        <p:strVal val="visible"/>
+                                      </p:to>
+                                    </p:set>
+                                  </p:childTnLst>
+                                </p:cTn>
+                              </p:par>
+                              <p:par>
+                                <p:cTn id="17" presetID="1" presetClass="entr" presetSubtype="0" fill="hold" nodeType="withEffect">
+                                  <p:stCondLst>
+                                    <p:cond delay="0"/>
+                                  </p:stCondLst>
+                                  <p:childTnLst>
+                                    <p:set>
+                                      <p:cBhvr>
+                                        <p:cTn id="18" dur="1" fill="hold">
+                                          <p:stCondLst>
+                                            <p:cond delay="0"/>
+                                          </p:stCondLst>
+                                        </p:cTn>
+                                        <p:tgtEl>
+                                          <p:spTgt spid="21">
+                                            <p:txEl>
+                                              <p:pRg st="3" end="3"/>
+                                            </p:txEl>
+                                          </p:spTgt>
+                                        </p:tgtEl>
+                                        <p:attrNameLst>
+                                          <p:attrName>style.visibility</p:attrName>
+                                        </p:attrNameLst>
+                                      </p:cBhvr>
+                                      <p:to>
+                                        <p:strVal val="visible"/>
+                                      </p:to>
+                                    </p:set>
+                                  </p:childTnLst>
+                                </p:cTn>
+                              </p:par>
+                            </p:childTnLst>
+                          </p:cTn>
+                        </p:par>
+                      </p:childTnLst>
+                    </p:cTn>
+                  </p:par>
+                  <p:par>
+                    <p:cTn id="19" fill="hold">
+                      <p:stCondLst>
+                        <p:cond delay="indefinite"/>
+                      </p:stCondLst>
+                      <p:childTnLst>
+                        <p:par>
+                          <p:cTn id="20" fill="hold">
+                            <p:stCondLst>
+                              <p:cond delay="0"/>
+                            </p:stCondLst>
+                            <p:childTnLst>
+                              <p:par>
+                                <p:cTn id="21" presetID="1" presetClass="entr" presetSubtype="0" fill="hold" nodeType="clickEffect">
+                                  <p:stCondLst>
+                                    <p:cond delay="0"/>
+                                  </p:stCondLst>
+                                  <p:childTnLst>
+                                    <p:set>
+                                      <p:cBhvr>
+                                        <p:cTn id="22" dur="1" fill="hold">
+                                          <p:stCondLst>
+                                            <p:cond delay="0"/>
+                                          </p:stCondLst>
+                                        </p:cTn>
+                                        <p:tgtEl>
+                                          <p:spTgt spid="21">
+                                            <p:txEl>
+                                              <p:pRg st="4" end="4"/>
+                                            </p:txEl>
+                                          </p:spTgt>
+                                        </p:tgtEl>
+                                        <p:attrNameLst>
+                                          <p:attrName>style.visibility</p:attrName>
+                                        </p:attrNameLst>
+                                      </p:cBhvr>
+                                      <p:to>
+                                        <p:strVal val="visible"/>
+                                      </p:to>
+                                    </p:set>
+                                  </p:childTnLst>
+                                </p:cTn>
+                              </p:par>
+                              <p:par>
+                                <p:cTn id="23" presetID="1" presetClass="entr" presetSubtype="0" fill="hold" nodeType="withEffect">
+                                  <p:stCondLst>
+                                    <p:cond delay="0"/>
+                                  </p:stCondLst>
+                                  <p:childTnLst>
+                                    <p:set>
+                                      <p:cBhvr>
+                                        <p:cTn id="24" dur="1" fill="hold">
+                                          <p:stCondLst>
+                                            <p:cond delay="0"/>
+                                          </p:stCondLst>
+                                        </p:cTn>
+                                        <p:tgtEl>
+                                          <p:spTgt spid="21">
+                                            <p:txEl>
+                                              <p:pRg st="5" end="5"/>
+                                            </p:txEl>
+                                          </p:spTgt>
+                                        </p:tgtEl>
+                                        <p:attrNameLst>
+                                          <p:attrName>style.visibility</p:attrName>
+                                        </p:attrNameLst>
+                                      </p:cBhvr>
+                                      <p:to>
+                                        <p:strVal val="visible"/>
+                                      </p:to>
+                                    </p:set>
+                                  </p:childTnLst>
+                                </p:cTn>
+                              </p:par>
+                            </p:childTnLst>
+                          </p:cTn>
+                        </p:par>
+                      </p:childTnLst>
+                    </p:cTn>
+                  </p:par>
+                  <p:par>
+                    <p:cTn id="25" fill="hold">
+                      <p:stCondLst>
+                        <p:cond delay="indefinite"/>
+                      </p:stCondLst>
+                      <p:childTnLst>
+                        <p:par>
+                          <p:cTn id="26" fill="hold">
+                            <p:stCondLst>
+                              <p:cond delay="0"/>
+                            </p:stCondLst>
+                            <p:childTnLst>
+                              <p:par>
+                                <p:cTn id="27" presetID="1" presetClass="entr" presetSubtype="0" fill="hold" nodeType="clickEffect">
+                                  <p:stCondLst>
+                                    <p:cond delay="0"/>
+                                  </p:stCondLst>
+                                  <p:childTnLst>
+                                    <p:set>
+                                      <p:cBhvr>
+                                        <p:cTn id="28" dur="1" fill="hold">
+                                          <p:stCondLst>
+                                            <p:cond delay="0"/>
+                                          </p:stCondLst>
+                                        </p:cTn>
+                                        <p:tgtEl>
+                                          <p:spTgt spid="21">
+                                            <p:txEl>
+                                              <p:pRg st="6" end="6"/>
+                                            </p:txEl>
+                                          </p:spTgt>
+                                        </p:tgtEl>
+                                        <p:attrNameLst>
+                                          <p:attrName>style.visibility</p:attrName>
+                                        </p:attrNameLst>
+                                      </p:cBhvr>
+                                      <p:to>
+                                        <p:strVal val="visible"/>
+                                      </p:to>
+                                    </p:set>
+                                  </p:childTnLst>
+                                </p:cTn>
+                              </p:par>
+                              <p:par>
+                                <p:cTn id="29" presetID="1" presetClass="entr" presetSubtype="0" fill="hold" nodeType="withEffect">
+                                  <p:stCondLst>
+                                    <p:cond delay="0"/>
+                                  </p:stCondLst>
+                                  <p:childTnLst>
+                                    <p:set>
+                                      <p:cBhvr>
+                                        <p:cTn id="30" dur="1" fill="hold">
+                                          <p:stCondLst>
+                                            <p:cond delay="0"/>
+                                          </p:stCondLst>
+                                        </p:cTn>
+                                        <p:tgtEl>
+                                          <p:spTgt spid="21">
+                                            <p:txEl>
+                                              <p:pRg st="7" end="7"/>
+                                            </p:txEl>
+                                          </p:spTgt>
+                                        </p:tgtEl>
+                                        <p:attrNameLst>
+                                          <p:attrName>style.visibility</p:attrName>
+                                        </p:attrNameLst>
+                                      </p:cBhvr>
+                                      <p:to>
+                                        <p:strVal val="visible"/>
+                                      </p:to>
+                                    </p:set>
+                                  </p:childTnLst>
+                                </p:cTn>
+                              </p:par>
+                            </p:childTnLst>
+                          </p:cTn>
+                        </p:par>
+                      </p:childTnLst>
+                    </p:cTn>
+                  </p:par>
+                  <p:par>
+                    <p:cTn id="31" fill="hold">
+                      <p:stCondLst>
+                        <p:cond delay="indefinite"/>
+                      </p:stCondLst>
+                      <p:childTnLst>
+                        <p:par>
+                          <p:cTn id="32" fill="hold">
+                            <p:stCondLst>
+                              <p:cond delay="0"/>
+                            </p:stCondLst>
+                            <p:childTnLst>
+                              <p:par>
+                                <p:cTn id="33" presetID="1" presetClass="entr" presetSubtype="0" fill="hold" grpId="0" nodeType="clickEffect">
+                                  <p:stCondLst>
+                                    <p:cond delay="0"/>
+                                  </p:stCondLst>
+                                  <p:childTnLst>
+                                    <p:set>
+                                      <p:cBhvr>
+                                        <p:cTn id="34" dur="1" fill="hold">
+                                          <p:stCondLst>
+                                            <p:cond delay="0"/>
+                                          </p:stCondLst>
+                                        </p:cTn>
+                                        <p:tgtEl>
+                                          <p:spTgt spid="2"/>
+                                        </p:tgtEl>
+                                        <p:attrNameLst>
+                                          <p:attrName>style.visibility</p:attrName>
+                                        </p:attrNameLst>
+                                      </p:cBhvr>
+                                      <p:to>
+                                        <p:strVal val="visible"/>
+                                      </p:to>
+                                    </p:set>
+                                  </p:childTnLst>
+                                </p:cTn>
+                              </p:par>
+                            </p:childTnLst>
+                          </p:cTn>
+                        </p:par>
+                      </p:childTnLst>
+                    </p:cTn>
+                  </p:par>
+                </p:childTnLst>
+              </p:cTn>
+              <p:prevCondLst>
+                <p:cond evt="onPrev" delay="0">
+                  <p:tgtEl>
+                    <p:sldTgt/>
+                  </p:tgtEl>
+                </p:cond>
+              </p:prevCondLst>
+              <p:nextCondLst>
+                <p:cond evt="onNext" delay="0">
+                  <p:tgtEl>
+                    <p:sldTgt/>
+                  </p:tgtEl>
+                </p:cond>
+              </p:nextCondLst>
+            </p:seq>
+          </p:childTnLst>
+        </p:cTn>
+      </p:par>
+    </p:tnLst>
+    <p:bldLst>
+      <p:bldP spid="21" grpId="0" animBg="1"/>
+      <p:bldP spid="2" grpId="0"/>
+    </p:bldLst>
+  </p:timing>
 </p:sld>
 </file>
 
@@ -11272,6 +13286,242 @@
     <a:masterClrMapping/>
   </p:clrMapOvr>
   <p:transition/>
+  <p:timing>
+    <p:tnLst>
+      <p:par>
+        <p:cTn id="1" dur="indefinite" restart="never" nodeType="tmRoot">
+          <p:childTnLst>
+            <p:seq concurrent="1" nextAc="seek">
+              <p:cTn id="2" dur="indefinite" nodeType="mainSeq">
+                <p:childTnLst>
+                  <p:par>
+                    <p:cTn id="3" fill="hold">
+                      <p:stCondLst>
+                        <p:cond delay="indefinite"/>
+                      </p:stCondLst>
+                      <p:childTnLst>
+                        <p:par>
+                          <p:cTn id="4" fill="hold">
+                            <p:stCondLst>
+                              <p:cond delay="0"/>
+                            </p:stCondLst>
+                            <p:childTnLst>
+                              <p:par>
+                                <p:cTn id="5" presetID="1" presetClass="entr" presetSubtype="0" fill="hold" grpId="0" nodeType="clickEffect">
+                                  <p:stCondLst>
+                                    <p:cond delay="0"/>
+                                  </p:stCondLst>
+                                  <p:childTnLst>
+                                    <p:set>
+                                      <p:cBhvr>
+                                        <p:cTn id="6" dur="1" fill="hold">
+                                          <p:stCondLst>
+                                            <p:cond delay="0"/>
+                                          </p:stCondLst>
+                                        </p:cTn>
+                                        <p:tgtEl>
+                                          <p:spTgt spid="10"/>
+                                        </p:tgtEl>
+                                        <p:attrNameLst>
+                                          <p:attrName>style.visibility</p:attrName>
+                                        </p:attrNameLst>
+                                      </p:cBhvr>
+                                      <p:to>
+                                        <p:strVal val="visible"/>
+                                      </p:to>
+                                    </p:set>
+                                  </p:childTnLst>
+                                </p:cTn>
+                              </p:par>
+                              <p:par>
+                                <p:cTn id="7" presetID="1" presetClass="entr" presetSubtype="0" fill="hold" grpId="0" nodeType="withEffect">
+                                  <p:stCondLst>
+                                    <p:cond delay="0"/>
+                                  </p:stCondLst>
+                                  <p:childTnLst>
+                                    <p:set>
+                                      <p:cBhvr>
+                                        <p:cTn id="8" dur="1" fill="hold">
+                                          <p:stCondLst>
+                                            <p:cond delay="0"/>
+                                          </p:stCondLst>
+                                        </p:cTn>
+                                        <p:tgtEl>
+                                          <p:spTgt spid="11"/>
+                                        </p:tgtEl>
+                                        <p:attrNameLst>
+                                          <p:attrName>style.visibility</p:attrName>
+                                        </p:attrNameLst>
+                                      </p:cBhvr>
+                                      <p:to>
+                                        <p:strVal val="visible"/>
+                                      </p:to>
+                                    </p:set>
+                                  </p:childTnLst>
+                                </p:cTn>
+                              </p:par>
+                              <p:par>
+                                <p:cTn id="9" presetID="1" presetClass="entr" presetSubtype="0" fill="hold" grpId="0" nodeType="withEffect">
+                                  <p:stCondLst>
+                                    <p:cond delay="0"/>
+                                  </p:stCondLst>
+                                  <p:childTnLst>
+                                    <p:set>
+                                      <p:cBhvr>
+                                        <p:cTn id="10" dur="1" fill="hold">
+                                          <p:stCondLst>
+                                            <p:cond delay="0"/>
+                                          </p:stCondLst>
+                                        </p:cTn>
+                                        <p:tgtEl>
+                                          <p:spTgt spid="7"/>
+                                        </p:tgtEl>
+                                        <p:attrNameLst>
+                                          <p:attrName>style.visibility</p:attrName>
+                                        </p:attrNameLst>
+                                      </p:cBhvr>
+                                      <p:to>
+                                        <p:strVal val="visible"/>
+                                      </p:to>
+                                    </p:set>
+                                  </p:childTnLst>
+                                </p:cTn>
+                              </p:par>
+                            </p:childTnLst>
+                          </p:cTn>
+                        </p:par>
+                      </p:childTnLst>
+                    </p:cTn>
+                  </p:par>
+                  <p:par>
+                    <p:cTn id="11" fill="hold">
+                      <p:stCondLst>
+                        <p:cond delay="indefinite"/>
+                      </p:stCondLst>
+                      <p:childTnLst>
+                        <p:par>
+                          <p:cTn id="12" fill="hold">
+                            <p:stCondLst>
+                              <p:cond delay="0"/>
+                            </p:stCondLst>
+                            <p:childTnLst>
+                              <p:par>
+                                <p:cTn id="13" presetID="1" presetClass="entr" presetSubtype="0" fill="hold" grpId="0" nodeType="clickEffect">
+                                  <p:stCondLst>
+                                    <p:cond delay="0"/>
+                                  </p:stCondLst>
+                                  <p:childTnLst>
+                                    <p:set>
+                                      <p:cBhvr>
+                                        <p:cTn id="14" dur="1" fill="hold">
+                                          <p:stCondLst>
+                                            <p:cond delay="0"/>
+                                          </p:stCondLst>
+                                        </p:cTn>
+                                        <p:tgtEl>
+                                          <p:spTgt spid="12"/>
+                                        </p:tgtEl>
+                                        <p:attrNameLst>
+                                          <p:attrName>style.visibility</p:attrName>
+                                        </p:attrNameLst>
+                                      </p:cBhvr>
+                                      <p:to>
+                                        <p:strVal val="visible"/>
+                                      </p:to>
+                                    </p:set>
+                                  </p:childTnLst>
+                                </p:cTn>
+                              </p:par>
+                              <p:par>
+                                <p:cTn id="15" presetID="1" presetClass="entr" presetSubtype="0" fill="hold" grpId="0" nodeType="withEffect">
+                                  <p:stCondLst>
+                                    <p:cond delay="0"/>
+                                  </p:stCondLst>
+                                  <p:childTnLst>
+                                    <p:set>
+                                      <p:cBhvr>
+                                        <p:cTn id="16" dur="1" fill="hold">
+                                          <p:stCondLst>
+                                            <p:cond delay="0"/>
+                                          </p:stCondLst>
+                                        </p:cTn>
+                                        <p:tgtEl>
+                                          <p:spTgt spid="13"/>
+                                        </p:tgtEl>
+                                        <p:attrNameLst>
+                                          <p:attrName>style.visibility</p:attrName>
+                                        </p:attrNameLst>
+                                      </p:cBhvr>
+                                      <p:to>
+                                        <p:strVal val="visible"/>
+                                      </p:to>
+                                    </p:set>
+                                  </p:childTnLst>
+                                </p:cTn>
+                              </p:par>
+                              <p:par>
+                                <p:cTn id="17" presetID="1" presetClass="entr" presetSubtype="0" fill="hold" grpId="0" nodeType="withEffect">
+                                  <p:stCondLst>
+                                    <p:cond delay="0"/>
+                                  </p:stCondLst>
+                                  <p:childTnLst>
+                                    <p:set>
+                                      <p:cBhvr>
+                                        <p:cTn id="18" dur="1" fill="hold">
+                                          <p:stCondLst>
+                                            <p:cond delay="0"/>
+                                          </p:stCondLst>
+                                        </p:cTn>
+                                        <p:tgtEl>
+                                          <p:spTgt spid="9"/>
+                                        </p:tgtEl>
+                                        <p:attrNameLst>
+                                          <p:attrName>style.visibility</p:attrName>
+                                        </p:attrNameLst>
+                                      </p:cBhvr>
+                                      <p:to>
+                                        <p:strVal val="visible"/>
+                                      </p:to>
+                                    </p:set>
+                                  </p:childTnLst>
+                                </p:cTn>
+                              </p:par>
+                            </p:childTnLst>
+                          </p:cTn>
+                        </p:par>
+                      </p:childTnLst>
+                    </p:cTn>
+                  </p:par>
+                </p:childTnLst>
+              </p:cTn>
+              <p:prevCondLst>
+                <p:cond evt="onPrev" delay="0">
+                  <p:tgtEl>
+                    <p:sldTgt/>
+                  </p:tgtEl>
+                </p:cond>
+              </p:prevCondLst>
+              <p:nextCondLst>
+                <p:cond evt="onNext" delay="0">
+                  <p:tgtEl>
+                    <p:sldTgt/>
+                  </p:tgtEl>
+                </p:cond>
+              </p:nextCondLst>
+            </p:seq>
+          </p:childTnLst>
+        </p:cTn>
+      </p:par>
+    </p:tnLst>
+    <p:bldLst>
+      <p:bldP spid="7" grpId="0" animBg="1"/>
+      <p:bldP spid="9" grpId="0" animBg="1"/>
+      <p:bldP spid="10" grpId="0" animBg="1"/>
+      <p:bldP spid="11" grpId="0" animBg="1"/>
+      <p:bldP spid="12" grpId="0" animBg="1"/>
+      <p:bldP spid="13" grpId="0" animBg="1"/>
+    </p:bldLst>
+  </p:timing>
 </p:sld>
 </file>
 
@@ -11735,6 +13985,386 @@
   <p:clrMapOvr>
     <a:masterClrMapping/>
   </p:clrMapOvr>
+  <p:timing>
+    <p:tnLst>
+      <p:par>
+        <p:cTn id="1" dur="indefinite" restart="never" nodeType="tmRoot">
+          <p:childTnLst>
+            <p:seq concurrent="1" nextAc="seek">
+              <p:cTn id="2" dur="indefinite" nodeType="mainSeq">
+                <p:childTnLst>
+                  <p:par>
+                    <p:cTn id="3" fill="hold">
+                      <p:stCondLst>
+                        <p:cond delay="indefinite"/>
+                      </p:stCondLst>
+                      <p:childTnLst>
+                        <p:par>
+                          <p:cTn id="4" fill="hold">
+                            <p:stCondLst>
+                              <p:cond delay="0"/>
+                            </p:stCondLst>
+                            <p:childTnLst>
+                              <p:par>
+                                <p:cTn id="5" presetID="1" presetClass="entr" presetSubtype="0" fill="hold" grpId="0" nodeType="clickEffect">
+                                  <p:stCondLst>
+                                    <p:cond delay="0"/>
+                                  </p:stCondLst>
+                                  <p:childTnLst>
+                                    <p:set>
+                                      <p:cBhvr>
+                                        <p:cTn id="6" dur="1" fill="hold">
+                                          <p:stCondLst>
+                                            <p:cond delay="0"/>
+                                          </p:stCondLst>
+                                        </p:cTn>
+                                        <p:tgtEl>
+                                          <p:spTgt spid="21"/>
+                                        </p:tgtEl>
+                                        <p:attrNameLst>
+                                          <p:attrName>style.visibility</p:attrName>
+                                        </p:attrNameLst>
+                                      </p:cBhvr>
+                                      <p:to>
+                                        <p:strVal val="visible"/>
+                                      </p:to>
+                                    </p:set>
+                                  </p:childTnLst>
+                                </p:cTn>
+                              </p:par>
+                              <p:par>
+                                <p:cTn id="7" presetID="1" presetClass="entr" presetSubtype="0" fill="hold" nodeType="withEffect">
+                                  <p:stCondLst>
+                                    <p:cond delay="0"/>
+                                  </p:stCondLst>
+                                  <p:childTnLst>
+                                    <p:set>
+                                      <p:cBhvr>
+                                        <p:cTn id="8" dur="1" fill="hold">
+                                          <p:stCondLst>
+                                            <p:cond delay="0"/>
+                                          </p:stCondLst>
+                                        </p:cTn>
+                                        <p:tgtEl>
+                                          <p:spTgt spid="21">
+                                            <p:txEl>
+                                              <p:pRg st="0" end="0"/>
+                                            </p:txEl>
+                                          </p:spTgt>
+                                        </p:tgtEl>
+                                        <p:attrNameLst>
+                                          <p:attrName>style.visibility</p:attrName>
+                                        </p:attrNameLst>
+                                      </p:cBhvr>
+                                      <p:to>
+                                        <p:strVal val="visible"/>
+                                      </p:to>
+                                    </p:set>
+                                  </p:childTnLst>
+                                </p:cTn>
+                              </p:par>
+                              <p:par>
+                                <p:cTn id="9" presetID="1" presetClass="entr" presetSubtype="0" fill="hold" nodeType="withEffect">
+                                  <p:stCondLst>
+                                    <p:cond delay="0"/>
+                                  </p:stCondLst>
+                                  <p:childTnLst>
+                                    <p:set>
+                                      <p:cBhvr>
+                                        <p:cTn id="10" dur="1" fill="hold">
+                                          <p:stCondLst>
+                                            <p:cond delay="0"/>
+                                          </p:stCondLst>
+                                        </p:cTn>
+                                        <p:tgtEl>
+                                          <p:spTgt spid="21">
+                                            <p:txEl>
+                                              <p:pRg st="1" end="1"/>
+                                            </p:txEl>
+                                          </p:spTgt>
+                                        </p:tgtEl>
+                                        <p:attrNameLst>
+                                          <p:attrName>style.visibility</p:attrName>
+                                        </p:attrNameLst>
+                                      </p:cBhvr>
+                                      <p:to>
+                                        <p:strVal val="visible"/>
+                                      </p:to>
+                                    </p:set>
+                                  </p:childTnLst>
+                                </p:cTn>
+                              </p:par>
+                              <p:par>
+                                <p:cTn id="11" presetID="1" presetClass="entr" presetSubtype="0" fill="hold" nodeType="withEffect">
+                                  <p:stCondLst>
+                                    <p:cond delay="0"/>
+                                  </p:stCondLst>
+                                  <p:childTnLst>
+                                    <p:set>
+                                      <p:cBhvr>
+                                        <p:cTn id="12" dur="1" fill="hold">
+                                          <p:stCondLst>
+                                            <p:cond delay="0"/>
+                                          </p:stCondLst>
+                                        </p:cTn>
+                                        <p:tgtEl>
+                                          <p:spTgt spid="21">
+                                            <p:txEl>
+                                              <p:pRg st="7" end="7"/>
+                                            </p:txEl>
+                                          </p:spTgt>
+                                        </p:tgtEl>
+                                        <p:attrNameLst>
+                                          <p:attrName>style.visibility</p:attrName>
+                                        </p:attrNameLst>
+                                      </p:cBhvr>
+                                      <p:to>
+                                        <p:strVal val="visible"/>
+                                      </p:to>
+                                    </p:set>
+                                  </p:childTnLst>
+                                </p:cTn>
+                              </p:par>
+                            </p:childTnLst>
+                          </p:cTn>
+                        </p:par>
+                      </p:childTnLst>
+                    </p:cTn>
+                  </p:par>
+                  <p:par>
+                    <p:cTn id="13" fill="hold">
+                      <p:stCondLst>
+                        <p:cond delay="indefinite"/>
+                      </p:stCondLst>
+                      <p:childTnLst>
+                        <p:par>
+                          <p:cTn id="14" fill="hold">
+                            <p:stCondLst>
+                              <p:cond delay="0"/>
+                            </p:stCondLst>
+                            <p:childTnLst>
+                              <p:par>
+                                <p:cTn id="15" presetID="1" presetClass="entr" presetSubtype="0" fill="hold" nodeType="clickEffect">
+                                  <p:stCondLst>
+                                    <p:cond delay="0"/>
+                                  </p:stCondLst>
+                                  <p:childTnLst>
+                                    <p:set>
+                                      <p:cBhvr>
+                                        <p:cTn id="16" dur="1" fill="hold">
+                                          <p:stCondLst>
+                                            <p:cond delay="0"/>
+                                          </p:stCondLst>
+                                        </p:cTn>
+                                        <p:tgtEl>
+                                          <p:spTgt spid="21">
+                                            <p:txEl>
+                                              <p:pRg st="2" end="2"/>
+                                            </p:txEl>
+                                          </p:spTgt>
+                                        </p:tgtEl>
+                                        <p:attrNameLst>
+                                          <p:attrName>style.visibility</p:attrName>
+                                        </p:attrNameLst>
+                                      </p:cBhvr>
+                                      <p:to>
+                                        <p:strVal val="visible"/>
+                                      </p:to>
+                                    </p:set>
+                                  </p:childTnLst>
+                                </p:cTn>
+                              </p:par>
+                              <p:par>
+                                <p:cTn id="17" presetID="1" presetClass="entr" presetSubtype="0" fill="hold" nodeType="withEffect">
+                                  <p:stCondLst>
+                                    <p:cond delay="0"/>
+                                  </p:stCondLst>
+                                  <p:childTnLst>
+                                    <p:set>
+                                      <p:cBhvr>
+                                        <p:cTn id="18" dur="1" fill="hold">
+                                          <p:stCondLst>
+                                            <p:cond delay="0"/>
+                                          </p:stCondLst>
+                                        </p:cTn>
+                                        <p:tgtEl>
+                                          <p:spTgt spid="21">
+                                            <p:txEl>
+                                              <p:pRg st="3" end="3"/>
+                                            </p:txEl>
+                                          </p:spTgt>
+                                        </p:tgtEl>
+                                        <p:attrNameLst>
+                                          <p:attrName>style.visibility</p:attrName>
+                                        </p:attrNameLst>
+                                      </p:cBhvr>
+                                      <p:to>
+                                        <p:strVal val="visible"/>
+                                      </p:to>
+                                    </p:set>
+                                  </p:childTnLst>
+                                </p:cTn>
+                              </p:par>
+                              <p:par>
+                                <p:cTn id="19" presetID="1" presetClass="entr" presetSubtype="0" fill="hold" nodeType="withEffect">
+                                  <p:stCondLst>
+                                    <p:cond delay="0"/>
+                                  </p:stCondLst>
+                                  <p:childTnLst>
+                                    <p:set>
+                                      <p:cBhvr>
+                                        <p:cTn id="20" dur="1" fill="hold">
+                                          <p:stCondLst>
+                                            <p:cond delay="0"/>
+                                          </p:stCondLst>
+                                        </p:cTn>
+                                        <p:tgtEl>
+                                          <p:spTgt spid="21">
+                                            <p:txEl>
+                                              <p:pRg st="5" end="5"/>
+                                            </p:txEl>
+                                          </p:spTgt>
+                                        </p:tgtEl>
+                                        <p:attrNameLst>
+                                          <p:attrName>style.visibility</p:attrName>
+                                        </p:attrNameLst>
+                                      </p:cBhvr>
+                                      <p:to>
+                                        <p:strVal val="visible"/>
+                                      </p:to>
+                                    </p:set>
+                                  </p:childTnLst>
+                                </p:cTn>
+                              </p:par>
+                            </p:childTnLst>
+                          </p:cTn>
+                        </p:par>
+                      </p:childTnLst>
+                    </p:cTn>
+                  </p:par>
+                  <p:par>
+                    <p:cTn id="21" fill="hold">
+                      <p:stCondLst>
+                        <p:cond delay="indefinite"/>
+                      </p:stCondLst>
+                      <p:childTnLst>
+                        <p:par>
+                          <p:cTn id="22" fill="hold">
+                            <p:stCondLst>
+                              <p:cond delay="0"/>
+                            </p:stCondLst>
+                            <p:childTnLst>
+                              <p:par>
+                                <p:cTn id="23" presetID="1" presetClass="entr" presetSubtype="0" fill="hold" nodeType="clickEffect">
+                                  <p:stCondLst>
+                                    <p:cond delay="0"/>
+                                  </p:stCondLst>
+                                  <p:childTnLst>
+                                    <p:set>
+                                      <p:cBhvr>
+                                        <p:cTn id="24" dur="1" fill="hold">
+                                          <p:stCondLst>
+                                            <p:cond delay="0"/>
+                                          </p:stCondLst>
+                                        </p:cTn>
+                                        <p:tgtEl>
+                                          <p:spTgt spid="21">
+                                            <p:txEl>
+                                              <p:pRg st="4" end="4"/>
+                                            </p:txEl>
+                                          </p:spTgt>
+                                        </p:tgtEl>
+                                        <p:attrNameLst>
+                                          <p:attrName>style.visibility</p:attrName>
+                                        </p:attrNameLst>
+                                      </p:cBhvr>
+                                      <p:to>
+                                        <p:strVal val="visible"/>
+                                      </p:to>
+                                    </p:set>
+                                  </p:childTnLst>
+                                </p:cTn>
+                              </p:par>
+                            </p:childTnLst>
+                          </p:cTn>
+                        </p:par>
+                      </p:childTnLst>
+                    </p:cTn>
+                  </p:par>
+                  <p:par>
+                    <p:cTn id="25" fill="hold">
+                      <p:stCondLst>
+                        <p:cond delay="indefinite"/>
+                      </p:stCondLst>
+                      <p:childTnLst>
+                        <p:par>
+                          <p:cTn id="26" fill="hold">
+                            <p:stCondLst>
+                              <p:cond delay="0"/>
+                            </p:stCondLst>
+                            <p:childTnLst>
+                              <p:par>
+                                <p:cTn id="27" presetID="1" presetClass="entr" presetSubtype="0" fill="hold" nodeType="clickEffect">
+                                  <p:stCondLst>
+                                    <p:cond delay="0"/>
+                                  </p:stCondLst>
+                                  <p:childTnLst>
+                                    <p:set>
+                                      <p:cBhvr>
+                                        <p:cTn id="28" dur="1" fill="hold">
+                                          <p:stCondLst>
+                                            <p:cond delay="0"/>
+                                          </p:stCondLst>
+                                        </p:cTn>
+                                        <p:tgtEl>
+                                          <p:spTgt spid="21">
+                                            <p:txEl>
+                                              <p:pRg st="6" end="6"/>
+                                            </p:txEl>
+                                          </p:spTgt>
+                                        </p:tgtEl>
+                                        <p:attrNameLst>
+                                          <p:attrName>style.visibility</p:attrName>
+                                        </p:attrNameLst>
+                                      </p:cBhvr>
+                                      <p:to>
+                                        <p:strVal val="visible"/>
+                                      </p:to>
+                                    </p:set>
+                                  </p:childTnLst>
+                                </p:cTn>
+                              </p:par>
+                            </p:childTnLst>
+                          </p:cTn>
+                        </p:par>
+                      </p:childTnLst>
+                    </p:cTn>
+                  </p:par>
+                </p:childTnLst>
+              </p:cTn>
+              <p:prevCondLst>
+                <p:cond evt="onPrev" delay="0">
+                  <p:tgtEl>
+                    <p:sldTgt/>
+                  </p:tgtEl>
+                </p:cond>
+              </p:prevCondLst>
+              <p:nextCondLst>
+                <p:cond evt="onNext" delay="0">
+                  <p:tgtEl>
+                    <p:sldTgt/>
+                  </p:tgtEl>
+                </p:cond>
+              </p:nextCondLst>
+            </p:seq>
+          </p:childTnLst>
+        </p:cTn>
+      </p:par>
+    </p:tnLst>
+    <p:bldLst>
+      <p:bldP spid="21" grpId="0" animBg="1"/>
+    </p:bldLst>
+  </p:timing>
 </p:sld>
 </file>
 
@@ -12546,7 +15176,456 @@
                                           </p:stCondLst>
                                         </p:cTn>
                                         <p:tgtEl>
+                                          <p:spTgt spid="21"/>
+                                        </p:tgtEl>
+                                        <p:attrNameLst>
+                                          <p:attrName>style.visibility</p:attrName>
+                                        </p:attrNameLst>
+                                      </p:cBhvr>
+                                      <p:to>
+                                        <p:strVal val="visible"/>
+                                      </p:to>
+                                    </p:set>
+                                  </p:childTnLst>
+                                </p:cTn>
+                              </p:par>
+                              <p:par>
+                                <p:cTn id="7" presetID="1" presetClass="entr" presetSubtype="0" fill="hold" nodeType="withEffect">
+                                  <p:stCondLst>
+                                    <p:cond delay="0"/>
+                                  </p:stCondLst>
+                                  <p:childTnLst>
+                                    <p:set>
+                                      <p:cBhvr>
+                                        <p:cTn id="8" dur="1" fill="hold">
+                                          <p:stCondLst>
+                                            <p:cond delay="0"/>
+                                          </p:stCondLst>
+                                        </p:cTn>
+                                        <p:tgtEl>
+                                          <p:spTgt spid="21">
+                                            <p:txEl>
+                                              <p:pRg st="0" end="0"/>
+                                            </p:txEl>
+                                          </p:spTgt>
+                                        </p:tgtEl>
+                                        <p:attrNameLst>
+                                          <p:attrName>style.visibility</p:attrName>
+                                        </p:attrNameLst>
+                                      </p:cBhvr>
+                                      <p:to>
+                                        <p:strVal val="visible"/>
+                                      </p:to>
+                                    </p:set>
+                                  </p:childTnLst>
+                                </p:cTn>
+                              </p:par>
+                              <p:par>
+                                <p:cTn id="9" presetID="1" presetClass="entr" presetSubtype="0" fill="hold" nodeType="withEffect">
+                                  <p:stCondLst>
+                                    <p:cond delay="0"/>
+                                  </p:stCondLst>
+                                  <p:childTnLst>
+                                    <p:set>
+                                      <p:cBhvr>
+                                        <p:cTn id="10" dur="1" fill="hold">
+                                          <p:stCondLst>
+                                            <p:cond delay="0"/>
+                                          </p:stCondLst>
+                                        </p:cTn>
+                                        <p:tgtEl>
+                                          <p:spTgt spid="21">
+                                            <p:txEl>
+                                              <p:pRg st="1" end="1"/>
+                                            </p:txEl>
+                                          </p:spTgt>
+                                        </p:tgtEl>
+                                        <p:attrNameLst>
+                                          <p:attrName>style.visibility</p:attrName>
+                                        </p:attrNameLst>
+                                      </p:cBhvr>
+                                      <p:to>
+                                        <p:strVal val="visible"/>
+                                      </p:to>
+                                    </p:set>
+                                  </p:childTnLst>
+                                </p:cTn>
+                              </p:par>
+                              <p:par>
+                                <p:cTn id="11" presetID="1" presetClass="entr" presetSubtype="0" fill="hold" nodeType="withEffect">
+                                  <p:stCondLst>
+                                    <p:cond delay="0"/>
+                                  </p:stCondLst>
+                                  <p:childTnLst>
+                                    <p:set>
+                                      <p:cBhvr>
+                                        <p:cTn id="12" dur="1" fill="hold">
+                                          <p:stCondLst>
+                                            <p:cond delay="0"/>
+                                          </p:stCondLst>
+                                        </p:cTn>
+                                        <p:tgtEl>
+                                          <p:spTgt spid="21">
+                                            <p:txEl>
+                                              <p:pRg st="11" end="11"/>
+                                            </p:txEl>
+                                          </p:spTgt>
+                                        </p:tgtEl>
+                                        <p:attrNameLst>
+                                          <p:attrName>style.visibility</p:attrName>
+                                        </p:attrNameLst>
+                                      </p:cBhvr>
+                                      <p:to>
+                                        <p:strVal val="visible"/>
+                                      </p:to>
+                                    </p:set>
+                                  </p:childTnLst>
+                                </p:cTn>
+                              </p:par>
+                              <p:par>
+                                <p:cTn id="13" presetID="1" presetClass="entr" presetSubtype="0" fill="hold" grpId="0" nodeType="withEffect">
+                                  <p:stCondLst>
+                                    <p:cond delay="0"/>
+                                  </p:stCondLst>
+                                  <p:childTnLst>
+                                    <p:set>
+                                      <p:cBhvr>
+                                        <p:cTn id="14" dur="1" fill="hold">
+                                          <p:stCondLst>
+                                            <p:cond delay="0"/>
+                                          </p:stCondLst>
+                                        </p:cTn>
+                                        <p:tgtEl>
                                           <p:spTgt spid="7"/>
+                                        </p:tgtEl>
+                                        <p:attrNameLst>
+                                          <p:attrName>style.visibility</p:attrName>
+                                        </p:attrNameLst>
+                                      </p:cBhvr>
+                                      <p:to>
+                                        <p:strVal val="visible"/>
+                                      </p:to>
+                                    </p:set>
+                                  </p:childTnLst>
+                                </p:cTn>
+                              </p:par>
+                            </p:childTnLst>
+                          </p:cTn>
+                        </p:par>
+                      </p:childTnLst>
+                    </p:cTn>
+                  </p:par>
+                  <p:par>
+                    <p:cTn id="15" fill="hold">
+                      <p:stCondLst>
+                        <p:cond delay="indefinite"/>
+                      </p:stCondLst>
+                      <p:childTnLst>
+                        <p:par>
+                          <p:cTn id="16" fill="hold">
+                            <p:stCondLst>
+                              <p:cond delay="0"/>
+                            </p:stCondLst>
+                            <p:childTnLst>
+                              <p:par>
+                                <p:cTn id="17" presetID="1" presetClass="entr" presetSubtype="0" fill="hold" nodeType="clickEffect">
+                                  <p:stCondLst>
+                                    <p:cond delay="0"/>
+                                  </p:stCondLst>
+                                  <p:childTnLst>
+                                    <p:set>
+                                      <p:cBhvr>
+                                        <p:cTn id="18" dur="1" fill="hold">
+                                          <p:stCondLst>
+                                            <p:cond delay="0"/>
+                                          </p:stCondLst>
+                                        </p:cTn>
+                                        <p:tgtEl>
+                                          <p:spTgt spid="21">
+                                            <p:txEl>
+                                              <p:pRg st="2" end="2"/>
+                                            </p:txEl>
+                                          </p:spTgt>
+                                        </p:tgtEl>
+                                        <p:attrNameLst>
+                                          <p:attrName>style.visibility</p:attrName>
+                                        </p:attrNameLst>
+                                      </p:cBhvr>
+                                      <p:to>
+                                        <p:strVal val="visible"/>
+                                      </p:to>
+                                    </p:set>
+                                  </p:childTnLst>
+                                </p:cTn>
+                              </p:par>
+                              <p:par>
+                                <p:cTn id="19" presetID="1" presetClass="entr" presetSubtype="0" fill="hold" nodeType="withEffect">
+                                  <p:stCondLst>
+                                    <p:cond delay="0"/>
+                                  </p:stCondLst>
+                                  <p:childTnLst>
+                                    <p:set>
+                                      <p:cBhvr>
+                                        <p:cTn id="20" dur="1" fill="hold">
+                                          <p:stCondLst>
+                                            <p:cond delay="0"/>
+                                          </p:stCondLst>
+                                        </p:cTn>
+                                        <p:tgtEl>
+                                          <p:spTgt spid="21">
+                                            <p:txEl>
+                                              <p:pRg st="3" end="3"/>
+                                            </p:txEl>
+                                          </p:spTgt>
+                                        </p:tgtEl>
+                                        <p:attrNameLst>
+                                          <p:attrName>style.visibility</p:attrName>
+                                        </p:attrNameLst>
+                                      </p:cBhvr>
+                                      <p:to>
+                                        <p:strVal val="visible"/>
+                                      </p:to>
+                                    </p:set>
+                                  </p:childTnLst>
+                                </p:cTn>
+                              </p:par>
+                              <p:par>
+                                <p:cTn id="21" presetID="1" presetClass="entr" presetSubtype="0" fill="hold" nodeType="withEffect">
+                                  <p:stCondLst>
+                                    <p:cond delay="0"/>
+                                  </p:stCondLst>
+                                  <p:childTnLst>
+                                    <p:set>
+                                      <p:cBhvr>
+                                        <p:cTn id="22" dur="1" fill="hold">
+                                          <p:stCondLst>
+                                            <p:cond delay="0"/>
+                                          </p:stCondLst>
+                                        </p:cTn>
+                                        <p:tgtEl>
+                                          <p:spTgt spid="21">
+                                            <p:txEl>
+                                              <p:pRg st="4" end="4"/>
+                                            </p:txEl>
+                                          </p:spTgt>
+                                        </p:tgtEl>
+                                        <p:attrNameLst>
+                                          <p:attrName>style.visibility</p:attrName>
+                                        </p:attrNameLst>
+                                      </p:cBhvr>
+                                      <p:to>
+                                        <p:strVal val="visible"/>
+                                      </p:to>
+                                    </p:set>
+                                  </p:childTnLst>
+                                </p:cTn>
+                              </p:par>
+                              <p:par>
+                                <p:cTn id="23" presetID="1" presetClass="entr" presetSubtype="0" fill="hold" nodeType="withEffect">
+                                  <p:stCondLst>
+                                    <p:cond delay="0"/>
+                                  </p:stCondLst>
+                                  <p:childTnLst>
+                                    <p:set>
+                                      <p:cBhvr>
+                                        <p:cTn id="24" dur="1" fill="hold">
+                                          <p:stCondLst>
+                                            <p:cond delay="0"/>
+                                          </p:stCondLst>
+                                        </p:cTn>
+                                        <p:tgtEl>
+                                          <p:spTgt spid="21">
+                                            <p:txEl>
+                                              <p:pRg st="5" end="5"/>
+                                            </p:txEl>
+                                          </p:spTgt>
+                                        </p:tgtEl>
+                                        <p:attrNameLst>
+                                          <p:attrName>style.visibility</p:attrName>
+                                        </p:attrNameLst>
+                                      </p:cBhvr>
+                                      <p:to>
+                                        <p:strVal val="visible"/>
+                                      </p:to>
+                                    </p:set>
+                                  </p:childTnLst>
+                                </p:cTn>
+                              </p:par>
+                            </p:childTnLst>
+                          </p:cTn>
+                        </p:par>
+                      </p:childTnLst>
+                    </p:cTn>
+                  </p:par>
+                  <p:par>
+                    <p:cTn id="25" fill="hold">
+                      <p:stCondLst>
+                        <p:cond delay="indefinite"/>
+                      </p:stCondLst>
+                      <p:childTnLst>
+                        <p:par>
+                          <p:cTn id="26" fill="hold">
+                            <p:stCondLst>
+                              <p:cond delay="0"/>
+                            </p:stCondLst>
+                            <p:childTnLst>
+                              <p:par>
+                                <p:cTn id="27" presetID="1" presetClass="entr" presetSubtype="0" fill="hold" nodeType="clickEffect">
+                                  <p:stCondLst>
+                                    <p:cond delay="0"/>
+                                  </p:stCondLst>
+                                  <p:childTnLst>
+                                    <p:set>
+                                      <p:cBhvr>
+                                        <p:cTn id="28" dur="1" fill="hold">
+                                          <p:stCondLst>
+                                            <p:cond delay="0"/>
+                                          </p:stCondLst>
+                                        </p:cTn>
+                                        <p:tgtEl>
+                                          <p:spTgt spid="21">
+                                            <p:txEl>
+                                              <p:pRg st="7" end="7"/>
+                                            </p:txEl>
+                                          </p:spTgt>
+                                        </p:tgtEl>
+                                        <p:attrNameLst>
+                                          <p:attrName>style.visibility</p:attrName>
+                                        </p:attrNameLst>
+                                      </p:cBhvr>
+                                      <p:to>
+                                        <p:strVal val="visible"/>
+                                      </p:to>
+                                    </p:set>
+                                  </p:childTnLst>
+                                </p:cTn>
+                              </p:par>
+                              <p:par>
+                                <p:cTn id="29" presetID="1" presetClass="entr" presetSubtype="0" fill="hold" nodeType="withEffect">
+                                  <p:stCondLst>
+                                    <p:cond delay="0"/>
+                                  </p:stCondLst>
+                                  <p:childTnLst>
+                                    <p:set>
+                                      <p:cBhvr>
+                                        <p:cTn id="30" dur="1" fill="hold">
+                                          <p:stCondLst>
+                                            <p:cond delay="0"/>
+                                          </p:stCondLst>
+                                        </p:cTn>
+                                        <p:tgtEl>
+                                          <p:spTgt spid="21">
+                                            <p:txEl>
+                                              <p:pRg st="8" end="8"/>
+                                            </p:txEl>
+                                          </p:spTgt>
+                                        </p:tgtEl>
+                                        <p:attrNameLst>
+                                          <p:attrName>style.visibility</p:attrName>
+                                        </p:attrNameLst>
+                                      </p:cBhvr>
+                                      <p:to>
+                                        <p:strVal val="visible"/>
+                                      </p:to>
+                                    </p:set>
+                                  </p:childTnLst>
+                                </p:cTn>
+                              </p:par>
+                              <p:par>
+                                <p:cTn id="31" presetID="1" presetClass="entr" presetSubtype="0" fill="hold" nodeType="withEffect">
+                                  <p:stCondLst>
+                                    <p:cond delay="0"/>
+                                  </p:stCondLst>
+                                  <p:childTnLst>
+                                    <p:set>
+                                      <p:cBhvr>
+                                        <p:cTn id="32" dur="1" fill="hold">
+                                          <p:stCondLst>
+                                            <p:cond delay="0"/>
+                                          </p:stCondLst>
+                                        </p:cTn>
+                                        <p:tgtEl>
+                                          <p:spTgt spid="21">
+                                            <p:txEl>
+                                              <p:pRg st="9" end="9"/>
+                                            </p:txEl>
+                                          </p:spTgt>
+                                        </p:tgtEl>
+                                        <p:attrNameLst>
+                                          <p:attrName>style.visibility</p:attrName>
+                                        </p:attrNameLst>
+                                      </p:cBhvr>
+                                      <p:to>
+                                        <p:strVal val="visible"/>
+                                      </p:to>
+                                    </p:set>
+                                  </p:childTnLst>
+                                </p:cTn>
+                              </p:par>
+                              <p:par>
+                                <p:cTn id="33" presetID="1" presetClass="entr" presetSubtype="0" fill="hold" nodeType="withEffect">
+                                  <p:stCondLst>
+                                    <p:cond delay="0"/>
+                                  </p:stCondLst>
+                                  <p:childTnLst>
+                                    <p:set>
+                                      <p:cBhvr>
+                                        <p:cTn id="34" dur="1" fill="hold">
+                                          <p:stCondLst>
+                                            <p:cond delay="0"/>
+                                          </p:stCondLst>
+                                        </p:cTn>
+                                        <p:tgtEl>
+                                          <p:spTgt spid="21">
+                                            <p:txEl>
+                                              <p:pRg st="10" end="10"/>
+                                            </p:txEl>
+                                          </p:spTgt>
+                                        </p:tgtEl>
+                                        <p:attrNameLst>
+                                          <p:attrName>style.visibility</p:attrName>
+                                        </p:attrNameLst>
+                                      </p:cBhvr>
+                                      <p:to>
+                                        <p:strVal val="visible"/>
+                                      </p:to>
+                                    </p:set>
+                                  </p:childTnLst>
+                                </p:cTn>
+                              </p:par>
+                            </p:childTnLst>
+                          </p:cTn>
+                        </p:par>
+                      </p:childTnLst>
+                    </p:cTn>
+                  </p:par>
+                  <p:par>
+                    <p:cTn id="35" fill="hold">
+                      <p:stCondLst>
+                        <p:cond delay="indefinite"/>
+                      </p:stCondLst>
+                      <p:childTnLst>
+                        <p:par>
+                          <p:cTn id="36" fill="hold">
+                            <p:stCondLst>
+                              <p:cond delay="0"/>
+                            </p:stCondLst>
+                            <p:childTnLst>
+                              <p:par>
+                                <p:cTn id="37" presetID="1" presetClass="entr" presetSubtype="0" fill="hold" grpId="0" nodeType="clickEffect">
+                                  <p:stCondLst>
+                                    <p:cond delay="0"/>
+                                  </p:stCondLst>
+                                  <p:childTnLst>
+                                    <p:set>
+                                      <p:cBhvr>
+                                        <p:cTn id="38" dur="1" fill="hold">
+                                          <p:stCondLst>
+                                            <p:cond delay="0"/>
+                                          </p:stCondLst>
+                                        </p:cTn>
+                                        <p:tgtEl>
+                                          <p:spTgt spid="2"/>
                                         </p:tgtEl>
                                         <p:attrNameLst>
                                           <p:attrName>style.visibility</p:attrName>
@@ -12587,7 +15666,9 @@
       </p:par>
     </p:tnLst>
     <p:bldLst>
+      <p:bldP spid="21" grpId="0" animBg="1"/>
       <p:bldP spid="7" grpId="0" animBg="1"/>
+      <p:bldP spid="2" grpId="0"/>
     </p:bldLst>
   </p:timing>
 </p:sld>
@@ -13928,6 +17009,9 @@
                     <p:cTn id="3" fill="hold">
                       <p:stCondLst>
                         <p:cond delay="indefinite"/>
+                        <p:cond evt="onBegin" delay="0">
+                          <p:tn val="2"/>
+                        </p:cond>
                       </p:stCondLst>
                       <p:childTnLst>
                         <p:par>
@@ -13937,7 +17021,7 @@
                             </p:stCondLst>
                             <p:childTnLst>
                               <p:par>
-                                <p:cTn id="5" presetID="1" presetClass="entr" presetSubtype="0" fill="hold" grpId="0" nodeType="clickEffect">
+                                <p:cTn id="5" presetID="1" presetClass="entr" presetSubtype="0" fill="hold" nodeType="withEffect">
                                   <p:stCondLst>
                                     <p:cond delay="0"/>
                                   </p:stCondLst>
@@ -13950,7 +17034,804 @@
                                           </p:stCondLst>
                                         </p:cTn>
                                         <p:tgtEl>
+                                          <p:spTgt spid="13"/>
+                                        </p:tgtEl>
+                                        <p:attrNameLst>
+                                          <p:attrName>style.visibility</p:attrName>
+                                        </p:attrNameLst>
+                                      </p:cBhvr>
+                                      <p:to>
+                                        <p:strVal val="visible"/>
+                                      </p:to>
+                                    </p:set>
+                                  </p:childTnLst>
+                                </p:cTn>
+                              </p:par>
+                            </p:childTnLst>
+                          </p:cTn>
+                        </p:par>
+                      </p:childTnLst>
+                    </p:cTn>
+                  </p:par>
+                  <p:par>
+                    <p:cTn id="7" fill="hold">
+                      <p:stCondLst>
+                        <p:cond delay="indefinite"/>
+                      </p:stCondLst>
+                      <p:childTnLst>
+                        <p:par>
+                          <p:cTn id="8" fill="hold">
+                            <p:stCondLst>
+                              <p:cond delay="0"/>
+                            </p:stCondLst>
+                            <p:childTnLst>
+                              <p:par>
+                                <p:cTn id="9" presetID="1" presetClass="entr" presetSubtype="0" fill="hold" grpId="0" nodeType="clickEffect">
+                                  <p:stCondLst>
+                                    <p:cond delay="0"/>
+                                  </p:stCondLst>
+                                  <p:childTnLst>
+                                    <p:set>
+                                      <p:cBhvr>
+                                        <p:cTn id="10" dur="1" fill="hold">
+                                          <p:stCondLst>
+                                            <p:cond delay="0"/>
+                                          </p:stCondLst>
+                                        </p:cTn>
+                                        <p:tgtEl>
+                                          <p:spTgt spid="11"/>
+                                        </p:tgtEl>
+                                        <p:attrNameLst>
+                                          <p:attrName>style.visibility</p:attrName>
+                                        </p:attrNameLst>
+                                      </p:cBhvr>
+                                      <p:to>
+                                        <p:strVal val="visible"/>
+                                      </p:to>
+                                    </p:set>
+                                  </p:childTnLst>
+                                </p:cTn>
+                              </p:par>
+                              <p:par>
+                                <p:cTn id="11" presetID="1" presetClass="entr" presetSubtype="0" fill="hold" nodeType="withEffect">
+                                  <p:stCondLst>
+                                    <p:cond delay="0"/>
+                                  </p:stCondLst>
+                                  <p:childTnLst>
+                                    <p:set>
+                                      <p:cBhvr>
+                                        <p:cTn id="12" dur="1" fill="hold">
+                                          <p:stCondLst>
+                                            <p:cond delay="0"/>
+                                          </p:stCondLst>
+                                        </p:cTn>
+                                        <p:tgtEl>
+                                          <p:spTgt spid="11">
+                                            <p:txEl>
+                                              <p:pRg st="0" end="0"/>
+                                            </p:txEl>
+                                          </p:spTgt>
+                                        </p:tgtEl>
+                                        <p:attrNameLst>
+                                          <p:attrName>style.visibility</p:attrName>
+                                        </p:attrNameLst>
+                                      </p:cBhvr>
+                                      <p:to>
+                                        <p:strVal val="visible"/>
+                                      </p:to>
+                                    </p:set>
+                                  </p:childTnLst>
+                                </p:cTn>
+                              </p:par>
+                              <p:par>
+                                <p:cTn id="13" presetID="1" presetClass="entr" presetSubtype="0" fill="hold" nodeType="withEffect">
+                                  <p:stCondLst>
+                                    <p:cond delay="0"/>
+                                  </p:stCondLst>
+                                  <p:childTnLst>
+                                    <p:set>
+                                      <p:cBhvr>
+                                        <p:cTn id="14" dur="1" fill="hold">
+                                          <p:stCondLst>
+                                            <p:cond delay="0"/>
+                                          </p:stCondLst>
+                                        </p:cTn>
+                                        <p:tgtEl>
+                                          <p:spTgt spid="11">
+                                            <p:txEl>
+                                              <p:pRg st="1" end="1"/>
+                                            </p:txEl>
+                                          </p:spTgt>
+                                        </p:tgtEl>
+                                        <p:attrNameLst>
+                                          <p:attrName>style.visibility</p:attrName>
+                                        </p:attrNameLst>
+                                      </p:cBhvr>
+                                      <p:to>
+                                        <p:strVal val="visible"/>
+                                      </p:to>
+                                    </p:set>
+                                  </p:childTnLst>
+                                </p:cTn>
+                              </p:par>
+                              <p:par>
+                                <p:cTn id="15" presetID="1" presetClass="entr" presetSubtype="0" fill="hold" nodeType="withEffect">
+                                  <p:stCondLst>
+                                    <p:cond delay="0"/>
+                                  </p:stCondLst>
+                                  <p:childTnLst>
+                                    <p:set>
+                                      <p:cBhvr>
+                                        <p:cTn id="16" dur="1" fill="hold">
+                                          <p:stCondLst>
+                                            <p:cond delay="0"/>
+                                          </p:stCondLst>
+                                        </p:cTn>
+                                        <p:tgtEl>
+                                          <p:spTgt spid="11">
+                                            <p:txEl>
+                                              <p:pRg st="2" end="2"/>
+                                            </p:txEl>
+                                          </p:spTgt>
+                                        </p:tgtEl>
+                                        <p:attrNameLst>
+                                          <p:attrName>style.visibility</p:attrName>
+                                        </p:attrNameLst>
+                                      </p:cBhvr>
+                                      <p:to>
+                                        <p:strVal val="visible"/>
+                                      </p:to>
+                                    </p:set>
+                                  </p:childTnLst>
+                                </p:cTn>
+                              </p:par>
+                              <p:par>
+                                <p:cTn id="17" presetID="1" presetClass="entr" presetSubtype="0" fill="hold" grpId="0" nodeType="withEffect">
+                                  <p:stCondLst>
+                                    <p:cond delay="0"/>
+                                  </p:stCondLst>
+                                  <p:childTnLst>
+                                    <p:set>
+                                      <p:cBhvr>
+                                        <p:cTn id="18" dur="1" fill="hold">
+                                          <p:stCondLst>
+                                            <p:cond delay="0"/>
+                                          </p:stCondLst>
+                                        </p:cTn>
+                                        <p:tgtEl>
                                           <p:spTgt spid="15"/>
+                                        </p:tgtEl>
+                                        <p:attrNameLst>
+                                          <p:attrName>style.visibility</p:attrName>
+                                        </p:attrNameLst>
+                                      </p:cBhvr>
+                                      <p:to>
+                                        <p:strVal val="visible"/>
+                                      </p:to>
+                                    </p:set>
+                                  </p:childTnLst>
+                                </p:cTn>
+                              </p:par>
+                            </p:childTnLst>
+                          </p:cTn>
+                        </p:par>
+                      </p:childTnLst>
+                    </p:cTn>
+                  </p:par>
+                  <p:par>
+                    <p:cTn id="19" fill="hold">
+                      <p:stCondLst>
+                        <p:cond delay="indefinite"/>
+                      </p:stCondLst>
+                      <p:childTnLst>
+                        <p:par>
+                          <p:cTn id="20" fill="hold">
+                            <p:stCondLst>
+                              <p:cond delay="0"/>
+                            </p:stCondLst>
+                            <p:childTnLst>
+                              <p:par>
+                                <p:cTn id="21" presetID="1" presetClass="entr" presetSubtype="0" fill="hold" nodeType="clickEffect">
+                                  <p:stCondLst>
+                                    <p:cond delay="0"/>
+                                  </p:stCondLst>
+                                  <p:childTnLst>
+                                    <p:set>
+                                      <p:cBhvr>
+                                        <p:cTn id="22" dur="1" fill="hold">
+                                          <p:stCondLst>
+                                            <p:cond delay="0"/>
+                                          </p:stCondLst>
+                                        </p:cTn>
+                                        <p:tgtEl>
+                                          <p:spTgt spid="11">
+                                            <p:txEl>
+                                              <p:pRg st="3" end="3"/>
+                                            </p:txEl>
+                                          </p:spTgt>
+                                        </p:tgtEl>
+                                        <p:attrNameLst>
+                                          <p:attrName>style.visibility</p:attrName>
+                                        </p:attrNameLst>
+                                      </p:cBhvr>
+                                      <p:to>
+                                        <p:strVal val="visible"/>
+                                      </p:to>
+                                    </p:set>
+                                  </p:childTnLst>
+                                </p:cTn>
+                              </p:par>
+                              <p:par>
+                                <p:cTn id="23" presetID="1" presetClass="entr" presetSubtype="0" fill="hold" nodeType="withEffect">
+                                  <p:stCondLst>
+                                    <p:cond delay="0"/>
+                                  </p:stCondLst>
+                                  <p:childTnLst>
+                                    <p:set>
+                                      <p:cBhvr>
+                                        <p:cTn id="24" dur="1" fill="hold">
+                                          <p:stCondLst>
+                                            <p:cond delay="0"/>
+                                          </p:stCondLst>
+                                        </p:cTn>
+                                        <p:tgtEl>
+                                          <p:spTgt spid="11">
+                                            <p:txEl>
+                                              <p:pRg st="4" end="4"/>
+                                            </p:txEl>
+                                          </p:spTgt>
+                                        </p:tgtEl>
+                                        <p:attrNameLst>
+                                          <p:attrName>style.visibility</p:attrName>
+                                        </p:attrNameLst>
+                                      </p:cBhvr>
+                                      <p:to>
+                                        <p:strVal val="visible"/>
+                                      </p:to>
+                                    </p:set>
+                                  </p:childTnLst>
+                                </p:cTn>
+                              </p:par>
+                              <p:par>
+                                <p:cTn id="25" presetID="1" presetClass="entr" presetSubtype="0" fill="hold" nodeType="withEffect">
+                                  <p:stCondLst>
+                                    <p:cond delay="0"/>
+                                  </p:stCondLst>
+                                  <p:childTnLst>
+                                    <p:set>
+                                      <p:cBhvr>
+                                        <p:cTn id="26" dur="1" fill="hold">
+                                          <p:stCondLst>
+                                            <p:cond delay="0"/>
+                                          </p:stCondLst>
+                                        </p:cTn>
+                                        <p:tgtEl>
+                                          <p:spTgt spid="11">
+                                            <p:txEl>
+                                              <p:pRg st="5" end="5"/>
+                                            </p:txEl>
+                                          </p:spTgt>
+                                        </p:tgtEl>
+                                        <p:attrNameLst>
+                                          <p:attrName>style.visibility</p:attrName>
+                                        </p:attrNameLst>
+                                      </p:cBhvr>
+                                      <p:to>
+                                        <p:strVal val="visible"/>
+                                      </p:to>
+                                    </p:set>
+                                  </p:childTnLst>
+                                </p:cTn>
+                              </p:par>
+                              <p:par>
+                                <p:cTn id="27" presetID="1" presetClass="entr" presetSubtype="0" fill="hold" nodeType="withEffect">
+                                  <p:stCondLst>
+                                    <p:cond delay="0"/>
+                                  </p:stCondLst>
+                                  <p:childTnLst>
+                                    <p:set>
+                                      <p:cBhvr>
+                                        <p:cTn id="28" dur="1" fill="hold">
+                                          <p:stCondLst>
+                                            <p:cond delay="0"/>
+                                          </p:stCondLst>
+                                        </p:cTn>
+                                        <p:tgtEl>
+                                          <p:spTgt spid="11">
+                                            <p:txEl>
+                                              <p:pRg st="6" end="6"/>
+                                            </p:txEl>
+                                          </p:spTgt>
+                                        </p:tgtEl>
+                                        <p:attrNameLst>
+                                          <p:attrName>style.visibility</p:attrName>
+                                        </p:attrNameLst>
+                                      </p:cBhvr>
+                                      <p:to>
+                                        <p:strVal val="visible"/>
+                                      </p:to>
+                                    </p:set>
+                                  </p:childTnLst>
+                                </p:cTn>
+                              </p:par>
+                              <p:par>
+                                <p:cTn id="29" presetID="1" presetClass="entr" presetSubtype="0" fill="hold" nodeType="withEffect">
+                                  <p:stCondLst>
+                                    <p:cond delay="0"/>
+                                  </p:stCondLst>
+                                  <p:childTnLst>
+                                    <p:set>
+                                      <p:cBhvr>
+                                        <p:cTn id="30" dur="1" fill="hold">
+                                          <p:stCondLst>
+                                            <p:cond delay="0"/>
+                                          </p:stCondLst>
+                                        </p:cTn>
+                                        <p:tgtEl>
+                                          <p:spTgt spid="11">
+                                            <p:txEl>
+                                              <p:pRg st="7" end="7"/>
+                                            </p:txEl>
+                                          </p:spTgt>
+                                        </p:tgtEl>
+                                        <p:attrNameLst>
+                                          <p:attrName>style.visibility</p:attrName>
+                                        </p:attrNameLst>
+                                      </p:cBhvr>
+                                      <p:to>
+                                        <p:strVal val="visible"/>
+                                      </p:to>
+                                    </p:set>
+                                  </p:childTnLst>
+                                </p:cTn>
+                              </p:par>
+                              <p:par>
+                                <p:cTn id="31" presetID="1" presetClass="entr" presetSubtype="0" fill="hold" nodeType="withEffect">
+                                  <p:stCondLst>
+                                    <p:cond delay="0"/>
+                                  </p:stCondLst>
+                                  <p:childTnLst>
+                                    <p:set>
+                                      <p:cBhvr>
+                                        <p:cTn id="32" dur="1" fill="hold">
+                                          <p:stCondLst>
+                                            <p:cond delay="0"/>
+                                          </p:stCondLst>
+                                        </p:cTn>
+                                        <p:tgtEl>
+                                          <p:spTgt spid="11">
+                                            <p:txEl>
+                                              <p:pRg st="8" end="8"/>
+                                            </p:txEl>
+                                          </p:spTgt>
+                                        </p:tgtEl>
+                                        <p:attrNameLst>
+                                          <p:attrName>style.visibility</p:attrName>
+                                        </p:attrNameLst>
+                                      </p:cBhvr>
+                                      <p:to>
+                                        <p:strVal val="visible"/>
+                                      </p:to>
+                                    </p:set>
+                                  </p:childTnLst>
+                                </p:cTn>
+                              </p:par>
+                              <p:par>
+                                <p:cTn id="33" presetID="1" presetClass="entr" presetSubtype="0" fill="hold" nodeType="withEffect">
+                                  <p:stCondLst>
+                                    <p:cond delay="0"/>
+                                  </p:stCondLst>
+                                  <p:childTnLst>
+                                    <p:set>
+                                      <p:cBhvr>
+                                        <p:cTn id="34" dur="1" fill="hold">
+                                          <p:stCondLst>
+                                            <p:cond delay="0"/>
+                                          </p:stCondLst>
+                                        </p:cTn>
+                                        <p:tgtEl>
+                                          <p:spTgt spid="11">
+                                            <p:txEl>
+                                              <p:pRg st="9" end="9"/>
+                                            </p:txEl>
+                                          </p:spTgt>
+                                        </p:tgtEl>
+                                        <p:attrNameLst>
+                                          <p:attrName>style.visibility</p:attrName>
+                                        </p:attrNameLst>
+                                      </p:cBhvr>
+                                      <p:to>
+                                        <p:strVal val="visible"/>
+                                      </p:to>
+                                    </p:set>
+                                  </p:childTnLst>
+                                </p:cTn>
+                              </p:par>
+                            </p:childTnLst>
+                          </p:cTn>
+                        </p:par>
+                      </p:childTnLst>
+                    </p:cTn>
+                  </p:par>
+                  <p:par>
+                    <p:cTn id="35" fill="hold">
+                      <p:stCondLst>
+                        <p:cond delay="indefinite"/>
+                      </p:stCondLst>
+                      <p:childTnLst>
+                        <p:par>
+                          <p:cTn id="36" fill="hold">
+                            <p:stCondLst>
+                              <p:cond delay="0"/>
+                            </p:stCondLst>
+                            <p:childTnLst>
+                              <p:par>
+                                <p:cTn id="37" presetID="1" presetClass="entr" presetSubtype="0" fill="hold" grpId="0" nodeType="clickEffect">
+                                  <p:stCondLst>
+                                    <p:cond delay="0"/>
+                                  </p:stCondLst>
+                                  <p:childTnLst>
+                                    <p:set>
+                                      <p:cBhvr>
+                                        <p:cTn id="38" dur="1" fill="hold">
+                                          <p:stCondLst>
+                                            <p:cond delay="0"/>
+                                          </p:stCondLst>
+                                        </p:cTn>
+                                        <p:tgtEl>
+                                          <p:spTgt spid="12"/>
+                                        </p:tgtEl>
+                                        <p:attrNameLst>
+                                          <p:attrName>style.visibility</p:attrName>
+                                        </p:attrNameLst>
+                                      </p:cBhvr>
+                                      <p:to>
+                                        <p:strVal val="visible"/>
+                                      </p:to>
+                                    </p:set>
+                                  </p:childTnLst>
+                                </p:cTn>
+                              </p:par>
+                              <p:par>
+                                <p:cTn id="39" presetID="1" presetClass="entr" presetSubtype="0" fill="hold" nodeType="withEffect">
+                                  <p:stCondLst>
+                                    <p:cond delay="0"/>
+                                  </p:stCondLst>
+                                  <p:childTnLst>
+                                    <p:set>
+                                      <p:cBhvr>
+                                        <p:cTn id="40" dur="1" fill="hold">
+                                          <p:stCondLst>
+                                            <p:cond delay="0"/>
+                                          </p:stCondLst>
+                                        </p:cTn>
+                                        <p:tgtEl>
+                                          <p:spTgt spid="12">
+                                            <p:txEl>
+                                              <p:pRg st="0" end="0"/>
+                                            </p:txEl>
+                                          </p:spTgt>
+                                        </p:tgtEl>
+                                        <p:attrNameLst>
+                                          <p:attrName>style.visibility</p:attrName>
+                                        </p:attrNameLst>
+                                      </p:cBhvr>
+                                      <p:to>
+                                        <p:strVal val="visible"/>
+                                      </p:to>
+                                    </p:set>
+                                  </p:childTnLst>
+                                </p:cTn>
+                              </p:par>
+                              <p:par>
+                                <p:cTn id="41" presetID="1" presetClass="entr" presetSubtype="0" fill="hold" nodeType="withEffect">
+                                  <p:stCondLst>
+                                    <p:cond delay="0"/>
+                                  </p:stCondLst>
+                                  <p:childTnLst>
+                                    <p:set>
+                                      <p:cBhvr>
+                                        <p:cTn id="42" dur="1" fill="hold">
+                                          <p:stCondLst>
+                                            <p:cond delay="0"/>
+                                          </p:stCondLst>
+                                        </p:cTn>
+                                        <p:tgtEl>
+                                          <p:spTgt spid="12">
+                                            <p:txEl>
+                                              <p:pRg st="6" end="6"/>
+                                            </p:txEl>
+                                          </p:spTgt>
+                                        </p:tgtEl>
+                                        <p:attrNameLst>
+                                          <p:attrName>style.visibility</p:attrName>
+                                        </p:attrNameLst>
+                                      </p:cBhvr>
+                                      <p:to>
+                                        <p:strVal val="visible"/>
+                                      </p:to>
+                                    </p:set>
+                                  </p:childTnLst>
+                                </p:cTn>
+                              </p:par>
+                            </p:childTnLst>
+                          </p:cTn>
+                        </p:par>
+                      </p:childTnLst>
+                    </p:cTn>
+                  </p:par>
+                  <p:par>
+                    <p:cTn id="43" fill="hold">
+                      <p:stCondLst>
+                        <p:cond delay="indefinite"/>
+                      </p:stCondLst>
+                      <p:childTnLst>
+                        <p:par>
+                          <p:cTn id="44" fill="hold">
+                            <p:stCondLst>
+                              <p:cond delay="0"/>
+                            </p:stCondLst>
+                            <p:childTnLst>
+                              <p:par>
+                                <p:cTn id="45" presetID="1" presetClass="entr" presetSubtype="0" fill="hold" nodeType="clickEffect">
+                                  <p:stCondLst>
+                                    <p:cond delay="0"/>
+                                  </p:stCondLst>
+                                  <p:childTnLst>
+                                    <p:set>
+                                      <p:cBhvr>
+                                        <p:cTn id="46" dur="1" fill="hold">
+                                          <p:stCondLst>
+                                            <p:cond delay="0"/>
+                                          </p:stCondLst>
+                                        </p:cTn>
+                                        <p:tgtEl>
+                                          <p:spTgt spid="12">
+                                            <p:txEl>
+                                              <p:pRg st="1" end="1"/>
+                                            </p:txEl>
+                                          </p:spTgt>
+                                        </p:tgtEl>
+                                        <p:attrNameLst>
+                                          <p:attrName>style.visibility</p:attrName>
+                                        </p:attrNameLst>
+                                      </p:cBhvr>
+                                      <p:to>
+                                        <p:strVal val="visible"/>
+                                      </p:to>
+                                    </p:set>
+                                  </p:childTnLst>
+                                </p:cTn>
+                              </p:par>
+                            </p:childTnLst>
+                          </p:cTn>
+                        </p:par>
+                      </p:childTnLst>
+                    </p:cTn>
+                  </p:par>
+                  <p:par>
+                    <p:cTn id="47" fill="hold">
+                      <p:stCondLst>
+                        <p:cond delay="indefinite"/>
+                      </p:stCondLst>
+                      <p:childTnLst>
+                        <p:par>
+                          <p:cTn id="48" fill="hold">
+                            <p:stCondLst>
+                              <p:cond delay="0"/>
+                            </p:stCondLst>
+                            <p:childTnLst>
+                              <p:par>
+                                <p:cTn id="49" presetID="1" presetClass="entr" presetSubtype="0" fill="hold" nodeType="clickEffect">
+                                  <p:stCondLst>
+                                    <p:cond delay="0"/>
+                                  </p:stCondLst>
+                                  <p:childTnLst>
+                                    <p:set>
+                                      <p:cBhvr>
+                                        <p:cTn id="50" dur="1" fill="hold">
+                                          <p:stCondLst>
+                                            <p:cond delay="0"/>
+                                          </p:stCondLst>
+                                        </p:cTn>
+                                        <p:tgtEl>
+                                          <p:spTgt spid="12">
+                                            <p:txEl>
+                                              <p:pRg st="2" end="2"/>
+                                            </p:txEl>
+                                          </p:spTgt>
+                                        </p:tgtEl>
+                                        <p:attrNameLst>
+                                          <p:attrName>style.visibility</p:attrName>
+                                        </p:attrNameLst>
+                                      </p:cBhvr>
+                                      <p:to>
+                                        <p:strVal val="visible"/>
+                                      </p:to>
+                                    </p:set>
+                                  </p:childTnLst>
+                                </p:cTn>
+                              </p:par>
+                            </p:childTnLst>
+                          </p:cTn>
+                        </p:par>
+                      </p:childTnLst>
+                    </p:cTn>
+                  </p:par>
+                  <p:par>
+                    <p:cTn id="51" fill="hold">
+                      <p:stCondLst>
+                        <p:cond delay="indefinite"/>
+                      </p:stCondLst>
+                      <p:childTnLst>
+                        <p:par>
+                          <p:cTn id="52" fill="hold">
+                            <p:stCondLst>
+                              <p:cond delay="0"/>
+                            </p:stCondLst>
+                            <p:childTnLst>
+                              <p:par>
+                                <p:cTn id="53" presetID="1" presetClass="entr" presetSubtype="0" fill="hold" nodeType="clickEffect">
+                                  <p:stCondLst>
+                                    <p:cond delay="0"/>
+                                  </p:stCondLst>
+                                  <p:childTnLst>
+                                    <p:set>
+                                      <p:cBhvr>
+                                        <p:cTn id="54" dur="1" fill="hold">
+                                          <p:stCondLst>
+                                            <p:cond delay="0"/>
+                                          </p:stCondLst>
+                                        </p:cTn>
+                                        <p:tgtEl>
+                                          <p:spTgt spid="12">
+                                            <p:txEl>
+                                              <p:pRg st="3" end="3"/>
+                                            </p:txEl>
+                                          </p:spTgt>
+                                        </p:tgtEl>
+                                        <p:attrNameLst>
+                                          <p:attrName>style.visibility</p:attrName>
+                                        </p:attrNameLst>
+                                      </p:cBhvr>
+                                      <p:to>
+                                        <p:strVal val="visible"/>
+                                      </p:to>
+                                    </p:set>
+                                  </p:childTnLst>
+                                </p:cTn>
+                              </p:par>
+                            </p:childTnLst>
+                          </p:cTn>
+                        </p:par>
+                      </p:childTnLst>
+                    </p:cTn>
+                  </p:par>
+                  <p:par>
+                    <p:cTn id="55" fill="hold">
+                      <p:stCondLst>
+                        <p:cond delay="indefinite"/>
+                      </p:stCondLst>
+                      <p:childTnLst>
+                        <p:par>
+                          <p:cTn id="56" fill="hold">
+                            <p:stCondLst>
+                              <p:cond delay="0"/>
+                            </p:stCondLst>
+                            <p:childTnLst>
+                              <p:par>
+                                <p:cTn id="57" presetID="1" presetClass="entr" presetSubtype="0" fill="hold" nodeType="clickEffect">
+                                  <p:stCondLst>
+                                    <p:cond delay="0"/>
+                                  </p:stCondLst>
+                                  <p:childTnLst>
+                                    <p:set>
+                                      <p:cBhvr>
+                                        <p:cTn id="58" dur="1" fill="hold">
+                                          <p:stCondLst>
+                                            <p:cond delay="0"/>
+                                          </p:stCondLst>
+                                        </p:cTn>
+                                        <p:tgtEl>
+                                          <p:spTgt spid="12">
+                                            <p:txEl>
+                                              <p:pRg st="4" end="4"/>
+                                            </p:txEl>
+                                          </p:spTgt>
+                                        </p:tgtEl>
+                                        <p:attrNameLst>
+                                          <p:attrName>style.visibility</p:attrName>
+                                        </p:attrNameLst>
+                                      </p:cBhvr>
+                                      <p:to>
+                                        <p:strVal val="visible"/>
+                                      </p:to>
+                                    </p:set>
+                                  </p:childTnLst>
+                                </p:cTn>
+                              </p:par>
+                            </p:childTnLst>
+                          </p:cTn>
+                        </p:par>
+                      </p:childTnLst>
+                    </p:cTn>
+                  </p:par>
+                  <p:par>
+                    <p:cTn id="59" fill="hold">
+                      <p:stCondLst>
+                        <p:cond delay="indefinite"/>
+                      </p:stCondLst>
+                      <p:childTnLst>
+                        <p:par>
+                          <p:cTn id="60" fill="hold">
+                            <p:stCondLst>
+                              <p:cond delay="0"/>
+                            </p:stCondLst>
+                            <p:childTnLst>
+                              <p:par>
+                                <p:cTn id="61" presetID="1" presetClass="entr" presetSubtype="0" fill="hold" nodeType="clickEffect">
+                                  <p:stCondLst>
+                                    <p:cond delay="0"/>
+                                  </p:stCondLst>
+                                  <p:childTnLst>
+                                    <p:set>
+                                      <p:cBhvr>
+                                        <p:cTn id="62" dur="1" fill="hold">
+                                          <p:stCondLst>
+                                            <p:cond delay="0"/>
+                                          </p:stCondLst>
+                                        </p:cTn>
+                                        <p:tgtEl>
+                                          <p:spTgt spid="12">
+                                            <p:txEl>
+                                              <p:pRg st="5" end="5"/>
+                                            </p:txEl>
+                                          </p:spTgt>
+                                        </p:tgtEl>
+                                        <p:attrNameLst>
+                                          <p:attrName>style.visibility</p:attrName>
+                                        </p:attrNameLst>
+                                      </p:cBhvr>
+                                      <p:to>
+                                        <p:strVal val="visible"/>
+                                      </p:to>
+                                    </p:set>
+                                  </p:childTnLst>
+                                </p:cTn>
+                              </p:par>
+                            </p:childTnLst>
+                          </p:cTn>
+                        </p:par>
+                      </p:childTnLst>
+                    </p:cTn>
+                  </p:par>
+                  <p:par>
+                    <p:cTn id="63" fill="hold">
+                      <p:stCondLst>
+                        <p:cond delay="indefinite"/>
+                      </p:stCondLst>
+                      <p:childTnLst>
+                        <p:par>
+                          <p:cTn id="64" fill="hold">
+                            <p:stCondLst>
+                              <p:cond delay="0"/>
+                            </p:stCondLst>
+                            <p:childTnLst>
+                              <p:par>
+                                <p:cTn id="65" presetID="1" presetClass="entr" presetSubtype="0" fill="hold" grpId="0" nodeType="clickEffect">
+                                  <p:stCondLst>
+                                    <p:cond delay="0"/>
+                                  </p:stCondLst>
+                                  <p:childTnLst>
+                                    <p:set>
+                                      <p:cBhvr>
+                                        <p:cTn id="66" dur="1" fill="hold">
+                                          <p:stCondLst>
+                                            <p:cond delay="0"/>
+                                          </p:stCondLst>
+                                        </p:cTn>
+                                        <p:tgtEl>
+                                          <p:spTgt spid="2"/>
                                         </p:tgtEl>
                                         <p:attrNameLst>
                                           <p:attrName>style.visibility</p:attrName>
@@ -13991,7 +17872,10 @@
       </p:par>
     </p:tnLst>
     <p:bldLst>
+      <p:bldP spid="11" grpId="0" animBg="1"/>
+      <p:bldP spid="12" grpId="0" animBg="1"/>
       <p:bldP spid="15" grpId="0" animBg="1"/>
+      <p:bldP spid="2" grpId="0"/>
     </p:bldLst>
   </p:timing>
 </p:sld>
@@ -14266,6 +18150,330 @@
   <p:clrMapOvr>
     <a:masterClrMapping/>
   </p:clrMapOvr>
+  <p:timing>
+    <p:tnLst>
+      <p:par>
+        <p:cTn id="1" dur="indefinite" restart="never" nodeType="tmRoot">
+          <p:childTnLst>
+            <p:seq concurrent="1" nextAc="seek">
+              <p:cTn id="2" dur="indefinite" nodeType="mainSeq">
+                <p:childTnLst>
+                  <p:par>
+                    <p:cTn id="3" fill="hold">
+                      <p:stCondLst>
+                        <p:cond delay="indefinite"/>
+                      </p:stCondLst>
+                      <p:childTnLst>
+                        <p:par>
+                          <p:cTn id="4" fill="hold">
+                            <p:stCondLst>
+                              <p:cond delay="0"/>
+                            </p:stCondLst>
+                            <p:childTnLst>
+                              <p:par>
+                                <p:cTn id="5" presetID="1" presetClass="entr" presetSubtype="0" fill="hold" nodeType="clickEffect">
+                                  <p:stCondLst>
+                                    <p:cond delay="0"/>
+                                  </p:stCondLst>
+                                  <p:childTnLst>
+                                    <p:set>
+                                      <p:cBhvr>
+                                        <p:cTn id="6" dur="1" fill="hold">
+                                          <p:stCondLst>
+                                            <p:cond delay="0"/>
+                                          </p:stCondLst>
+                                        </p:cTn>
+                                        <p:tgtEl>
+                                          <p:spTgt spid="444419">
+                                            <p:txEl>
+                                              <p:pRg st="1" end="1"/>
+                                            </p:txEl>
+                                          </p:spTgt>
+                                        </p:tgtEl>
+                                        <p:attrNameLst>
+                                          <p:attrName>style.visibility</p:attrName>
+                                        </p:attrNameLst>
+                                      </p:cBhvr>
+                                      <p:to>
+                                        <p:strVal val="visible"/>
+                                      </p:to>
+                                    </p:set>
+                                  </p:childTnLst>
+                                </p:cTn>
+                              </p:par>
+                            </p:childTnLst>
+                          </p:cTn>
+                        </p:par>
+                      </p:childTnLst>
+                    </p:cTn>
+                  </p:par>
+                  <p:par>
+                    <p:cTn id="7" fill="hold">
+                      <p:stCondLst>
+                        <p:cond delay="indefinite"/>
+                      </p:stCondLst>
+                      <p:childTnLst>
+                        <p:par>
+                          <p:cTn id="8" fill="hold">
+                            <p:stCondLst>
+                              <p:cond delay="0"/>
+                            </p:stCondLst>
+                            <p:childTnLst>
+                              <p:par>
+                                <p:cTn id="9" presetID="1" presetClass="entr" presetSubtype="0" fill="hold" nodeType="clickEffect">
+                                  <p:stCondLst>
+                                    <p:cond delay="0"/>
+                                  </p:stCondLst>
+                                  <p:childTnLst>
+                                    <p:set>
+                                      <p:cBhvr>
+                                        <p:cTn id="10" dur="1" fill="hold">
+                                          <p:stCondLst>
+                                            <p:cond delay="0"/>
+                                          </p:stCondLst>
+                                        </p:cTn>
+                                        <p:tgtEl>
+                                          <p:spTgt spid="444419">
+                                            <p:txEl>
+                                              <p:pRg st="2" end="2"/>
+                                            </p:txEl>
+                                          </p:spTgt>
+                                        </p:tgtEl>
+                                        <p:attrNameLst>
+                                          <p:attrName>style.visibility</p:attrName>
+                                        </p:attrNameLst>
+                                      </p:cBhvr>
+                                      <p:to>
+                                        <p:strVal val="visible"/>
+                                      </p:to>
+                                    </p:set>
+                                  </p:childTnLst>
+                                </p:cTn>
+                              </p:par>
+                            </p:childTnLst>
+                          </p:cTn>
+                        </p:par>
+                      </p:childTnLst>
+                    </p:cTn>
+                  </p:par>
+                  <p:par>
+                    <p:cTn id="11" fill="hold">
+                      <p:stCondLst>
+                        <p:cond delay="indefinite"/>
+                      </p:stCondLst>
+                      <p:childTnLst>
+                        <p:par>
+                          <p:cTn id="12" fill="hold">
+                            <p:stCondLst>
+                              <p:cond delay="0"/>
+                            </p:stCondLst>
+                            <p:childTnLst>
+                              <p:par>
+                                <p:cTn id="13" presetID="1" presetClass="entr" presetSubtype="0" fill="hold" nodeType="clickEffect">
+                                  <p:stCondLst>
+                                    <p:cond delay="0"/>
+                                  </p:stCondLst>
+                                  <p:childTnLst>
+                                    <p:set>
+                                      <p:cBhvr>
+                                        <p:cTn id="14" dur="1" fill="hold">
+                                          <p:stCondLst>
+                                            <p:cond delay="0"/>
+                                          </p:stCondLst>
+                                        </p:cTn>
+                                        <p:tgtEl>
+                                          <p:spTgt spid="444419">
+                                            <p:txEl>
+                                              <p:pRg st="3" end="3"/>
+                                            </p:txEl>
+                                          </p:spTgt>
+                                        </p:tgtEl>
+                                        <p:attrNameLst>
+                                          <p:attrName>style.visibility</p:attrName>
+                                        </p:attrNameLst>
+                                      </p:cBhvr>
+                                      <p:to>
+                                        <p:strVal val="visible"/>
+                                      </p:to>
+                                    </p:set>
+                                  </p:childTnLst>
+                                </p:cTn>
+                              </p:par>
+                            </p:childTnLst>
+                          </p:cTn>
+                        </p:par>
+                      </p:childTnLst>
+                    </p:cTn>
+                  </p:par>
+                  <p:par>
+                    <p:cTn id="15" fill="hold">
+                      <p:stCondLst>
+                        <p:cond delay="indefinite"/>
+                      </p:stCondLst>
+                      <p:childTnLst>
+                        <p:par>
+                          <p:cTn id="16" fill="hold">
+                            <p:stCondLst>
+                              <p:cond delay="0"/>
+                            </p:stCondLst>
+                            <p:childTnLst>
+                              <p:par>
+                                <p:cTn id="17" presetID="1" presetClass="entr" presetSubtype="0" fill="hold" nodeType="clickEffect">
+                                  <p:stCondLst>
+                                    <p:cond delay="0"/>
+                                  </p:stCondLst>
+                                  <p:childTnLst>
+                                    <p:set>
+                                      <p:cBhvr>
+                                        <p:cTn id="18" dur="1" fill="hold">
+                                          <p:stCondLst>
+                                            <p:cond delay="0"/>
+                                          </p:stCondLst>
+                                        </p:cTn>
+                                        <p:tgtEl>
+                                          <p:spTgt spid="444419">
+                                            <p:txEl>
+                                              <p:pRg st="4" end="4"/>
+                                            </p:txEl>
+                                          </p:spTgt>
+                                        </p:tgtEl>
+                                        <p:attrNameLst>
+                                          <p:attrName>style.visibility</p:attrName>
+                                        </p:attrNameLst>
+                                      </p:cBhvr>
+                                      <p:to>
+                                        <p:strVal val="visible"/>
+                                      </p:to>
+                                    </p:set>
+                                  </p:childTnLst>
+                                </p:cTn>
+                              </p:par>
+                            </p:childTnLst>
+                          </p:cTn>
+                        </p:par>
+                      </p:childTnLst>
+                    </p:cTn>
+                  </p:par>
+                  <p:par>
+                    <p:cTn id="19" fill="hold">
+                      <p:stCondLst>
+                        <p:cond delay="indefinite"/>
+                      </p:stCondLst>
+                      <p:childTnLst>
+                        <p:par>
+                          <p:cTn id="20" fill="hold">
+                            <p:stCondLst>
+                              <p:cond delay="0"/>
+                            </p:stCondLst>
+                            <p:childTnLst>
+                              <p:par>
+                                <p:cTn id="21" presetID="1" presetClass="entr" presetSubtype="0" fill="hold" nodeType="clickEffect">
+                                  <p:stCondLst>
+                                    <p:cond delay="0"/>
+                                  </p:stCondLst>
+                                  <p:childTnLst>
+                                    <p:set>
+                                      <p:cBhvr>
+                                        <p:cTn id="22" dur="1" fill="hold">
+                                          <p:stCondLst>
+                                            <p:cond delay="0"/>
+                                          </p:stCondLst>
+                                        </p:cTn>
+                                        <p:tgtEl>
+                                          <p:spTgt spid="444419">
+                                            <p:txEl>
+                                              <p:pRg st="5" end="5"/>
+                                            </p:txEl>
+                                          </p:spTgt>
+                                        </p:tgtEl>
+                                        <p:attrNameLst>
+                                          <p:attrName>style.visibility</p:attrName>
+                                        </p:attrNameLst>
+                                      </p:cBhvr>
+                                      <p:to>
+                                        <p:strVal val="visible"/>
+                                      </p:to>
+                                    </p:set>
+                                  </p:childTnLst>
+                                </p:cTn>
+                              </p:par>
+                            </p:childTnLst>
+                          </p:cTn>
+                        </p:par>
+                      </p:childTnLst>
+                    </p:cTn>
+                  </p:par>
+                  <p:par>
+                    <p:cTn id="23" fill="hold">
+                      <p:stCondLst>
+                        <p:cond delay="indefinite"/>
+                      </p:stCondLst>
+                      <p:childTnLst>
+                        <p:par>
+                          <p:cTn id="24" fill="hold">
+                            <p:stCondLst>
+                              <p:cond delay="0"/>
+                            </p:stCondLst>
+                            <p:childTnLst>
+                              <p:par>
+                                <p:cTn id="25" presetID="1" presetClass="entr" presetSubtype="0" fill="hold" nodeType="clickEffect">
+                                  <p:stCondLst>
+                                    <p:cond delay="0"/>
+                                  </p:stCondLst>
+                                  <p:childTnLst>
+                                    <p:set>
+                                      <p:cBhvr>
+                                        <p:cTn id="26" dur="1" fill="hold">
+                                          <p:stCondLst>
+                                            <p:cond delay="0"/>
+                                          </p:stCondLst>
+                                        </p:cTn>
+                                        <p:tgtEl>
+                                          <p:spTgt spid="444419">
+                                            <p:txEl>
+                                              <p:pRg st="6" end="6"/>
+                                            </p:txEl>
+                                          </p:spTgt>
+                                        </p:tgtEl>
+                                        <p:attrNameLst>
+                                          <p:attrName>style.visibility</p:attrName>
+                                        </p:attrNameLst>
+                                      </p:cBhvr>
+                                      <p:to>
+                                        <p:strVal val="visible"/>
+                                      </p:to>
+                                    </p:set>
+                                  </p:childTnLst>
+                                </p:cTn>
+                              </p:par>
+                            </p:childTnLst>
+                          </p:cTn>
+                        </p:par>
+                      </p:childTnLst>
+                    </p:cTn>
+                  </p:par>
+                </p:childTnLst>
+              </p:cTn>
+              <p:prevCondLst>
+                <p:cond evt="onPrev" delay="0">
+                  <p:tgtEl>
+                    <p:sldTgt/>
+                  </p:tgtEl>
+                </p:cond>
+              </p:prevCondLst>
+              <p:nextCondLst>
+                <p:cond evt="onNext" delay="0">
+                  <p:tgtEl>
+                    <p:sldTgt/>
+                  </p:tgtEl>
+                </p:cond>
+              </p:nextCondLst>
+            </p:seq>
+          </p:childTnLst>
+        </p:cTn>
+      </p:par>
+    </p:tnLst>
+  </p:timing>
 </p:sld>
 </file>
 
@@ -14661,13 +18869,6 @@
               <a:rPr lang="bg-BG" dirty="0"/>
               <a:t>Методите имат </a:t>
             </a:r>
-          </a:p>
-          <a:p>
-            <a:pPr marL="757184" lvl="1" indent="-452438">
-              <a:lnSpc>
-                <a:spcPct val="100000"/>
-              </a:lnSpc>
-            </a:pPr>
             <a:r>
               <a:rPr lang="bg-BG" dirty="0">
                 <a:solidFill>
@@ -14935,6 +19136,232 @@
     <a:masterClrMapping/>
   </p:clrMapOvr>
   <p:transition/>
+  <p:timing>
+    <p:tnLst>
+      <p:par>
+        <p:cTn id="1" dur="indefinite" restart="never" nodeType="tmRoot">
+          <p:childTnLst>
+            <p:seq concurrent="1" nextAc="seek">
+              <p:cTn id="2" dur="indefinite" nodeType="mainSeq">
+                <p:childTnLst>
+                  <p:par>
+                    <p:cTn id="3" fill="hold">
+                      <p:stCondLst>
+                        <p:cond delay="indefinite"/>
+                      </p:stCondLst>
+                      <p:childTnLst>
+                        <p:par>
+                          <p:cTn id="4" fill="hold">
+                            <p:stCondLst>
+                              <p:cond delay="0"/>
+                            </p:stCondLst>
+                            <p:childTnLst>
+                              <p:par>
+                                <p:cTn id="5" presetID="1" presetClass="entr" presetSubtype="0" fill="hold" nodeType="clickEffect">
+                                  <p:stCondLst>
+                                    <p:cond delay="0"/>
+                                  </p:stCondLst>
+                                  <p:childTnLst>
+                                    <p:set>
+                                      <p:cBhvr>
+                                        <p:cTn id="6" dur="1" fill="hold">
+                                          <p:stCondLst>
+                                            <p:cond delay="0"/>
+                                          </p:stCondLst>
+                                        </p:cTn>
+                                        <p:tgtEl>
+                                          <p:spTgt spid="434179">
+                                            <p:txEl>
+                                              <p:pRg st="1" end="1"/>
+                                            </p:txEl>
+                                          </p:spTgt>
+                                        </p:tgtEl>
+                                        <p:attrNameLst>
+                                          <p:attrName>style.visibility</p:attrName>
+                                        </p:attrNameLst>
+                                      </p:cBhvr>
+                                      <p:to>
+                                        <p:strVal val="visible"/>
+                                      </p:to>
+                                    </p:set>
+                                  </p:childTnLst>
+                                </p:cTn>
+                              </p:par>
+                            </p:childTnLst>
+                          </p:cTn>
+                        </p:par>
+                      </p:childTnLst>
+                    </p:cTn>
+                  </p:par>
+                  <p:par>
+                    <p:cTn id="7" fill="hold">
+                      <p:stCondLst>
+                        <p:cond delay="indefinite"/>
+                      </p:stCondLst>
+                      <p:childTnLst>
+                        <p:par>
+                          <p:cTn id="8" fill="hold">
+                            <p:stCondLst>
+                              <p:cond delay="0"/>
+                            </p:stCondLst>
+                            <p:childTnLst>
+                              <p:par>
+                                <p:cTn id="9" presetID="1" presetClass="entr" presetSubtype="0" fill="hold" nodeType="clickEffect">
+                                  <p:stCondLst>
+                                    <p:cond delay="0"/>
+                                  </p:stCondLst>
+                                  <p:childTnLst>
+                                    <p:set>
+                                      <p:cBhvr>
+                                        <p:cTn id="10" dur="1" fill="hold">
+                                          <p:stCondLst>
+                                            <p:cond delay="0"/>
+                                          </p:stCondLst>
+                                        </p:cTn>
+                                        <p:tgtEl>
+                                          <p:spTgt spid="434179">
+                                            <p:txEl>
+                                              <p:pRg st="2" end="2"/>
+                                            </p:txEl>
+                                          </p:spTgt>
+                                        </p:tgtEl>
+                                        <p:attrNameLst>
+                                          <p:attrName>style.visibility</p:attrName>
+                                        </p:attrNameLst>
+                                      </p:cBhvr>
+                                      <p:to>
+                                        <p:strVal val="visible"/>
+                                      </p:to>
+                                    </p:set>
+                                  </p:childTnLst>
+                                </p:cTn>
+                              </p:par>
+                            </p:childTnLst>
+                          </p:cTn>
+                        </p:par>
+                      </p:childTnLst>
+                    </p:cTn>
+                  </p:par>
+                  <p:par>
+                    <p:cTn id="11" fill="hold">
+                      <p:stCondLst>
+                        <p:cond delay="indefinite"/>
+                      </p:stCondLst>
+                      <p:childTnLst>
+                        <p:par>
+                          <p:cTn id="12" fill="hold">
+                            <p:stCondLst>
+                              <p:cond delay="0"/>
+                            </p:stCondLst>
+                            <p:childTnLst>
+                              <p:par>
+                                <p:cTn id="13" presetID="1" presetClass="entr" presetSubtype="0" fill="hold" nodeType="clickEffect">
+                                  <p:stCondLst>
+                                    <p:cond delay="0"/>
+                                  </p:stCondLst>
+                                  <p:childTnLst>
+                                    <p:set>
+                                      <p:cBhvr>
+                                        <p:cTn id="14" dur="1" fill="hold">
+                                          <p:stCondLst>
+                                            <p:cond delay="0"/>
+                                          </p:stCondLst>
+                                        </p:cTn>
+                                        <p:tgtEl>
+                                          <p:spTgt spid="434179">
+                                            <p:txEl>
+                                              <p:pRg st="3" end="3"/>
+                                            </p:txEl>
+                                          </p:spTgt>
+                                        </p:tgtEl>
+                                        <p:attrNameLst>
+                                          <p:attrName>style.visibility</p:attrName>
+                                        </p:attrNameLst>
+                                      </p:cBhvr>
+                                      <p:to>
+                                        <p:strVal val="visible"/>
+                                      </p:to>
+                                    </p:set>
+                                  </p:childTnLst>
+                                </p:cTn>
+                              </p:par>
+                            </p:childTnLst>
+                          </p:cTn>
+                        </p:par>
+                      </p:childTnLst>
+                    </p:cTn>
+                  </p:par>
+                  <p:par>
+                    <p:cTn id="15" fill="hold">
+                      <p:stCondLst>
+                        <p:cond delay="indefinite"/>
+                      </p:stCondLst>
+                      <p:childTnLst>
+                        <p:par>
+                          <p:cTn id="16" fill="hold">
+                            <p:stCondLst>
+                              <p:cond delay="0"/>
+                            </p:stCondLst>
+                            <p:childTnLst>
+                              <p:par>
+                                <p:cTn id="17" presetID="1" presetClass="entr" presetSubtype="0" fill="hold" nodeType="clickEffect">
+                                  <p:stCondLst>
+                                    <p:cond delay="0"/>
+                                  </p:stCondLst>
+                                  <p:childTnLst>
+                                    <p:set>
+                                      <p:cBhvr>
+                                        <p:cTn id="18" dur="1" fill="hold">
+                                          <p:stCondLst>
+                                            <p:cond delay="0"/>
+                                          </p:stCondLst>
+                                        </p:cTn>
+                                        <p:tgtEl>
+                                          <p:spTgt spid="434179">
+                                            <p:txEl>
+                                              <p:pRg st="4" end="4"/>
+                                            </p:txEl>
+                                          </p:spTgt>
+                                        </p:tgtEl>
+                                        <p:attrNameLst>
+                                          <p:attrName>style.visibility</p:attrName>
+                                        </p:attrNameLst>
+                                      </p:cBhvr>
+                                      <p:to>
+                                        <p:strVal val="visible"/>
+                                      </p:to>
+                                    </p:set>
+                                  </p:childTnLst>
+                                </p:cTn>
+                              </p:par>
+                            </p:childTnLst>
+                          </p:cTn>
+                        </p:par>
+                      </p:childTnLst>
+                    </p:cTn>
+                  </p:par>
+                </p:childTnLst>
+              </p:cTn>
+              <p:prevCondLst>
+                <p:cond evt="onPrev" delay="0">
+                  <p:tgtEl>
+                    <p:sldTgt/>
+                  </p:tgtEl>
+                </p:cond>
+              </p:prevCondLst>
+              <p:nextCondLst>
+                <p:cond evt="onNext" delay="0">
+                  <p:tgtEl>
+                    <p:sldTgt/>
+                  </p:tgtEl>
+                </p:cond>
+              </p:nextCondLst>
+            </p:seq>
+          </p:childTnLst>
+        </p:cTn>
+      </p:par>
+    </p:tnLst>
+  </p:timing>
 </p:sld>
 </file>
 
@@ -14980,26 +19407,133 @@
       </p:sp>
       <p:sp>
         <p:nvSpPr>
-          <p:cNvPr id="2" name="Text Placeholder 1"/>
-          <p:cNvSpPr>
-            <a:spLocks noGrp="1"/>
-          </p:cNvSpPr>
-          <p:nvPr>
-            <p:ph type="body" sz="quarter" idx="10"/>
-          </p:nvPr>
+          <p:cNvPr id="6" name="Текстово поле 1">
+            <a:extLst>
+              <a:ext uri="{FF2B5EF4-FFF2-40B4-BE49-F238E27FC236}">
+                <a16:creationId xmlns:a16="http://schemas.microsoft.com/office/drawing/2014/main" id="{B398007E-9BC4-479A-87BF-1B270134F51F}"/>
+              </a:ext>
+            </a:extLst>
+          </p:cNvPr>
+          <p:cNvSpPr txBox="1"/>
+          <p:nvPr/>
         </p:nvSpPr>
-        <p:spPr/>
+        <p:spPr>
+          <a:xfrm>
+            <a:off x="836612" y="6400800"/>
+            <a:ext cx="11216029" cy="369332"/>
+          </a:xfrm>
+          <a:prstGeom prst="rect">
+            <a:avLst/>
+          </a:prstGeom>
+          <a:noFill/>
+        </p:spPr>
         <p:txBody>
-          <a:bodyPr/>
-          <a:lstStyle/>
-          <a:p>
-            <a:r>
-              <a:rPr lang="en-US" dirty="0">
+          <a:bodyPr wrap="square" rtlCol="0">
+            <a:spAutoFit/>
+          </a:bodyPr>
+          <a:lstStyle>
+            <a:defPPr>
+              <a:defRPr lang="en-US"/>
+            </a:defPPr>
+            <a:lvl1pPr marL="0" algn="l" defTabSz="1218987" rtl="0" eaLnBrk="1" latinLnBrk="0" hangingPunct="1">
+              <a:defRPr sz="2400" kern="1200">
+                <a:solidFill>
+                  <a:schemeClr val="tx1"/>
+                </a:solidFill>
+                <a:latin typeface="+mn-lt"/>
+                <a:ea typeface="+mn-ea"/>
+                <a:cs typeface="+mn-cs"/>
+              </a:defRPr>
+            </a:lvl1pPr>
+            <a:lvl2pPr marL="609493" algn="l" defTabSz="1218987" rtl="0" eaLnBrk="1" latinLnBrk="0" hangingPunct="1">
+              <a:defRPr sz="2400" kern="1200">
+                <a:solidFill>
+                  <a:schemeClr val="tx1"/>
+                </a:solidFill>
+                <a:latin typeface="+mn-lt"/>
+                <a:ea typeface="+mn-ea"/>
+                <a:cs typeface="+mn-cs"/>
+              </a:defRPr>
+            </a:lvl2pPr>
+            <a:lvl3pPr marL="1218987" algn="l" defTabSz="1218987" rtl="0" eaLnBrk="1" latinLnBrk="0" hangingPunct="1">
+              <a:defRPr sz="2400" kern="1200">
+                <a:solidFill>
+                  <a:schemeClr val="tx1"/>
+                </a:solidFill>
+                <a:latin typeface="+mn-lt"/>
+                <a:ea typeface="+mn-ea"/>
+                <a:cs typeface="+mn-cs"/>
+              </a:defRPr>
+            </a:lvl3pPr>
+            <a:lvl4pPr marL="1828480" algn="l" defTabSz="1218987" rtl="0" eaLnBrk="1" latinLnBrk="0" hangingPunct="1">
+              <a:defRPr sz="2400" kern="1200">
+                <a:solidFill>
+                  <a:schemeClr val="tx1"/>
+                </a:solidFill>
+                <a:latin typeface="+mn-lt"/>
+                <a:ea typeface="+mn-ea"/>
+                <a:cs typeface="+mn-cs"/>
+              </a:defRPr>
+            </a:lvl4pPr>
+            <a:lvl5pPr marL="2437973" algn="l" defTabSz="1218987" rtl="0" eaLnBrk="1" latinLnBrk="0" hangingPunct="1">
+              <a:defRPr sz="2400" kern="1200">
+                <a:solidFill>
+                  <a:schemeClr val="tx1"/>
+                </a:solidFill>
+                <a:latin typeface="+mn-lt"/>
+                <a:ea typeface="+mn-ea"/>
+                <a:cs typeface="+mn-cs"/>
+              </a:defRPr>
+            </a:lvl5pPr>
+            <a:lvl6pPr marL="3047467" algn="l" defTabSz="1218987" rtl="0" eaLnBrk="1" latinLnBrk="0" hangingPunct="1">
+              <a:defRPr sz="2400" kern="1200">
+                <a:solidFill>
+                  <a:schemeClr val="tx1"/>
+                </a:solidFill>
+                <a:latin typeface="+mn-lt"/>
+                <a:ea typeface="+mn-ea"/>
+                <a:cs typeface="+mn-cs"/>
+              </a:defRPr>
+            </a:lvl6pPr>
+            <a:lvl7pPr marL="3656960" algn="l" defTabSz="1218987" rtl="0" eaLnBrk="1" latinLnBrk="0" hangingPunct="1">
+              <a:defRPr sz="2400" kern="1200">
+                <a:solidFill>
+                  <a:schemeClr val="tx1"/>
+                </a:solidFill>
+                <a:latin typeface="+mn-lt"/>
+                <a:ea typeface="+mn-ea"/>
+                <a:cs typeface="+mn-cs"/>
+              </a:defRPr>
+            </a:lvl7pPr>
+            <a:lvl8pPr marL="4266453" algn="l" defTabSz="1218987" rtl="0" eaLnBrk="1" latinLnBrk="0" hangingPunct="1">
+              <a:defRPr sz="2400" kern="1200">
+                <a:solidFill>
+                  <a:schemeClr val="tx1"/>
+                </a:solidFill>
+                <a:latin typeface="+mn-lt"/>
+                <a:ea typeface="+mn-ea"/>
+                <a:cs typeface="+mn-cs"/>
+              </a:defRPr>
+            </a:lvl8pPr>
+            <a:lvl9pPr marL="4875947" algn="l" defTabSz="1218987" rtl="0" eaLnBrk="1" latinLnBrk="0" hangingPunct="1">
+              <a:defRPr sz="2400" kern="1200">
+                <a:solidFill>
+                  <a:schemeClr val="tx1"/>
+                </a:solidFill>
+                <a:latin typeface="+mn-lt"/>
+                <a:ea typeface="+mn-ea"/>
+                <a:cs typeface="+mn-cs"/>
+              </a:defRPr>
+            </a:lvl9pPr>
+          </a:lstStyle>
+          <a:p>
+            <a:r>
+              <a:rPr lang="en-US" sz="1800" b="1" dirty="0">
                 <a:hlinkClick r:id="rId3"/>
               </a:rPr>
-              <a:t>https://it-kariera.mon.bg/e-learning/</a:t>
-            </a:r>
-            <a:endParaRPr lang="en-US" dirty="0"/>
+              <a:t>https://github.com/BG-IT-Edu/School-Programming/tree/main/Courses/Applied-Programmer/Programming-Basics</a:t>
+            </a:r>
+            <a:endParaRPr lang="bg-BG" sz="1800" b="1" dirty="0"/>
           </a:p>
         </p:txBody>
       </p:sp>
@@ -16585,7 +21119,7 @@
                             </p:stCondLst>
                             <p:childTnLst>
                               <p:par>
-                                <p:cTn id="5" presetID="1" presetClass="entr" presetSubtype="0" fill="hold" grpId="0" nodeType="clickEffect">
+                                <p:cTn id="5" presetID="1" presetClass="entr" presetSubtype="0" fill="hold" nodeType="clickEffect">
                                   <p:stCondLst>
                                     <p:cond delay="0"/>
                                   </p:stCondLst>
@@ -16598,7 +21132,11 @@
                                           </p:stCondLst>
                                         </p:cTn>
                                         <p:tgtEl>
-                                          <p:spTgt spid="7"/>
+                                          <p:spTgt spid="3">
+                                            <p:txEl>
+                                              <p:pRg st="1" end="1"/>
+                                            </p:txEl>
+                                          </p:spTgt>
                                         </p:tgtEl>
                                         <p:attrNameLst>
                                           <p:attrName>style.visibility</p:attrName>
@@ -16643,7 +21181,7 @@
                                           </p:stCondLst>
                                         </p:cTn>
                                         <p:tgtEl>
-                                          <p:spTgt spid="6"/>
+                                          <p:spTgt spid="5"/>
                                         </p:tgtEl>
                                         <p:attrNameLst>
                                           <p:attrName>style.visibility</p:attrName>
@@ -16670,7 +21208,173 @@
                                           </p:stCondLst>
                                         </p:cTn>
                                         <p:tgtEl>
+                                          <p:spTgt spid="7"/>
+                                        </p:tgtEl>
+                                        <p:attrNameLst>
+                                          <p:attrName>style.visibility</p:attrName>
+                                        </p:attrNameLst>
+                                      </p:cBhvr>
+                                      <p:to>
+                                        <p:strVal val="visible"/>
+                                      </p:to>
+                                    </p:set>
+                                  </p:childTnLst>
+                                </p:cTn>
+                              </p:par>
+                            </p:childTnLst>
+                          </p:cTn>
+                        </p:par>
+                      </p:childTnLst>
+                    </p:cTn>
+                  </p:par>
+                  <p:par>
+                    <p:cTn id="13" fill="hold">
+                      <p:stCondLst>
+                        <p:cond delay="indefinite"/>
+                      </p:stCondLst>
+                      <p:childTnLst>
+                        <p:par>
+                          <p:cTn id="14" fill="hold">
+                            <p:stCondLst>
+                              <p:cond delay="0"/>
+                            </p:stCondLst>
+                            <p:childTnLst>
+                              <p:par>
+                                <p:cTn id="15" presetID="1" presetClass="entr" presetSubtype="0" fill="hold" grpId="0" nodeType="clickEffect">
+                                  <p:stCondLst>
+                                    <p:cond delay="0"/>
+                                  </p:stCondLst>
+                                  <p:childTnLst>
+                                    <p:set>
+                                      <p:cBhvr>
+                                        <p:cTn id="16" dur="1" fill="hold">
+                                          <p:stCondLst>
+                                            <p:cond delay="0"/>
+                                          </p:stCondLst>
+                                        </p:cTn>
+                                        <p:tgtEl>
                                           <p:spTgt spid="8"/>
+                                        </p:tgtEl>
+                                        <p:attrNameLst>
+                                          <p:attrName>style.visibility</p:attrName>
+                                        </p:attrNameLst>
+                                      </p:cBhvr>
+                                      <p:to>
+                                        <p:strVal val="visible"/>
+                                      </p:to>
+                                    </p:set>
+                                  </p:childTnLst>
+                                </p:cTn>
+                              </p:par>
+                              <p:par>
+                                <p:cTn id="17" presetID="1" presetClass="entr" presetSubtype="0" fill="hold" grpId="0" nodeType="withEffect">
+                                  <p:stCondLst>
+                                    <p:cond delay="0"/>
+                                  </p:stCondLst>
+                                  <p:childTnLst>
+                                    <p:set>
+                                      <p:cBhvr>
+                                        <p:cTn id="18" dur="1" fill="hold">
+                                          <p:stCondLst>
+                                            <p:cond delay="0"/>
+                                          </p:stCondLst>
+                                        </p:cTn>
+                                        <p:tgtEl>
+                                          <p:spTgt spid="6"/>
+                                        </p:tgtEl>
+                                        <p:attrNameLst>
+                                          <p:attrName>style.visibility</p:attrName>
+                                        </p:attrNameLst>
+                                      </p:cBhvr>
+                                      <p:to>
+                                        <p:strVal val="visible"/>
+                                      </p:to>
+                                    </p:set>
+                                  </p:childTnLst>
+                                </p:cTn>
+                              </p:par>
+                            </p:childTnLst>
+                          </p:cTn>
+                        </p:par>
+                      </p:childTnLst>
+                    </p:cTn>
+                  </p:par>
+                  <p:par>
+                    <p:cTn id="19" fill="hold">
+                      <p:stCondLst>
+                        <p:cond delay="indefinite"/>
+                      </p:stCondLst>
+                      <p:childTnLst>
+                        <p:par>
+                          <p:cTn id="20" fill="hold">
+                            <p:stCondLst>
+                              <p:cond delay="0"/>
+                            </p:stCondLst>
+                            <p:childTnLst>
+                              <p:par>
+                                <p:cTn id="21" presetID="1" presetClass="entr" presetSubtype="0" fill="hold" nodeType="clickEffect">
+                                  <p:stCondLst>
+                                    <p:cond delay="0"/>
+                                  </p:stCondLst>
+                                  <p:childTnLst>
+                                    <p:set>
+                                      <p:cBhvr>
+                                        <p:cTn id="22" dur="1" fill="hold">
+                                          <p:stCondLst>
+                                            <p:cond delay="0"/>
+                                          </p:stCondLst>
+                                        </p:cTn>
+                                        <p:tgtEl>
+                                          <p:spTgt spid="3">
+                                            <p:txEl>
+                                              <p:pRg st="5" end="5"/>
+                                            </p:txEl>
+                                          </p:spTgt>
+                                        </p:tgtEl>
+                                        <p:attrNameLst>
+                                          <p:attrName>style.visibility</p:attrName>
+                                        </p:attrNameLst>
+                                      </p:cBhvr>
+                                      <p:to>
+                                        <p:strVal val="visible"/>
+                                      </p:to>
+                                    </p:set>
+                                  </p:childTnLst>
+                                </p:cTn>
+                              </p:par>
+                            </p:childTnLst>
+                          </p:cTn>
+                        </p:par>
+                      </p:childTnLst>
+                    </p:cTn>
+                  </p:par>
+                  <p:par>
+                    <p:cTn id="23" fill="hold">
+                      <p:stCondLst>
+                        <p:cond delay="indefinite"/>
+                      </p:stCondLst>
+                      <p:childTnLst>
+                        <p:par>
+                          <p:cTn id="24" fill="hold">
+                            <p:stCondLst>
+                              <p:cond delay="0"/>
+                            </p:stCondLst>
+                            <p:childTnLst>
+                              <p:par>
+                                <p:cTn id="25" presetID="1" presetClass="entr" presetSubtype="0" fill="hold" grpId="0" nodeType="clickEffect">
+                                  <p:stCondLst>
+                                    <p:cond delay="0"/>
+                                  </p:stCondLst>
+                                  <p:childTnLst>
+                                    <p:set>
+                                      <p:cBhvr>
+                                        <p:cTn id="26" dur="1" fill="hold">
+                                          <p:stCondLst>
+                                            <p:cond delay="0"/>
+                                          </p:stCondLst>
+                                        </p:cTn>
+                                        <p:tgtEl>
+                                          <p:spTgt spid="9"/>
                                         </p:tgtEl>
                                         <p:attrNameLst>
                                           <p:attrName>style.visibility</p:attrName>
@@ -16712,8 +21416,10 @@
     </p:tnLst>
     <p:bldLst>
       <p:bldP spid="8" grpId="0" animBg="1"/>
+      <p:bldP spid="5" grpId="0" animBg="1"/>
       <p:bldP spid="6" grpId="0" animBg="1"/>
       <p:bldP spid="7" grpId="0" animBg="1"/>
+      <p:bldP spid="9" grpId="0" animBg="1"/>
     </p:bldLst>
   </p:timing>
 </p:sld>
@@ -17012,6 +21718,476 @@
     <a:masterClrMapping/>
   </p:clrMapOvr>
   <p:transition/>
+  <p:timing>
+    <p:tnLst>
+      <p:par>
+        <p:cTn id="1" dur="indefinite" restart="never" nodeType="tmRoot">
+          <p:childTnLst>
+            <p:seq concurrent="1" nextAc="seek">
+              <p:cTn id="2" dur="indefinite" nodeType="mainSeq">
+                <p:childTnLst>
+                  <p:par>
+                    <p:cTn id="3" fill="hold">
+                      <p:stCondLst>
+                        <p:cond delay="indefinite"/>
+                        <p:cond evt="onBegin" delay="0">
+                          <p:tn val="2"/>
+                        </p:cond>
+                      </p:stCondLst>
+                      <p:childTnLst>
+                        <p:par>
+                          <p:cTn id="4" fill="hold">
+                            <p:stCondLst>
+                              <p:cond delay="0"/>
+                            </p:stCondLst>
+                            <p:childTnLst>
+                              <p:par>
+                                <p:cTn id="5" presetID="1" presetClass="entr" presetSubtype="0" fill="hold" nodeType="withEffect">
+                                  <p:stCondLst>
+                                    <p:cond delay="0"/>
+                                  </p:stCondLst>
+                                  <p:childTnLst>
+                                    <p:set>
+                                      <p:cBhvr>
+                                        <p:cTn id="6" dur="1" fill="hold">
+                                          <p:stCondLst>
+                                            <p:cond delay="0"/>
+                                          </p:stCondLst>
+                                        </p:cTn>
+                                        <p:tgtEl>
+                                          <p:spTgt spid="11266"/>
+                                        </p:tgtEl>
+                                        <p:attrNameLst>
+                                          <p:attrName>style.visibility</p:attrName>
+                                        </p:attrNameLst>
+                                      </p:cBhvr>
+                                      <p:to>
+                                        <p:strVal val="visible"/>
+                                      </p:to>
+                                    </p:set>
+                                  </p:childTnLst>
+                                </p:cTn>
+                              </p:par>
+                            </p:childTnLst>
+                          </p:cTn>
+                        </p:par>
+                      </p:childTnLst>
+                    </p:cTn>
+                  </p:par>
+                  <p:par>
+                    <p:cTn id="7" fill="hold">
+                      <p:stCondLst>
+                        <p:cond delay="indefinite"/>
+                      </p:stCondLst>
+                      <p:childTnLst>
+                        <p:par>
+                          <p:cTn id="8" fill="hold">
+                            <p:stCondLst>
+                              <p:cond delay="0"/>
+                            </p:stCondLst>
+                            <p:childTnLst>
+                              <p:par>
+                                <p:cTn id="9" presetID="1" presetClass="entr" presetSubtype="0" fill="hold" nodeType="clickEffect">
+                                  <p:stCondLst>
+                                    <p:cond delay="0"/>
+                                  </p:stCondLst>
+                                  <p:childTnLst>
+                                    <p:set>
+                                      <p:cBhvr>
+                                        <p:cTn id="10" dur="1" fill="hold">
+                                          <p:stCondLst>
+                                            <p:cond delay="0"/>
+                                          </p:stCondLst>
+                                        </p:cTn>
+                                        <p:tgtEl>
+                                          <p:spTgt spid="429059">
+                                            <p:txEl>
+                                              <p:pRg st="1" end="1"/>
+                                            </p:txEl>
+                                          </p:spTgt>
+                                        </p:tgtEl>
+                                        <p:attrNameLst>
+                                          <p:attrName>style.visibility</p:attrName>
+                                        </p:attrNameLst>
+                                      </p:cBhvr>
+                                      <p:to>
+                                        <p:strVal val="visible"/>
+                                      </p:to>
+                                    </p:set>
+                                  </p:childTnLst>
+                                </p:cTn>
+                              </p:par>
+                            </p:childTnLst>
+                          </p:cTn>
+                        </p:par>
+                      </p:childTnLst>
+                    </p:cTn>
+                  </p:par>
+                  <p:par>
+                    <p:cTn id="11" fill="hold">
+                      <p:stCondLst>
+                        <p:cond delay="indefinite"/>
+                      </p:stCondLst>
+                      <p:childTnLst>
+                        <p:par>
+                          <p:cTn id="12" fill="hold">
+                            <p:stCondLst>
+                              <p:cond delay="0"/>
+                            </p:stCondLst>
+                            <p:childTnLst>
+                              <p:par>
+                                <p:cTn id="13" presetID="1" presetClass="entr" presetSubtype="0" fill="hold" nodeType="clickEffect">
+                                  <p:stCondLst>
+                                    <p:cond delay="0"/>
+                                  </p:stCondLst>
+                                  <p:childTnLst>
+                                    <p:set>
+                                      <p:cBhvr>
+                                        <p:cTn id="14" dur="1" fill="hold">
+                                          <p:stCondLst>
+                                            <p:cond delay="0"/>
+                                          </p:stCondLst>
+                                        </p:cTn>
+                                        <p:tgtEl>
+                                          <p:spTgt spid="429059">
+                                            <p:txEl>
+                                              <p:pRg st="2" end="2"/>
+                                            </p:txEl>
+                                          </p:spTgt>
+                                        </p:tgtEl>
+                                        <p:attrNameLst>
+                                          <p:attrName>style.visibility</p:attrName>
+                                        </p:attrNameLst>
+                                      </p:cBhvr>
+                                      <p:to>
+                                        <p:strVal val="visible"/>
+                                      </p:to>
+                                    </p:set>
+                                  </p:childTnLst>
+                                </p:cTn>
+                              </p:par>
+                            </p:childTnLst>
+                          </p:cTn>
+                        </p:par>
+                      </p:childTnLst>
+                    </p:cTn>
+                  </p:par>
+                  <p:par>
+                    <p:cTn id="15" fill="hold">
+                      <p:stCondLst>
+                        <p:cond delay="indefinite"/>
+                      </p:stCondLst>
+                      <p:childTnLst>
+                        <p:par>
+                          <p:cTn id="16" fill="hold">
+                            <p:stCondLst>
+                              <p:cond delay="0"/>
+                            </p:stCondLst>
+                            <p:childTnLst>
+                              <p:par>
+                                <p:cTn id="17" presetID="1" presetClass="entr" presetSubtype="0" fill="hold" nodeType="clickEffect">
+                                  <p:stCondLst>
+                                    <p:cond delay="0"/>
+                                  </p:stCondLst>
+                                  <p:childTnLst>
+                                    <p:set>
+                                      <p:cBhvr>
+                                        <p:cTn id="18" dur="1" fill="hold">
+                                          <p:stCondLst>
+                                            <p:cond delay="0"/>
+                                          </p:stCondLst>
+                                        </p:cTn>
+                                        <p:tgtEl>
+                                          <p:spTgt spid="429059">
+                                            <p:txEl>
+                                              <p:pRg st="3" end="3"/>
+                                            </p:txEl>
+                                          </p:spTgt>
+                                        </p:tgtEl>
+                                        <p:attrNameLst>
+                                          <p:attrName>style.visibility</p:attrName>
+                                        </p:attrNameLst>
+                                      </p:cBhvr>
+                                      <p:to>
+                                        <p:strVal val="visible"/>
+                                      </p:to>
+                                    </p:set>
+                                  </p:childTnLst>
+                                </p:cTn>
+                              </p:par>
+                            </p:childTnLst>
+                          </p:cTn>
+                        </p:par>
+                      </p:childTnLst>
+                    </p:cTn>
+                  </p:par>
+                  <p:par>
+                    <p:cTn id="19" fill="hold">
+                      <p:stCondLst>
+                        <p:cond delay="indefinite"/>
+                      </p:stCondLst>
+                      <p:childTnLst>
+                        <p:par>
+                          <p:cTn id="20" fill="hold">
+                            <p:stCondLst>
+                              <p:cond delay="0"/>
+                            </p:stCondLst>
+                            <p:childTnLst>
+                              <p:par>
+                                <p:cTn id="21" presetID="1" presetClass="entr" presetSubtype="0" fill="hold" nodeType="clickEffect">
+                                  <p:stCondLst>
+                                    <p:cond delay="0"/>
+                                  </p:stCondLst>
+                                  <p:childTnLst>
+                                    <p:set>
+                                      <p:cBhvr>
+                                        <p:cTn id="22" dur="1" fill="hold">
+                                          <p:stCondLst>
+                                            <p:cond delay="0"/>
+                                          </p:stCondLst>
+                                        </p:cTn>
+                                        <p:tgtEl>
+                                          <p:spTgt spid="429059">
+                                            <p:txEl>
+                                              <p:pRg st="4" end="4"/>
+                                            </p:txEl>
+                                          </p:spTgt>
+                                        </p:tgtEl>
+                                        <p:attrNameLst>
+                                          <p:attrName>style.visibility</p:attrName>
+                                        </p:attrNameLst>
+                                      </p:cBhvr>
+                                      <p:to>
+                                        <p:strVal val="visible"/>
+                                      </p:to>
+                                    </p:set>
+                                  </p:childTnLst>
+                                </p:cTn>
+                              </p:par>
+                            </p:childTnLst>
+                          </p:cTn>
+                        </p:par>
+                      </p:childTnLst>
+                    </p:cTn>
+                  </p:par>
+                  <p:par>
+                    <p:cTn id="23" fill="hold">
+                      <p:stCondLst>
+                        <p:cond delay="indefinite"/>
+                      </p:stCondLst>
+                      <p:childTnLst>
+                        <p:par>
+                          <p:cTn id="24" fill="hold">
+                            <p:stCondLst>
+                              <p:cond delay="0"/>
+                            </p:stCondLst>
+                            <p:childTnLst>
+                              <p:par>
+                                <p:cTn id="25" presetID="1" presetClass="entr" presetSubtype="0" fill="hold" nodeType="clickEffect">
+                                  <p:stCondLst>
+                                    <p:cond delay="0"/>
+                                  </p:stCondLst>
+                                  <p:childTnLst>
+                                    <p:set>
+                                      <p:cBhvr>
+                                        <p:cTn id="26" dur="1" fill="hold">
+                                          <p:stCondLst>
+                                            <p:cond delay="0"/>
+                                          </p:stCondLst>
+                                        </p:cTn>
+                                        <p:tgtEl>
+                                          <p:spTgt spid="429059">
+                                            <p:txEl>
+                                              <p:pRg st="5" end="5"/>
+                                            </p:txEl>
+                                          </p:spTgt>
+                                        </p:tgtEl>
+                                        <p:attrNameLst>
+                                          <p:attrName>style.visibility</p:attrName>
+                                        </p:attrNameLst>
+                                      </p:cBhvr>
+                                      <p:to>
+                                        <p:strVal val="visible"/>
+                                      </p:to>
+                                    </p:set>
+                                  </p:childTnLst>
+                                </p:cTn>
+                              </p:par>
+                            </p:childTnLst>
+                          </p:cTn>
+                        </p:par>
+                      </p:childTnLst>
+                    </p:cTn>
+                  </p:par>
+                  <p:par>
+                    <p:cTn id="27" fill="hold">
+                      <p:stCondLst>
+                        <p:cond delay="indefinite"/>
+                      </p:stCondLst>
+                      <p:childTnLst>
+                        <p:par>
+                          <p:cTn id="28" fill="hold">
+                            <p:stCondLst>
+                              <p:cond delay="0"/>
+                            </p:stCondLst>
+                            <p:childTnLst>
+                              <p:par>
+                                <p:cTn id="29" presetID="1" presetClass="entr" presetSubtype="0" fill="hold" nodeType="clickEffect">
+                                  <p:stCondLst>
+                                    <p:cond delay="0"/>
+                                  </p:stCondLst>
+                                  <p:childTnLst>
+                                    <p:set>
+                                      <p:cBhvr>
+                                        <p:cTn id="30" dur="1" fill="hold">
+                                          <p:stCondLst>
+                                            <p:cond delay="0"/>
+                                          </p:stCondLst>
+                                        </p:cTn>
+                                        <p:tgtEl>
+                                          <p:spTgt spid="429059">
+                                            <p:txEl>
+                                              <p:pRg st="6" end="6"/>
+                                            </p:txEl>
+                                          </p:spTgt>
+                                        </p:tgtEl>
+                                        <p:attrNameLst>
+                                          <p:attrName>style.visibility</p:attrName>
+                                        </p:attrNameLst>
+                                      </p:cBhvr>
+                                      <p:to>
+                                        <p:strVal val="visible"/>
+                                      </p:to>
+                                    </p:set>
+                                  </p:childTnLst>
+                                </p:cTn>
+                              </p:par>
+                            </p:childTnLst>
+                          </p:cTn>
+                        </p:par>
+                      </p:childTnLst>
+                    </p:cTn>
+                  </p:par>
+                  <p:par>
+                    <p:cTn id="31" fill="hold">
+                      <p:stCondLst>
+                        <p:cond delay="indefinite"/>
+                      </p:stCondLst>
+                      <p:childTnLst>
+                        <p:par>
+                          <p:cTn id="32" fill="hold">
+                            <p:stCondLst>
+                              <p:cond delay="0"/>
+                            </p:stCondLst>
+                            <p:childTnLst>
+                              <p:par>
+                                <p:cTn id="33" presetID="1" presetClass="entr" presetSubtype="0" fill="hold" nodeType="clickEffect">
+                                  <p:stCondLst>
+                                    <p:cond delay="0"/>
+                                  </p:stCondLst>
+                                  <p:childTnLst>
+                                    <p:set>
+                                      <p:cBhvr>
+                                        <p:cTn id="34" dur="1" fill="hold">
+                                          <p:stCondLst>
+                                            <p:cond delay="0"/>
+                                          </p:stCondLst>
+                                        </p:cTn>
+                                        <p:tgtEl>
+                                          <p:spTgt spid="429059">
+                                            <p:txEl>
+                                              <p:pRg st="7" end="7"/>
+                                            </p:txEl>
+                                          </p:spTgt>
+                                        </p:tgtEl>
+                                        <p:attrNameLst>
+                                          <p:attrName>style.visibility</p:attrName>
+                                        </p:attrNameLst>
+                                      </p:cBhvr>
+                                      <p:to>
+                                        <p:strVal val="visible"/>
+                                      </p:to>
+                                    </p:set>
+                                  </p:childTnLst>
+                                </p:cTn>
+                              </p:par>
+                            </p:childTnLst>
+                          </p:cTn>
+                        </p:par>
+                      </p:childTnLst>
+                    </p:cTn>
+                  </p:par>
+                  <p:par>
+                    <p:cTn id="35" fill="hold">
+                      <p:stCondLst>
+                        <p:cond delay="indefinite"/>
+                      </p:stCondLst>
+                      <p:childTnLst>
+                        <p:par>
+                          <p:cTn id="36" fill="hold">
+                            <p:stCondLst>
+                              <p:cond delay="0"/>
+                            </p:stCondLst>
+                            <p:childTnLst>
+                              <p:par>
+                                <p:cTn id="37" presetID="1" presetClass="entr" presetSubtype="0" fill="hold" nodeType="clickEffect">
+                                  <p:stCondLst>
+                                    <p:cond delay="0"/>
+                                  </p:stCondLst>
+                                  <p:childTnLst>
+                                    <p:set>
+                                      <p:cBhvr>
+                                        <p:cTn id="38" dur="1" fill="hold">
+                                          <p:stCondLst>
+                                            <p:cond delay="0"/>
+                                          </p:stCondLst>
+                                        </p:cTn>
+                                        <p:tgtEl>
+                                          <p:spTgt spid="429059">
+                                            <p:txEl>
+                                              <p:pRg st="8" end="8"/>
+                                            </p:txEl>
+                                          </p:spTgt>
+                                        </p:tgtEl>
+                                        <p:attrNameLst>
+                                          <p:attrName>style.visibility</p:attrName>
+                                        </p:attrNameLst>
+                                      </p:cBhvr>
+                                      <p:to>
+                                        <p:strVal val="visible"/>
+                                      </p:to>
+                                    </p:set>
+                                  </p:childTnLst>
+                                </p:cTn>
+                              </p:par>
+                            </p:childTnLst>
+                          </p:cTn>
+                        </p:par>
+                      </p:childTnLst>
+                    </p:cTn>
+                  </p:par>
+                </p:childTnLst>
+              </p:cTn>
+              <p:prevCondLst>
+                <p:cond evt="onPrev" delay="0">
+                  <p:tgtEl>
+                    <p:sldTgt/>
+                  </p:tgtEl>
+                </p:cond>
+              </p:prevCondLst>
+              <p:nextCondLst>
+                <p:cond evt="onNext" delay="0">
+                  <p:tgtEl>
+                    <p:sldTgt/>
+                  </p:tgtEl>
+                </p:cond>
+              </p:nextCondLst>
+            </p:seq>
+          </p:childTnLst>
+        </p:cTn>
+      </p:par>
+    </p:tnLst>
+  </p:timing>
 </p:sld>
 </file>
 
@@ -18395,7 +23571,7 @@
                                           </p:stCondLst>
                                         </p:cTn>
                                         <p:tgtEl>
-                                          <p:spTgt spid="14"/>
+                                          <p:spTgt spid="21"/>
                                         </p:tgtEl>
                                         <p:attrNameLst>
                                           <p:attrName>style.visibility</p:attrName>
@@ -18422,7 +23598,403 @@
                                           </p:stCondLst>
                                         </p:cTn>
                                         <p:tgtEl>
-                                          <p:spTgt spid="21"/>
+                                          <p:spTgt spid="14"/>
+                                        </p:tgtEl>
+                                        <p:attrNameLst>
+                                          <p:attrName>style.visibility</p:attrName>
+                                        </p:attrNameLst>
+                                      </p:cBhvr>
+                                      <p:to>
+                                        <p:strVal val="visible"/>
+                                      </p:to>
+                                    </p:set>
+                                  </p:childTnLst>
+                                </p:cTn>
+                              </p:par>
+                            </p:childTnLst>
+                          </p:cTn>
+                        </p:par>
+                      </p:childTnLst>
+                    </p:cTn>
+                  </p:par>
+                  <p:par>
+                    <p:cTn id="21" fill="hold">
+                      <p:stCondLst>
+                        <p:cond delay="indefinite"/>
+                      </p:stCondLst>
+                      <p:childTnLst>
+                        <p:par>
+                          <p:cTn id="22" fill="hold">
+                            <p:stCondLst>
+                              <p:cond delay="0"/>
+                            </p:stCondLst>
+                            <p:childTnLst>
+                              <p:par>
+                                <p:cTn id="23" presetID="1" presetClass="entr" presetSubtype="0" fill="hold" nodeType="clickEffect">
+                                  <p:stCondLst>
+                                    <p:cond delay="0"/>
+                                  </p:stCondLst>
+                                  <p:childTnLst>
+                                    <p:set>
+                                      <p:cBhvr>
+                                        <p:cTn id="24" dur="1" fill="hold">
+                                          <p:stCondLst>
+                                            <p:cond delay="0"/>
+                                          </p:stCondLst>
+                                        </p:cTn>
+                                        <p:tgtEl>
+                                          <p:spTgt spid="7">
+                                            <p:txEl>
+                                              <p:pRg st="4" end="4"/>
+                                            </p:txEl>
+                                          </p:spTgt>
+                                        </p:tgtEl>
+                                        <p:attrNameLst>
+                                          <p:attrName>style.visibility</p:attrName>
+                                        </p:attrNameLst>
+                                      </p:cBhvr>
+                                      <p:to>
+                                        <p:strVal val="visible"/>
+                                      </p:to>
+                                    </p:set>
+                                  </p:childTnLst>
+                                </p:cTn>
+                              </p:par>
+                            </p:childTnLst>
+                          </p:cTn>
+                        </p:par>
+                      </p:childTnLst>
+                    </p:cTn>
+                  </p:par>
+                  <p:par>
+                    <p:cTn id="25" fill="hold">
+                      <p:stCondLst>
+                        <p:cond delay="indefinite"/>
+                      </p:stCondLst>
+                      <p:childTnLst>
+                        <p:par>
+                          <p:cTn id="26" fill="hold">
+                            <p:stCondLst>
+                              <p:cond delay="0"/>
+                            </p:stCondLst>
+                            <p:childTnLst>
+                              <p:par>
+                                <p:cTn id="27" presetID="1" presetClass="entr" presetSubtype="0" fill="hold" nodeType="clickEffect">
+                                  <p:stCondLst>
+                                    <p:cond delay="0"/>
+                                  </p:stCondLst>
+                                  <p:childTnLst>
+                                    <p:set>
+                                      <p:cBhvr>
+                                        <p:cTn id="28" dur="1" fill="hold">
+                                          <p:stCondLst>
+                                            <p:cond delay="0"/>
+                                          </p:stCondLst>
+                                        </p:cTn>
+                                        <p:tgtEl>
+                                          <p:spTgt spid="7">
+                                            <p:txEl>
+                                              <p:pRg st="5" end="5"/>
+                                            </p:txEl>
+                                          </p:spTgt>
+                                        </p:tgtEl>
+                                        <p:attrNameLst>
+                                          <p:attrName>style.visibility</p:attrName>
+                                        </p:attrNameLst>
+                                      </p:cBhvr>
+                                      <p:to>
+                                        <p:strVal val="visible"/>
+                                      </p:to>
+                                    </p:set>
+                                  </p:childTnLst>
+                                </p:cTn>
+                              </p:par>
+                            </p:childTnLst>
+                          </p:cTn>
+                        </p:par>
+                      </p:childTnLst>
+                    </p:cTn>
+                  </p:par>
+                  <p:par>
+                    <p:cTn id="29" fill="hold">
+                      <p:stCondLst>
+                        <p:cond delay="indefinite"/>
+                      </p:stCondLst>
+                      <p:childTnLst>
+                        <p:par>
+                          <p:cTn id="30" fill="hold">
+                            <p:stCondLst>
+                              <p:cond delay="0"/>
+                            </p:stCondLst>
+                            <p:childTnLst>
+                              <p:par>
+                                <p:cTn id="31" presetID="1" presetClass="entr" presetSubtype="0" fill="hold" nodeType="clickEffect">
+                                  <p:stCondLst>
+                                    <p:cond delay="0"/>
+                                  </p:stCondLst>
+                                  <p:childTnLst>
+                                    <p:set>
+                                      <p:cBhvr>
+                                        <p:cTn id="32" dur="1" fill="hold">
+                                          <p:stCondLst>
+                                            <p:cond delay="0"/>
+                                          </p:stCondLst>
+                                        </p:cTn>
+                                        <p:tgtEl>
+                                          <p:spTgt spid="7">
+                                            <p:txEl>
+                                              <p:pRg st="6" end="6"/>
+                                            </p:txEl>
+                                          </p:spTgt>
+                                        </p:tgtEl>
+                                        <p:attrNameLst>
+                                          <p:attrName>style.visibility</p:attrName>
+                                        </p:attrNameLst>
+                                      </p:cBhvr>
+                                      <p:to>
+                                        <p:strVal val="visible"/>
+                                      </p:to>
+                                    </p:set>
+                                  </p:childTnLst>
+                                </p:cTn>
+                              </p:par>
+                            </p:childTnLst>
+                          </p:cTn>
+                        </p:par>
+                      </p:childTnLst>
+                    </p:cTn>
+                  </p:par>
+                  <p:par>
+                    <p:cTn id="33" fill="hold">
+                      <p:stCondLst>
+                        <p:cond delay="indefinite"/>
+                      </p:stCondLst>
+                      <p:childTnLst>
+                        <p:par>
+                          <p:cTn id="34" fill="hold">
+                            <p:stCondLst>
+                              <p:cond delay="0"/>
+                            </p:stCondLst>
+                            <p:childTnLst>
+                              <p:par>
+                                <p:cTn id="35" presetID="1" presetClass="entr" presetSubtype="0" fill="hold" grpId="0" nodeType="clickEffect">
+                                  <p:stCondLst>
+                                    <p:cond delay="0"/>
+                                  </p:stCondLst>
+                                  <p:childTnLst>
+                                    <p:set>
+                                      <p:cBhvr>
+                                        <p:cTn id="36" dur="1" fill="hold">
+                                          <p:stCondLst>
+                                            <p:cond delay="0"/>
+                                          </p:stCondLst>
+                                        </p:cTn>
+                                        <p:tgtEl>
+                                          <p:spTgt spid="25"/>
+                                        </p:tgtEl>
+                                        <p:attrNameLst>
+                                          <p:attrName>style.visibility</p:attrName>
+                                        </p:attrNameLst>
+                                      </p:cBhvr>
+                                      <p:to>
+                                        <p:strVal val="visible"/>
+                                      </p:to>
+                                    </p:set>
+                                  </p:childTnLst>
+                                </p:cTn>
+                              </p:par>
+                              <p:par>
+                                <p:cTn id="37" presetID="1" presetClass="entr" presetSubtype="0" fill="hold" nodeType="withEffect">
+                                  <p:stCondLst>
+                                    <p:cond delay="0"/>
+                                  </p:stCondLst>
+                                  <p:childTnLst>
+                                    <p:set>
+                                      <p:cBhvr>
+                                        <p:cTn id="38" dur="1" fill="hold">
+                                          <p:stCondLst>
+                                            <p:cond delay="0"/>
+                                          </p:stCondLst>
+                                        </p:cTn>
+                                        <p:tgtEl>
+                                          <p:spTgt spid="25">
+                                            <p:txEl>
+                                              <p:pRg st="0" end="0"/>
+                                            </p:txEl>
+                                          </p:spTgt>
+                                        </p:tgtEl>
+                                        <p:attrNameLst>
+                                          <p:attrName>style.visibility</p:attrName>
+                                        </p:attrNameLst>
+                                      </p:cBhvr>
+                                      <p:to>
+                                        <p:strVal val="visible"/>
+                                      </p:to>
+                                    </p:set>
+                                  </p:childTnLst>
+                                </p:cTn>
+                              </p:par>
+                              <p:par>
+                                <p:cTn id="39" presetID="1" presetClass="entr" presetSubtype="0" fill="hold" nodeType="withEffect">
+                                  <p:stCondLst>
+                                    <p:cond delay="0"/>
+                                  </p:stCondLst>
+                                  <p:childTnLst>
+                                    <p:set>
+                                      <p:cBhvr>
+                                        <p:cTn id="40" dur="1" fill="hold">
+                                          <p:stCondLst>
+                                            <p:cond delay="0"/>
+                                          </p:stCondLst>
+                                        </p:cTn>
+                                        <p:tgtEl>
+                                          <p:spTgt spid="25">
+                                            <p:txEl>
+                                              <p:pRg st="1" end="1"/>
+                                            </p:txEl>
+                                          </p:spTgt>
+                                        </p:tgtEl>
+                                        <p:attrNameLst>
+                                          <p:attrName>style.visibility</p:attrName>
+                                        </p:attrNameLst>
+                                      </p:cBhvr>
+                                      <p:to>
+                                        <p:strVal val="visible"/>
+                                      </p:to>
+                                    </p:set>
+                                  </p:childTnLst>
+                                </p:cTn>
+                              </p:par>
+                              <p:par>
+                                <p:cTn id="41" presetID="1" presetClass="entr" presetSubtype="0" fill="hold" nodeType="withEffect">
+                                  <p:stCondLst>
+                                    <p:cond delay="0"/>
+                                  </p:stCondLst>
+                                  <p:childTnLst>
+                                    <p:set>
+                                      <p:cBhvr>
+                                        <p:cTn id="42" dur="1" fill="hold">
+                                          <p:stCondLst>
+                                            <p:cond delay="0"/>
+                                          </p:stCondLst>
+                                        </p:cTn>
+                                        <p:tgtEl>
+                                          <p:spTgt spid="25">
+                                            <p:txEl>
+                                              <p:pRg st="5" end="5"/>
+                                            </p:txEl>
+                                          </p:spTgt>
+                                        </p:tgtEl>
+                                        <p:attrNameLst>
+                                          <p:attrName>style.visibility</p:attrName>
+                                        </p:attrNameLst>
+                                      </p:cBhvr>
+                                      <p:to>
+                                        <p:strVal val="visible"/>
+                                      </p:to>
+                                    </p:set>
+                                  </p:childTnLst>
+                                </p:cTn>
+                              </p:par>
+                            </p:childTnLst>
+                          </p:cTn>
+                        </p:par>
+                      </p:childTnLst>
+                    </p:cTn>
+                  </p:par>
+                  <p:par>
+                    <p:cTn id="43" fill="hold">
+                      <p:stCondLst>
+                        <p:cond delay="indefinite"/>
+                      </p:stCondLst>
+                      <p:childTnLst>
+                        <p:par>
+                          <p:cTn id="44" fill="hold">
+                            <p:stCondLst>
+                              <p:cond delay="0"/>
+                            </p:stCondLst>
+                            <p:childTnLst>
+                              <p:par>
+                                <p:cTn id="45" presetID="1" presetClass="entr" presetSubtype="0" fill="hold" nodeType="clickEffect">
+                                  <p:stCondLst>
+                                    <p:cond delay="0"/>
+                                  </p:stCondLst>
+                                  <p:childTnLst>
+                                    <p:set>
+                                      <p:cBhvr>
+                                        <p:cTn id="46" dur="1" fill="hold">
+                                          <p:stCondLst>
+                                            <p:cond delay="0"/>
+                                          </p:stCondLst>
+                                        </p:cTn>
+                                        <p:tgtEl>
+                                          <p:spTgt spid="25">
+                                            <p:txEl>
+                                              <p:pRg st="2" end="2"/>
+                                            </p:txEl>
+                                          </p:spTgt>
+                                        </p:tgtEl>
+                                        <p:attrNameLst>
+                                          <p:attrName>style.visibility</p:attrName>
+                                        </p:attrNameLst>
+                                      </p:cBhvr>
+                                      <p:to>
+                                        <p:strVal val="visible"/>
+                                      </p:to>
+                                    </p:set>
+                                  </p:childTnLst>
+                                </p:cTn>
+                              </p:par>
+                              <p:par>
+                                <p:cTn id="47" presetID="1" presetClass="entr" presetSubtype="0" fill="hold" nodeType="withEffect">
+                                  <p:stCondLst>
+                                    <p:cond delay="0"/>
+                                  </p:stCondLst>
+                                  <p:childTnLst>
+                                    <p:set>
+                                      <p:cBhvr>
+                                        <p:cTn id="48" dur="1" fill="hold">
+                                          <p:stCondLst>
+                                            <p:cond delay="0"/>
+                                          </p:stCondLst>
+                                        </p:cTn>
+                                        <p:tgtEl>
+                                          <p:spTgt spid="25">
+                                            <p:txEl>
+                                              <p:pRg st="3" end="3"/>
+                                            </p:txEl>
+                                          </p:spTgt>
+                                        </p:tgtEl>
+                                        <p:attrNameLst>
+                                          <p:attrName>style.visibility</p:attrName>
+                                        </p:attrNameLst>
+                                      </p:cBhvr>
+                                      <p:to>
+                                        <p:strVal val="visible"/>
+                                      </p:to>
+                                    </p:set>
+                                  </p:childTnLst>
+                                </p:cTn>
+                              </p:par>
+                              <p:par>
+                                <p:cTn id="49" presetID="1" presetClass="entr" presetSubtype="0" fill="hold" nodeType="withEffect">
+                                  <p:stCondLst>
+                                    <p:cond delay="0"/>
+                                  </p:stCondLst>
+                                  <p:childTnLst>
+                                    <p:set>
+                                      <p:cBhvr>
+                                        <p:cTn id="50" dur="1" fill="hold">
+                                          <p:stCondLst>
+                                            <p:cond delay="0"/>
+                                          </p:stCondLst>
+                                        </p:cTn>
+                                        <p:tgtEl>
+                                          <p:spTgt spid="25">
+                                            <p:txEl>
+                                              <p:pRg st="4" end="4"/>
+                                            </p:txEl>
+                                          </p:spTgt>
                                         </p:tgtEl>
                                         <p:attrNameLst>
                                           <p:attrName>style.visibility</p:attrName>
@@ -18468,6 +24040,7 @@
       <p:bldP spid="12" grpId="0" animBg="1"/>
       <p:bldP spid="13" grpId="0" animBg="1"/>
       <p:bldP spid="14" grpId="0" animBg="1"/>
+      <p:bldP spid="25" grpId="0" animBg="1"/>
     </p:bldLst>
   </p:timing>
 </p:sld>
@@ -19331,7 +24904,7 @@
                                           </p:stCondLst>
                                         </p:cTn>
                                         <p:tgtEl>
-                                          <p:spTgt spid="10"/>
+                                          <p:spTgt spid="5"/>
                                         </p:tgtEl>
                                         <p:attrNameLst>
                                           <p:attrName>style.visibility</p:attrName>
@@ -19371,6 +24944,145 @@
                                     <p:set>
                                       <p:cBhvr>
                                         <p:cTn id="10" dur="1" fill="hold">
+                                          <p:stCondLst>
+                                            <p:cond delay="0"/>
+                                          </p:stCondLst>
+                                        </p:cTn>
+                                        <p:tgtEl>
+                                          <p:spTgt spid="10"/>
+                                        </p:tgtEl>
+                                        <p:attrNameLst>
+                                          <p:attrName>style.visibility</p:attrName>
+                                        </p:attrNameLst>
+                                      </p:cBhvr>
+                                      <p:to>
+                                        <p:strVal val="visible"/>
+                                      </p:to>
+                                    </p:set>
+                                  </p:childTnLst>
+                                </p:cTn>
+                              </p:par>
+                            </p:childTnLst>
+                          </p:cTn>
+                        </p:par>
+                      </p:childTnLst>
+                    </p:cTn>
+                  </p:par>
+                  <p:par>
+                    <p:cTn id="11" fill="hold">
+                      <p:stCondLst>
+                        <p:cond delay="indefinite"/>
+                      </p:stCondLst>
+                      <p:childTnLst>
+                        <p:par>
+                          <p:cTn id="12" fill="hold">
+                            <p:stCondLst>
+                              <p:cond delay="0"/>
+                            </p:stCondLst>
+                            <p:childTnLst>
+                              <p:par>
+                                <p:cTn id="13" presetID="1" presetClass="entr" presetSubtype="0" fill="hold" nodeType="clickEffect">
+                                  <p:stCondLst>
+                                    <p:cond delay="0"/>
+                                  </p:stCondLst>
+                                  <p:childTnLst>
+                                    <p:set>
+                                      <p:cBhvr>
+                                        <p:cTn id="14" dur="1" fill="hold">
+                                          <p:stCondLst>
+                                            <p:cond delay="0"/>
+                                          </p:stCondLst>
+                                        </p:cTn>
+                                        <p:tgtEl>
+                                          <p:spTgt spid="3">
+                                            <p:txEl>
+                                              <p:pRg st="4" end="4"/>
+                                            </p:txEl>
+                                          </p:spTgt>
+                                        </p:tgtEl>
+                                        <p:attrNameLst>
+                                          <p:attrName>style.visibility</p:attrName>
+                                        </p:attrNameLst>
+                                      </p:cBhvr>
+                                      <p:to>
+                                        <p:strVal val="visible"/>
+                                      </p:to>
+                                    </p:set>
+                                  </p:childTnLst>
+                                </p:cTn>
+                              </p:par>
+                            </p:childTnLst>
+                          </p:cTn>
+                        </p:par>
+                      </p:childTnLst>
+                    </p:cTn>
+                  </p:par>
+                  <p:par>
+                    <p:cTn id="15" fill="hold">
+                      <p:stCondLst>
+                        <p:cond delay="indefinite"/>
+                      </p:stCondLst>
+                      <p:childTnLst>
+                        <p:par>
+                          <p:cTn id="16" fill="hold">
+                            <p:stCondLst>
+                              <p:cond delay="0"/>
+                            </p:stCondLst>
+                            <p:childTnLst>
+                              <p:par>
+                                <p:cTn id="17" presetID="1" presetClass="entr" presetSubtype="0" fill="hold" grpId="0" nodeType="clickEffect">
+                                  <p:stCondLst>
+                                    <p:cond delay="0"/>
+                                  </p:stCondLst>
+                                  <p:childTnLst>
+                                    <p:set>
+                                      <p:cBhvr>
+                                        <p:cTn id="18" dur="1" fill="hold">
+                                          <p:stCondLst>
+                                            <p:cond delay="0"/>
+                                          </p:stCondLst>
+                                        </p:cTn>
+                                        <p:tgtEl>
+                                          <p:spTgt spid="9"/>
+                                        </p:tgtEl>
+                                        <p:attrNameLst>
+                                          <p:attrName>style.visibility</p:attrName>
+                                        </p:attrNameLst>
+                                      </p:cBhvr>
+                                      <p:to>
+                                        <p:strVal val="visible"/>
+                                      </p:to>
+                                    </p:set>
+                                  </p:childTnLst>
+                                </p:cTn>
+                              </p:par>
+                            </p:childTnLst>
+                          </p:cTn>
+                        </p:par>
+                      </p:childTnLst>
+                    </p:cTn>
+                  </p:par>
+                  <p:par>
+                    <p:cTn id="19" fill="hold">
+                      <p:stCondLst>
+                        <p:cond delay="indefinite"/>
+                      </p:stCondLst>
+                      <p:childTnLst>
+                        <p:par>
+                          <p:cTn id="20" fill="hold">
+                            <p:stCondLst>
+                              <p:cond delay="0"/>
+                            </p:stCondLst>
+                            <p:childTnLst>
+                              <p:par>
+                                <p:cTn id="21" presetID="1" presetClass="entr" presetSubtype="0" fill="hold" grpId="0" nodeType="clickEffect">
+                                  <p:stCondLst>
+                                    <p:cond delay="0"/>
+                                  </p:stCondLst>
+                                  <p:childTnLst>
+                                    <p:set>
+                                      <p:cBhvr>
+                                        <p:cTn id="22" dur="1" fill="hold">
                                           <p:stCondLst>
                                             <p:cond delay="0"/>
                                           </p:stCondLst>
@@ -19417,6 +25129,8 @@
       </p:par>
     </p:tnLst>
     <p:bldLst>
+      <p:bldP spid="5" grpId="0" animBg="1"/>
+      <p:bldP spid="9" grpId="0" animBg="1"/>
       <p:bldP spid="10" grpId="0" animBg="1"/>
       <p:bldP spid="11" grpId="0" animBg="1"/>
     </p:bldLst>
@@ -21483,6 +27197,344 @@
   <p:clrMapOvr>
     <a:masterClrMapping/>
   </p:clrMapOvr>
+  <p:timing>
+    <p:tnLst>
+      <p:par>
+        <p:cTn id="1" dur="indefinite" restart="never" nodeType="tmRoot">
+          <p:childTnLst>
+            <p:seq concurrent="1" nextAc="seek">
+              <p:cTn id="2" dur="indefinite" nodeType="mainSeq">
+                <p:childTnLst>
+                  <p:par>
+                    <p:cTn id="3" fill="hold">
+                      <p:stCondLst>
+                        <p:cond delay="indefinite"/>
+                      </p:stCondLst>
+                      <p:childTnLst>
+                        <p:par>
+                          <p:cTn id="4" fill="hold">
+                            <p:stCondLst>
+                              <p:cond delay="0"/>
+                            </p:stCondLst>
+                            <p:childTnLst>
+                              <p:par>
+                                <p:cTn id="5" presetID="1" presetClass="entr" presetSubtype="0" fill="hold" grpId="0" nodeType="clickEffect">
+                                  <p:stCondLst>
+                                    <p:cond delay="0"/>
+                                  </p:stCondLst>
+                                  <p:childTnLst>
+                                    <p:set>
+                                      <p:cBhvr>
+                                        <p:cTn id="6" dur="1" fill="hold">
+                                          <p:stCondLst>
+                                            <p:cond delay="0"/>
+                                          </p:stCondLst>
+                                        </p:cTn>
+                                        <p:tgtEl>
+                                          <p:spTgt spid="11"/>
+                                        </p:tgtEl>
+                                        <p:attrNameLst>
+                                          <p:attrName>style.visibility</p:attrName>
+                                        </p:attrNameLst>
+                                      </p:cBhvr>
+                                      <p:to>
+                                        <p:strVal val="visible"/>
+                                      </p:to>
+                                    </p:set>
+                                  </p:childTnLst>
+                                </p:cTn>
+                              </p:par>
+                              <p:par>
+                                <p:cTn id="7" presetID="1" presetClass="entr" presetSubtype="0" fill="hold" grpId="0" nodeType="withEffect">
+                                  <p:stCondLst>
+                                    <p:cond delay="0"/>
+                                  </p:stCondLst>
+                                  <p:childTnLst>
+                                    <p:set>
+                                      <p:cBhvr>
+                                        <p:cTn id="8" dur="1" fill="hold">
+                                          <p:stCondLst>
+                                            <p:cond delay="0"/>
+                                          </p:stCondLst>
+                                        </p:cTn>
+                                        <p:tgtEl>
+                                          <p:spTgt spid="13"/>
+                                        </p:tgtEl>
+                                        <p:attrNameLst>
+                                          <p:attrName>style.visibility</p:attrName>
+                                        </p:attrNameLst>
+                                      </p:cBhvr>
+                                      <p:to>
+                                        <p:strVal val="visible"/>
+                                      </p:to>
+                                    </p:set>
+                                  </p:childTnLst>
+                                </p:cTn>
+                              </p:par>
+                              <p:par>
+                                <p:cTn id="9" presetID="1" presetClass="entr" presetSubtype="0" fill="hold" grpId="0" nodeType="withEffect">
+                                  <p:stCondLst>
+                                    <p:cond delay="0"/>
+                                  </p:stCondLst>
+                                  <p:childTnLst>
+                                    <p:set>
+                                      <p:cBhvr>
+                                        <p:cTn id="10" dur="1" fill="hold">
+                                          <p:stCondLst>
+                                            <p:cond delay="0"/>
+                                          </p:stCondLst>
+                                        </p:cTn>
+                                        <p:tgtEl>
+                                          <p:spTgt spid="12"/>
+                                        </p:tgtEl>
+                                        <p:attrNameLst>
+                                          <p:attrName>style.visibility</p:attrName>
+                                        </p:attrNameLst>
+                                      </p:cBhvr>
+                                      <p:to>
+                                        <p:strVal val="visible"/>
+                                      </p:to>
+                                    </p:set>
+                                  </p:childTnLst>
+                                </p:cTn>
+                              </p:par>
+                            </p:childTnLst>
+                          </p:cTn>
+                        </p:par>
+                      </p:childTnLst>
+                    </p:cTn>
+                  </p:par>
+                  <p:par>
+                    <p:cTn id="11" fill="hold">
+                      <p:stCondLst>
+                        <p:cond delay="indefinite"/>
+                      </p:stCondLst>
+                      <p:childTnLst>
+                        <p:par>
+                          <p:cTn id="12" fill="hold">
+                            <p:stCondLst>
+                              <p:cond delay="0"/>
+                            </p:stCondLst>
+                            <p:childTnLst>
+                              <p:par>
+                                <p:cTn id="13" presetID="1" presetClass="entr" presetSubtype="0" fill="hold" grpId="0" nodeType="clickEffect">
+                                  <p:stCondLst>
+                                    <p:cond delay="0"/>
+                                  </p:stCondLst>
+                                  <p:childTnLst>
+                                    <p:set>
+                                      <p:cBhvr>
+                                        <p:cTn id="14" dur="1" fill="hold">
+                                          <p:stCondLst>
+                                            <p:cond delay="0"/>
+                                          </p:stCondLst>
+                                        </p:cTn>
+                                        <p:tgtEl>
+                                          <p:spTgt spid="14"/>
+                                        </p:tgtEl>
+                                        <p:attrNameLst>
+                                          <p:attrName>style.visibility</p:attrName>
+                                        </p:attrNameLst>
+                                      </p:cBhvr>
+                                      <p:to>
+                                        <p:strVal val="visible"/>
+                                      </p:to>
+                                    </p:set>
+                                  </p:childTnLst>
+                                </p:cTn>
+                              </p:par>
+                              <p:par>
+                                <p:cTn id="15" presetID="1" presetClass="entr" presetSubtype="0" fill="hold" grpId="0" nodeType="withEffect">
+                                  <p:stCondLst>
+                                    <p:cond delay="0"/>
+                                  </p:stCondLst>
+                                  <p:childTnLst>
+                                    <p:set>
+                                      <p:cBhvr>
+                                        <p:cTn id="16" dur="1" fill="hold">
+                                          <p:stCondLst>
+                                            <p:cond delay="0"/>
+                                          </p:stCondLst>
+                                        </p:cTn>
+                                        <p:tgtEl>
+                                          <p:spTgt spid="19"/>
+                                        </p:tgtEl>
+                                        <p:attrNameLst>
+                                          <p:attrName>style.visibility</p:attrName>
+                                        </p:attrNameLst>
+                                      </p:cBhvr>
+                                      <p:to>
+                                        <p:strVal val="visible"/>
+                                      </p:to>
+                                    </p:set>
+                                  </p:childTnLst>
+                                </p:cTn>
+                              </p:par>
+                              <p:par>
+                                <p:cTn id="17" presetID="1" presetClass="entr" presetSubtype="0" fill="hold" grpId="0" nodeType="withEffect">
+                                  <p:stCondLst>
+                                    <p:cond delay="0"/>
+                                  </p:stCondLst>
+                                  <p:childTnLst>
+                                    <p:set>
+                                      <p:cBhvr>
+                                        <p:cTn id="18" dur="1" fill="hold">
+                                          <p:stCondLst>
+                                            <p:cond delay="0"/>
+                                          </p:stCondLst>
+                                        </p:cTn>
+                                        <p:tgtEl>
+                                          <p:spTgt spid="20"/>
+                                        </p:tgtEl>
+                                        <p:attrNameLst>
+                                          <p:attrName>style.visibility</p:attrName>
+                                        </p:attrNameLst>
+                                      </p:cBhvr>
+                                      <p:to>
+                                        <p:strVal val="visible"/>
+                                      </p:to>
+                                    </p:set>
+                                  </p:childTnLst>
+                                </p:cTn>
+                              </p:par>
+                            </p:childTnLst>
+                          </p:cTn>
+                        </p:par>
+                      </p:childTnLst>
+                    </p:cTn>
+                  </p:par>
+                  <p:par>
+                    <p:cTn id="19" fill="hold">
+                      <p:stCondLst>
+                        <p:cond delay="indefinite"/>
+                      </p:stCondLst>
+                      <p:childTnLst>
+                        <p:par>
+                          <p:cTn id="20" fill="hold">
+                            <p:stCondLst>
+                              <p:cond delay="0"/>
+                            </p:stCondLst>
+                            <p:childTnLst>
+                              <p:par>
+                                <p:cTn id="21" presetID="1" presetClass="entr" presetSubtype="0" fill="hold" grpId="0" nodeType="clickEffect">
+                                  <p:stCondLst>
+                                    <p:cond delay="0"/>
+                                  </p:stCondLst>
+                                  <p:childTnLst>
+                                    <p:set>
+                                      <p:cBhvr>
+                                        <p:cTn id="22" dur="1" fill="hold">
+                                          <p:stCondLst>
+                                            <p:cond delay="0"/>
+                                          </p:stCondLst>
+                                        </p:cTn>
+                                        <p:tgtEl>
+                                          <p:spTgt spid="18"/>
+                                        </p:tgtEl>
+                                        <p:attrNameLst>
+                                          <p:attrName>style.visibility</p:attrName>
+                                        </p:attrNameLst>
+                                      </p:cBhvr>
+                                      <p:to>
+                                        <p:strVal val="visible"/>
+                                      </p:to>
+                                    </p:set>
+                                  </p:childTnLst>
+                                </p:cTn>
+                              </p:par>
+                              <p:par>
+                                <p:cTn id="23" presetID="1" presetClass="entr" presetSubtype="0" fill="hold" grpId="0" nodeType="withEffect">
+                                  <p:stCondLst>
+                                    <p:cond delay="0"/>
+                                  </p:stCondLst>
+                                  <p:childTnLst>
+                                    <p:set>
+                                      <p:cBhvr>
+                                        <p:cTn id="24" dur="1" fill="hold">
+                                          <p:stCondLst>
+                                            <p:cond delay="0"/>
+                                          </p:stCondLst>
+                                        </p:cTn>
+                                        <p:tgtEl>
+                                          <p:spTgt spid="16"/>
+                                        </p:tgtEl>
+                                        <p:attrNameLst>
+                                          <p:attrName>style.visibility</p:attrName>
+                                        </p:attrNameLst>
+                                      </p:cBhvr>
+                                      <p:to>
+                                        <p:strVal val="visible"/>
+                                      </p:to>
+                                    </p:set>
+                                  </p:childTnLst>
+                                </p:cTn>
+                              </p:par>
+                              <p:par>
+                                <p:cTn id="25" presetID="1" presetClass="entr" presetSubtype="0" fill="hold" grpId="0" nodeType="withEffect">
+                                  <p:stCondLst>
+                                    <p:cond delay="0"/>
+                                  </p:stCondLst>
+                                  <p:childTnLst>
+                                    <p:set>
+                                      <p:cBhvr>
+                                        <p:cTn id="26" dur="1" fill="hold">
+                                          <p:stCondLst>
+                                            <p:cond delay="0"/>
+                                          </p:stCondLst>
+                                        </p:cTn>
+                                        <p:tgtEl>
+                                          <p:spTgt spid="15"/>
+                                        </p:tgtEl>
+                                        <p:attrNameLst>
+                                          <p:attrName>style.visibility</p:attrName>
+                                        </p:attrNameLst>
+                                      </p:cBhvr>
+                                      <p:to>
+                                        <p:strVal val="visible"/>
+                                      </p:to>
+                                    </p:set>
+                                  </p:childTnLst>
+                                </p:cTn>
+                              </p:par>
+                            </p:childTnLst>
+                          </p:cTn>
+                        </p:par>
+                      </p:childTnLst>
+                    </p:cTn>
+                  </p:par>
+                </p:childTnLst>
+              </p:cTn>
+              <p:prevCondLst>
+                <p:cond evt="onPrev" delay="0">
+                  <p:tgtEl>
+                    <p:sldTgt/>
+                  </p:tgtEl>
+                </p:cond>
+              </p:prevCondLst>
+              <p:nextCondLst>
+                <p:cond evt="onNext" delay="0">
+                  <p:tgtEl>
+                    <p:sldTgt/>
+                  </p:tgtEl>
+                </p:cond>
+              </p:nextCondLst>
+            </p:seq>
+          </p:childTnLst>
+        </p:cTn>
+      </p:par>
+    </p:tnLst>
+    <p:bldLst>
+      <p:bldP spid="11" grpId="0" animBg="1"/>
+      <p:bldP spid="12" grpId="0" animBg="1"/>
+      <p:bldP spid="13" grpId="0" animBg="1"/>
+      <p:bldP spid="14" grpId="0" animBg="1"/>
+      <p:bldP spid="15" grpId="0" animBg="1"/>
+      <p:bldP spid="16" grpId="0" animBg="1"/>
+      <p:bldP spid="18" grpId="0" animBg="1"/>
+      <p:bldP spid="19" grpId="0" animBg="1"/>
+      <p:bldP spid="20" grpId="0" animBg="1"/>
+    </p:bldLst>
+  </p:timing>
 </p:sld>
 </file>
 
